--- a/Final Report/Android Games Analysis Final Presentation1.pptx
+++ b/Final Report/Android Games Analysis Final Presentation1.pptx
@@ -11,29 +11,30 @@
     <p:sldId id="285" r:id="rId5"/>
     <p:sldId id="270" r:id="rId6"/>
     <p:sldId id="271" r:id="rId7"/>
-    <p:sldId id="265" r:id="rId8"/>
-    <p:sldId id="272" r:id="rId9"/>
-    <p:sldId id="273" r:id="rId10"/>
-    <p:sldId id="274" r:id="rId11"/>
-    <p:sldId id="275" r:id="rId12"/>
-    <p:sldId id="276" r:id="rId13"/>
-    <p:sldId id="277" r:id="rId14"/>
-    <p:sldId id="286" r:id="rId15"/>
-    <p:sldId id="260" r:id="rId16"/>
-    <p:sldId id="262" r:id="rId17"/>
-    <p:sldId id="263" r:id="rId18"/>
-    <p:sldId id="264" r:id="rId19"/>
-    <p:sldId id="278" r:id="rId20"/>
-    <p:sldId id="279" r:id="rId21"/>
-    <p:sldId id="280" r:id="rId22"/>
-    <p:sldId id="281" r:id="rId23"/>
-    <p:sldId id="282" r:id="rId24"/>
-    <p:sldId id="266" r:id="rId25"/>
-    <p:sldId id="283" r:id="rId26"/>
-    <p:sldId id="284" r:id="rId27"/>
-    <p:sldId id="268" r:id="rId28"/>
+    <p:sldId id="287" r:id="rId8"/>
+    <p:sldId id="265" r:id="rId9"/>
+    <p:sldId id="272" r:id="rId10"/>
+    <p:sldId id="273" r:id="rId11"/>
+    <p:sldId id="274" r:id="rId12"/>
+    <p:sldId id="275" r:id="rId13"/>
+    <p:sldId id="276" r:id="rId14"/>
+    <p:sldId id="277" r:id="rId15"/>
+    <p:sldId id="286" r:id="rId16"/>
+    <p:sldId id="260" r:id="rId17"/>
+    <p:sldId id="262" r:id="rId18"/>
+    <p:sldId id="263" r:id="rId19"/>
+    <p:sldId id="264" r:id="rId20"/>
+    <p:sldId id="278" r:id="rId21"/>
+    <p:sldId id="279" r:id="rId22"/>
+    <p:sldId id="280" r:id="rId23"/>
+    <p:sldId id="281" r:id="rId24"/>
+    <p:sldId id="282" r:id="rId25"/>
+    <p:sldId id="266" r:id="rId26"/>
+    <p:sldId id="283" r:id="rId27"/>
+    <p:sldId id="284" r:id="rId28"/>
     <p:sldId id="267" r:id="rId29"/>
-    <p:sldId id="269" r:id="rId30"/>
+    <p:sldId id="268" r:id="rId30"/>
+    <p:sldId id="269" r:id="rId31"/>
   </p:sldIdLst>
   <p:sldSz cx="12192000" cy="6858000"/>
   <p:notesSz cx="6858000" cy="9144000"/>
@@ -6225,6 +6226,47 @@
           </a:p>
         </p:txBody>
       </p:sp>
+      <p:pic>
+        <p:nvPicPr>
+          <p:cNvPr id="7172" name="Picture 4" descr="http://showreely.com/media/uploads/adminfiles/production_icon.png"/>
+          <p:cNvPicPr>
+            <a:picLocks noChangeAspect="1" noChangeArrowheads="1"/>
+          </p:cNvPicPr>
+          <p:nvPr/>
+        </p:nvPicPr>
+        <p:blipFill>
+          <a:blip r:embed="rId2">
+            <a:extLst>
+              <a:ext uri="{28A0092B-C50C-407E-A947-70E740481C1C}">
+                <a14:useLocalDpi xmlns:a14="http://schemas.microsoft.com/office/drawing/2010/main" val="0"/>
+              </a:ext>
+            </a:extLst>
+          </a:blip>
+          <a:srcRect/>
+          <a:stretch>
+            <a:fillRect/>
+          </a:stretch>
+        </p:blipFill>
+        <p:spPr bwMode="auto">
+          <a:xfrm>
+            <a:off x="11013270" y="5768042"/>
+            <a:ext cx="1221945" cy="1089958"/>
+          </a:xfrm>
+          <a:prstGeom prst="rect">
+            <a:avLst/>
+          </a:prstGeom>
+          <a:noFill/>
+          <a:extLst>
+            <a:ext uri="{909E8E84-426E-40DD-AFC4-6F175D3DCCD1}">
+              <a14:hiddenFill xmlns:a14="http://schemas.microsoft.com/office/drawing/2010/main">
+                <a:solidFill>
+                  <a:srgbClr val="FFFFFF"/>
+                </a:solidFill>
+              </a14:hiddenFill>
+            </a:ext>
+          </a:extLst>
+        </p:spPr>
+      </p:pic>
     </p:spTree>
     <p:extLst>
       <p:ext uri="{BB962C8B-B14F-4D97-AF65-F5344CB8AC3E}">
@@ -6272,126 +6314,76 @@
             <p:ph type="title"/>
           </p:nvPr>
         </p:nvSpPr>
-        <p:spPr/>
+        <p:spPr>
+          <a:xfrm>
+            <a:off x="1484311" y="-268937"/>
+            <a:ext cx="10018713" cy="1752599"/>
+          </a:xfrm>
+        </p:spPr>
         <p:txBody>
           <a:bodyPr/>
           <a:lstStyle/>
           <a:p>
             <a:r>
               <a:rPr lang="en-US" dirty="0" smtClean="0"/>
-              <a:t>Experiment Setup</a:t>
-            </a:r>
-            <a:endParaRPr lang="en-US" dirty="0"/>
-          </a:p>
-        </p:txBody>
-      </p:sp>
-      <p:sp>
-        <p:nvSpPr>
-          <p:cNvPr id="3" name="Content Placeholder 2"/>
-          <p:cNvSpPr>
-            <a:spLocks noGrp="1"/>
-          </p:cNvSpPr>
-          <p:nvPr>
-            <p:ph idx="1"/>
-          </p:nvPr>
-        </p:nvSpPr>
-        <p:spPr/>
-        <p:txBody>
-          <a:bodyPr/>
-          <a:lstStyle/>
-          <a:p>
+              <a:t>Game States</a:t>
+            </a:r>
             <a:endParaRPr lang="en-US" dirty="0"/>
           </a:p>
         </p:txBody>
       </p:sp>
       <p:pic>
         <p:nvPicPr>
-          <p:cNvPr id="4098" name="Picture 2" descr="http://i-cdn.phonearena.com/images/articles/78140-image/2.jpg"/>
+          <p:cNvPr id="7" name="Content Placeholder 6"/>
           <p:cNvPicPr>
-            <a:picLocks noChangeAspect="1" noChangeArrowheads="1"/>
+            <a:picLocks noGrp="1" noChangeAspect="1"/>
           </p:cNvPicPr>
-          <p:nvPr/>
+          <p:nvPr>
+            <p:ph idx="1"/>
+          </p:nvPr>
         </p:nvPicPr>
-        <p:blipFill rotWithShape="1">
-          <a:blip r:embed="rId2">
+        <p:blipFill>
+          <a:blip r:embed="rId2" cstate="print">
             <a:extLst>
               <a:ext uri="{28A0092B-C50C-407E-A947-70E740481C1C}">
                 <a14:useLocalDpi xmlns:a14="http://schemas.microsoft.com/office/drawing/2010/main" val="0"/>
               </a:ext>
             </a:extLst>
           </a:blip>
-          <a:srcRect l="23687" t="2248" r="24020" b="2095"/>
-          <a:stretch/>
+          <a:stretch>
+            <a:fillRect/>
+          </a:stretch>
         </p:blipFill>
-        <p:spPr bwMode="auto">
+        <p:spPr>
           <a:xfrm>
-            <a:off x="6493666" y="3977527"/>
-            <a:ext cx="1173785" cy="2233054"/>
+            <a:off x="6073384" y="1223791"/>
+            <a:ext cx="1957825" cy="1957825"/>
           </a:xfrm>
           <a:prstGeom prst="rect">
             <a:avLst/>
           </a:prstGeom>
-          <a:noFill/>
-          <a:extLst>
-            <a:ext uri="{909E8E84-426E-40DD-AFC4-6F175D3DCCD1}">
-              <a14:hiddenFill xmlns:a14="http://schemas.microsoft.com/office/drawing/2010/main">
-                <a:solidFill>
-                  <a:srgbClr val="FFFFFF"/>
-                </a:solidFill>
-              </a14:hiddenFill>
-            </a:ext>
-          </a:extLst>
+          <a:ln>
+            <a:noFill/>
+          </a:ln>
+          <a:effectLst>
+            <a:outerShdw blurRad="190500" algn="tl" rotWithShape="0">
+              <a:srgbClr val="000000">
+                <a:alpha val="70000"/>
+              </a:srgbClr>
+            </a:outerShdw>
+          </a:effectLst>
         </p:spPr>
       </p:pic>
       <p:pic>
         <p:nvPicPr>
-          <p:cNvPr id="4100" name="Picture 4" descr="http://www.gadgety.co.il/wp-content/themes/main/thumbs/htc_one_m7.jpg"/>
-          <p:cNvPicPr>
-            <a:picLocks noChangeAspect="1" noChangeArrowheads="1"/>
-          </p:cNvPicPr>
-          <p:nvPr/>
-        </p:nvPicPr>
-        <p:blipFill rotWithShape="1">
-          <a:blip r:embed="rId3" cstate="print">
-            <a:extLst>
-              <a:ext uri="{28A0092B-C50C-407E-A947-70E740481C1C}">
-                <a14:useLocalDpi xmlns:a14="http://schemas.microsoft.com/office/drawing/2010/main" val="0"/>
-              </a:ext>
-            </a:extLst>
-          </a:blip>
-          <a:srcRect l="26580" r="26263"/>
-          <a:stretch/>
-        </p:blipFill>
-        <p:spPr bwMode="auto">
-          <a:xfrm>
-            <a:off x="5124697" y="3977527"/>
-            <a:ext cx="1097991" cy="2233054"/>
-          </a:xfrm>
-          <a:prstGeom prst="rect">
-            <a:avLst/>
-          </a:prstGeom>
-          <a:noFill/>
-          <a:extLst>
-            <a:ext uri="{909E8E84-426E-40DD-AFC4-6F175D3DCCD1}">
-              <a14:hiddenFill xmlns:a14="http://schemas.microsoft.com/office/drawing/2010/main">
-                <a:solidFill>
-                  <a:srgbClr val="FFFFFF"/>
-                </a:solidFill>
-              </a14:hiddenFill>
-            </a:ext>
-          </a:extLst>
-        </p:spPr>
-      </p:pic>
-      <p:pic>
-        <p:nvPicPr>
-          <p:cNvPr id="4102" name="Picture 6" descr="http://ssl-product-images.www8-hp.com/digmedialib/prodimg/lowres/c03087401.png"/>
+          <p:cNvPr id="4" name="Picture 2" descr="http://evanamccullough.com/wp-content/uploads/2015/03/no-internet-conection.png"/>
           <p:cNvPicPr>
             <a:picLocks noChangeAspect="1" noChangeArrowheads="1"/>
           </p:cNvPicPr>
           <p:nvPr/>
         </p:nvPicPr>
         <p:blipFill>
-          <a:blip r:embed="rId4">
+          <a:blip r:embed="rId3" cstate="print">
             <a:extLst>
               <a:ext uri="{28A0092B-C50C-407E-A947-70E740481C1C}">
                 <a14:useLocalDpi xmlns:a14="http://schemas.microsoft.com/office/drawing/2010/main" val="0"/>
@@ -6405,13 +6397,22 @@
         </p:blipFill>
         <p:spPr bwMode="auto">
           <a:xfrm>
-            <a:off x="6878937" y="451849"/>
-            <a:ext cx="4886325" cy="3667126"/>
+            <a:off x="3876889" y="4350863"/>
+            <a:ext cx="1109529" cy="1109529"/>
           </a:xfrm>
           <a:prstGeom prst="rect">
             <a:avLst/>
           </a:prstGeom>
-          <a:noFill/>
+          <a:ln>
+            <a:noFill/>
+          </a:ln>
+          <a:effectLst>
+            <a:outerShdw blurRad="190500" algn="tl" rotWithShape="0">
+              <a:srgbClr val="000000">
+                <a:alpha val="70000"/>
+              </a:srgbClr>
+            </a:outerShdw>
+          </a:effectLst>
           <a:extLst>
             <a:ext uri="{909E8E84-426E-40DD-AFC4-6F175D3DCCD1}">
               <a14:hiddenFill xmlns:a14="http://schemas.microsoft.com/office/drawing/2010/main">
@@ -6425,7 +6426,57 @@
       </p:pic>
       <p:pic>
         <p:nvPicPr>
-          <p:cNvPr id="4104" name="Picture 8" descr="http://vignette3.wikia.nocookie.net/telefono/images/3/37/AT%26T_Mobility_LLC.png/revision/latest?cb=20131231033826&amp;path-prefix=es"/>
+          <p:cNvPr id="5" name="Picture 4" descr="https://cdn0.iconfinder.com/data/icons/tab-bar-ios-and-wp8-vector-icons/48/Wi-Fi-512.png"/>
+          <p:cNvPicPr>
+            <a:picLocks noChangeAspect="1" noChangeArrowheads="1"/>
+          </p:cNvPicPr>
+          <p:nvPr/>
+        </p:nvPicPr>
+        <p:blipFill>
+          <a:blip r:embed="rId4" cstate="print">
+            <a:extLst>
+              <a:ext uri="{28A0092B-C50C-407E-A947-70E740481C1C}">
+                <a14:useLocalDpi xmlns:a14="http://schemas.microsoft.com/office/drawing/2010/main" val="0"/>
+              </a:ext>
+            </a:extLst>
+          </a:blip>
+          <a:srcRect/>
+          <a:stretch>
+            <a:fillRect/>
+          </a:stretch>
+        </p:blipFill>
+        <p:spPr bwMode="auto">
+          <a:xfrm>
+            <a:off x="5260603" y="3868460"/>
+            <a:ext cx="2093260" cy="2093260"/>
+          </a:xfrm>
+          <a:prstGeom prst="rect">
+            <a:avLst/>
+          </a:prstGeom>
+          <a:ln>
+            <a:noFill/>
+          </a:ln>
+          <a:effectLst>
+            <a:outerShdw blurRad="190500" algn="tl" rotWithShape="0">
+              <a:srgbClr val="000000">
+                <a:alpha val="70000"/>
+              </a:srgbClr>
+            </a:outerShdw>
+          </a:effectLst>
+          <a:extLst>
+            <a:ext uri="{909E8E84-426E-40DD-AFC4-6F175D3DCCD1}">
+              <a14:hiddenFill xmlns:a14="http://schemas.microsoft.com/office/drawing/2010/main">
+                <a:solidFill>
+                  <a:srgbClr val="FFFFFF"/>
+                </a:solidFill>
+              </a14:hiddenFill>
+            </a:ext>
+          </a:extLst>
+        </p:spPr>
+      </p:pic>
+      <p:pic>
+        <p:nvPicPr>
+          <p:cNvPr id="6" name="Picture 6" descr="https://cdn4.iconfinder.com/data/icons/communication-pack/512/22-512.png"/>
           <p:cNvPicPr>
             <a:picLocks noChangeAspect="1" noChangeArrowheads="1"/>
           </p:cNvPicPr>
@@ -6446,13 +6497,950 @@
         </p:blipFill>
         <p:spPr bwMode="auto">
           <a:xfrm>
-            <a:off x="4244023" y="2982553"/>
+            <a:off x="7558809" y="4392347"/>
+            <a:ext cx="1045485" cy="1045485"/>
+          </a:xfrm>
+          <a:prstGeom prst="rect">
+            <a:avLst/>
+          </a:prstGeom>
+          <a:ln>
+            <a:noFill/>
+          </a:ln>
+          <a:effectLst>
+            <a:outerShdw blurRad="190500" algn="tl" rotWithShape="0">
+              <a:srgbClr val="000000">
+                <a:alpha val="70000"/>
+              </a:srgbClr>
+            </a:outerShdw>
+          </a:effectLst>
+          <a:extLst>
+            <a:ext uri="{909E8E84-426E-40DD-AFC4-6F175D3DCCD1}">
+              <a14:hiddenFill xmlns:a14="http://schemas.microsoft.com/office/drawing/2010/main">
+                <a:solidFill>
+                  <a:srgbClr val="FFFFFF"/>
+                </a:solidFill>
+              </a14:hiddenFill>
+            </a:ext>
+          </a:extLst>
+        </p:spPr>
+      </p:pic>
+      <p:pic>
+        <p:nvPicPr>
+          <p:cNvPr id="3074" name="Picture 2" descr="http://indiedevstories.com/wp-content/uploads/2011/04/game-center-icon.png"/>
+          <p:cNvPicPr>
+            <a:picLocks noChangeAspect="1" noChangeArrowheads="1"/>
+          </p:cNvPicPr>
+          <p:nvPr/>
+        </p:nvPicPr>
+        <p:blipFill>
+          <a:blip r:embed="rId6">
+            <a:extLst>
+              <a:ext uri="{28A0092B-C50C-407E-A947-70E740481C1C}">
+                <a14:useLocalDpi xmlns:a14="http://schemas.microsoft.com/office/drawing/2010/main" val="0"/>
+              </a:ext>
+            </a:extLst>
+          </a:blip>
+          <a:srcRect/>
+          <a:stretch>
+            <a:fillRect/>
+          </a:stretch>
+        </p:blipFill>
+        <p:spPr bwMode="auto">
+          <a:xfrm>
+            <a:off x="8433502" y="1401213"/>
+            <a:ext cx="1621070" cy="1621070"/>
+          </a:xfrm>
+          <a:prstGeom prst="rect">
+            <a:avLst/>
+          </a:prstGeom>
+          <a:ln>
+            <a:noFill/>
+          </a:ln>
+          <a:effectLst>
+            <a:outerShdw blurRad="190500" algn="tl" rotWithShape="0">
+              <a:srgbClr val="000000">
+                <a:alpha val="70000"/>
+              </a:srgbClr>
+            </a:outerShdw>
+          </a:effectLst>
+          <a:extLst>
+            <a:ext uri="{909E8E84-426E-40DD-AFC4-6F175D3DCCD1}">
+              <a14:hiddenFill xmlns:a14="http://schemas.microsoft.com/office/drawing/2010/main">
+                <a:solidFill>
+                  <a:srgbClr val="FFFFFF"/>
+                </a:solidFill>
+              </a14:hiddenFill>
+            </a:ext>
+          </a:extLst>
+        </p:spPr>
+      </p:pic>
+      <p:sp>
+        <p:nvSpPr>
+          <p:cNvPr id="9" name="Content Placeholder 2"/>
+          <p:cNvSpPr txBox="1">
+            <a:spLocks/>
+          </p:cNvSpPr>
+          <p:nvPr/>
+        </p:nvSpPr>
+        <p:spPr>
+          <a:xfrm>
+            <a:off x="2018882" y="1055217"/>
+            <a:ext cx="2969978" cy="1983813"/>
+          </a:xfrm>
+          <a:prstGeom prst="rect">
+            <a:avLst/>
+          </a:prstGeom>
+        </p:spPr>
+        <p:txBody>
+          <a:bodyPr vert="horz" lIns="91440" tIns="45720" rIns="91440" bIns="45720" rtlCol="0" anchor="ctr">
+            <a:normAutofit/>
+          </a:bodyPr>
+          <a:lstStyle>
+            <a:lvl1pPr marL="285750" indent="-285750" algn="l" defTabSz="457200" rtl="0" eaLnBrk="1" latinLnBrk="0" hangingPunct="1">
+              <a:spcBef>
+                <a:spcPct val="20000"/>
+              </a:spcBef>
+              <a:spcAft>
+                <a:spcPts val="600"/>
+              </a:spcAft>
+              <a:buClr>
+                <a:schemeClr val="accent1">
+                  <a:lumMod val="75000"/>
+                </a:schemeClr>
+              </a:buClr>
+              <a:buSzPct val="145000"/>
+              <a:buFont typeface="Arial"/>
+              <a:buChar char="•"/>
+              <a:defRPr sz="2400" kern="1200" cap="none">
+                <a:solidFill>
+                  <a:schemeClr val="tx1"/>
+                </a:solidFill>
+                <a:effectLst/>
+                <a:latin typeface="+mn-lt"/>
+                <a:ea typeface="+mn-ea"/>
+                <a:cs typeface="+mn-cs"/>
+              </a:defRPr>
+            </a:lvl1pPr>
+            <a:lvl2pPr marL="742950" indent="-285750" algn="l" defTabSz="457200" rtl="0" eaLnBrk="1" latinLnBrk="0" hangingPunct="1">
+              <a:spcBef>
+                <a:spcPct val="20000"/>
+              </a:spcBef>
+              <a:spcAft>
+                <a:spcPts val="600"/>
+              </a:spcAft>
+              <a:buClr>
+                <a:schemeClr val="accent1">
+                  <a:lumMod val="75000"/>
+                </a:schemeClr>
+              </a:buClr>
+              <a:buSzPct val="145000"/>
+              <a:buFont typeface="Arial"/>
+              <a:buChar char="•"/>
+              <a:defRPr sz="2000" kern="1200" cap="none">
+                <a:solidFill>
+                  <a:schemeClr val="tx1"/>
+                </a:solidFill>
+                <a:effectLst/>
+                <a:latin typeface="+mn-lt"/>
+                <a:ea typeface="+mn-ea"/>
+                <a:cs typeface="+mn-cs"/>
+              </a:defRPr>
+            </a:lvl2pPr>
+            <a:lvl3pPr marL="1200150" indent="-285750" algn="l" defTabSz="457200" rtl="0" eaLnBrk="1" latinLnBrk="0" hangingPunct="1">
+              <a:spcBef>
+                <a:spcPct val="20000"/>
+              </a:spcBef>
+              <a:spcAft>
+                <a:spcPts val="600"/>
+              </a:spcAft>
+              <a:buClr>
+                <a:schemeClr val="accent1">
+                  <a:lumMod val="75000"/>
+                </a:schemeClr>
+              </a:buClr>
+              <a:buSzPct val="145000"/>
+              <a:buFont typeface="Arial"/>
+              <a:buChar char="•"/>
+              <a:defRPr sz="1800" kern="1200" cap="none">
+                <a:solidFill>
+                  <a:schemeClr val="tx1"/>
+                </a:solidFill>
+                <a:effectLst/>
+                <a:latin typeface="+mn-lt"/>
+                <a:ea typeface="+mn-ea"/>
+                <a:cs typeface="+mn-cs"/>
+              </a:defRPr>
+            </a:lvl3pPr>
+            <a:lvl4pPr marL="1543050" indent="-171450" algn="l" defTabSz="457200" rtl="0" eaLnBrk="1" latinLnBrk="0" hangingPunct="1">
+              <a:spcBef>
+                <a:spcPct val="20000"/>
+              </a:spcBef>
+              <a:spcAft>
+                <a:spcPts val="600"/>
+              </a:spcAft>
+              <a:buClr>
+                <a:schemeClr val="accent1">
+                  <a:lumMod val="75000"/>
+                </a:schemeClr>
+              </a:buClr>
+              <a:buSzPct val="145000"/>
+              <a:buFont typeface="Arial"/>
+              <a:buChar char="•"/>
+              <a:defRPr sz="1600" kern="1200" cap="none">
+                <a:solidFill>
+                  <a:schemeClr val="tx1"/>
+                </a:solidFill>
+                <a:effectLst/>
+                <a:latin typeface="+mn-lt"/>
+                <a:ea typeface="+mn-ea"/>
+                <a:cs typeface="+mn-cs"/>
+              </a:defRPr>
+            </a:lvl4pPr>
+            <a:lvl5pPr marL="2000250" indent="-171450" algn="l" defTabSz="457200" rtl="0" eaLnBrk="1" latinLnBrk="0" hangingPunct="1">
+              <a:spcBef>
+                <a:spcPct val="20000"/>
+              </a:spcBef>
+              <a:spcAft>
+                <a:spcPts val="600"/>
+              </a:spcAft>
+              <a:buClr>
+                <a:schemeClr val="accent1">
+                  <a:lumMod val="75000"/>
+                </a:schemeClr>
+              </a:buClr>
+              <a:buSzPct val="145000"/>
+              <a:buFont typeface="Arial"/>
+              <a:buChar char="•"/>
+              <a:defRPr sz="1400" kern="1200" cap="none">
+                <a:solidFill>
+                  <a:schemeClr val="tx1"/>
+                </a:solidFill>
+                <a:effectLst/>
+                <a:latin typeface="+mn-lt"/>
+                <a:ea typeface="+mn-ea"/>
+                <a:cs typeface="+mn-cs"/>
+              </a:defRPr>
+            </a:lvl5pPr>
+            <a:lvl6pPr marL="2514600" indent="-228600" algn="l" defTabSz="457200" rtl="0" eaLnBrk="1" latinLnBrk="0" hangingPunct="1">
+              <a:spcBef>
+                <a:spcPct val="20000"/>
+              </a:spcBef>
+              <a:spcAft>
+                <a:spcPts val="600"/>
+              </a:spcAft>
+              <a:buClr>
+                <a:schemeClr val="accent1">
+                  <a:lumMod val="75000"/>
+                </a:schemeClr>
+              </a:buClr>
+              <a:buSzPct val="145000"/>
+              <a:buFont typeface="Arial"/>
+              <a:buChar char="•"/>
+              <a:defRPr sz="1400" kern="1200" cap="none">
+                <a:solidFill>
+                  <a:schemeClr val="tx1"/>
+                </a:solidFill>
+                <a:effectLst/>
+                <a:latin typeface="+mn-lt"/>
+                <a:ea typeface="+mn-ea"/>
+                <a:cs typeface="+mn-cs"/>
+              </a:defRPr>
+            </a:lvl6pPr>
+            <a:lvl7pPr marL="2971800" indent="-228600" algn="l" defTabSz="457200" rtl="0" eaLnBrk="1" latinLnBrk="0" hangingPunct="1">
+              <a:spcBef>
+                <a:spcPct val="20000"/>
+              </a:spcBef>
+              <a:spcAft>
+                <a:spcPts val="600"/>
+              </a:spcAft>
+              <a:buClr>
+                <a:schemeClr val="accent1">
+                  <a:lumMod val="75000"/>
+                </a:schemeClr>
+              </a:buClr>
+              <a:buSzPct val="145000"/>
+              <a:buFont typeface="Arial"/>
+              <a:buChar char="•"/>
+              <a:defRPr sz="1400" kern="1200" cap="none">
+                <a:solidFill>
+                  <a:schemeClr val="tx1"/>
+                </a:solidFill>
+                <a:effectLst/>
+                <a:latin typeface="+mn-lt"/>
+                <a:ea typeface="+mn-ea"/>
+                <a:cs typeface="+mn-cs"/>
+              </a:defRPr>
+            </a:lvl7pPr>
+            <a:lvl8pPr marL="3429000" indent="-228600" algn="l" defTabSz="457200" rtl="0" eaLnBrk="1" latinLnBrk="0" hangingPunct="1">
+              <a:spcBef>
+                <a:spcPct val="20000"/>
+              </a:spcBef>
+              <a:spcAft>
+                <a:spcPts val="600"/>
+              </a:spcAft>
+              <a:buClr>
+                <a:schemeClr val="accent1">
+                  <a:lumMod val="75000"/>
+                </a:schemeClr>
+              </a:buClr>
+              <a:buSzPct val="145000"/>
+              <a:buFont typeface="Arial"/>
+              <a:buChar char="•"/>
+              <a:defRPr sz="1400" kern="1200" cap="none">
+                <a:solidFill>
+                  <a:schemeClr val="tx1"/>
+                </a:solidFill>
+                <a:effectLst/>
+                <a:latin typeface="+mn-lt"/>
+                <a:ea typeface="+mn-ea"/>
+                <a:cs typeface="+mn-cs"/>
+              </a:defRPr>
+            </a:lvl8pPr>
+            <a:lvl9pPr marL="3886200" indent="-228600" algn="l" defTabSz="457200" rtl="0" eaLnBrk="1" latinLnBrk="0" hangingPunct="1">
+              <a:spcBef>
+                <a:spcPct val="20000"/>
+              </a:spcBef>
+              <a:spcAft>
+                <a:spcPts val="600"/>
+              </a:spcAft>
+              <a:buClr>
+                <a:schemeClr val="accent1">
+                  <a:lumMod val="75000"/>
+                </a:schemeClr>
+              </a:buClr>
+              <a:buSzPct val="145000"/>
+              <a:buFont typeface="Arial"/>
+              <a:buChar char="•"/>
+              <a:defRPr sz="1400" kern="1200" cap="none">
+                <a:solidFill>
+                  <a:schemeClr val="tx1"/>
+                </a:solidFill>
+                <a:effectLst/>
+                <a:latin typeface="+mn-lt"/>
+                <a:ea typeface="+mn-ea"/>
+                <a:cs typeface="+mn-cs"/>
+              </a:defRPr>
+            </a:lvl9pPr>
+          </a:lstStyle>
+          <a:p>
+            <a:r>
+              <a:rPr lang="en-US" sz="3200" dirty="0" smtClean="0"/>
+              <a:t>Foreground</a:t>
+            </a:r>
+          </a:p>
+          <a:p>
+            <a:r>
+              <a:rPr lang="en-US" sz="3200" dirty="0" smtClean="0"/>
+              <a:t>Background</a:t>
+            </a:r>
+          </a:p>
+        </p:txBody>
+      </p:sp>
+      <p:sp>
+        <p:nvSpPr>
+          <p:cNvPr id="3" name="Rectangle 2"/>
+          <p:cNvSpPr/>
+          <p:nvPr/>
+        </p:nvSpPr>
+        <p:spPr>
+          <a:xfrm>
+            <a:off x="6254959" y="3167390"/>
+            <a:ext cx="1188146" cy="523220"/>
+          </a:xfrm>
+          <a:prstGeom prst="rect">
+            <a:avLst/>
+          </a:prstGeom>
+        </p:spPr>
+        <p:txBody>
+          <a:bodyPr wrap="none">
+            <a:spAutoFit/>
+          </a:bodyPr>
+          <a:lstStyle/>
+          <a:p>
+            <a:pPr lvl="1"/>
+            <a:r>
+              <a:rPr lang="en-US" sz="2800" dirty="0"/>
+              <a:t>Idle</a:t>
+            </a:r>
+          </a:p>
+        </p:txBody>
+      </p:sp>
+      <p:sp>
+        <p:nvSpPr>
+          <p:cNvPr id="8" name="Rectangle 7"/>
+          <p:cNvSpPr/>
+          <p:nvPr/>
+        </p:nvSpPr>
+        <p:spPr>
+          <a:xfrm>
+            <a:off x="8181356" y="3167390"/>
+            <a:ext cx="1745991" cy="523220"/>
+          </a:xfrm>
+          <a:prstGeom prst="rect">
+            <a:avLst/>
+          </a:prstGeom>
+        </p:spPr>
+        <p:txBody>
+          <a:bodyPr wrap="none">
+            <a:spAutoFit/>
+          </a:bodyPr>
+          <a:lstStyle/>
+          <a:p>
+            <a:pPr lvl="1"/>
+            <a:r>
+              <a:rPr lang="en-US" sz="2800" dirty="0"/>
+              <a:t>Playing</a:t>
+            </a:r>
+          </a:p>
+        </p:txBody>
+      </p:sp>
+      <p:pic>
+        <p:nvPicPr>
+          <p:cNvPr id="11" name="Picture 4" descr="http://showreely.com/media/uploads/adminfiles/production_icon.png"/>
+          <p:cNvPicPr>
+            <a:picLocks noChangeAspect="1" noChangeArrowheads="1"/>
+          </p:cNvPicPr>
+          <p:nvPr/>
+        </p:nvPicPr>
+        <p:blipFill>
+          <a:blip r:embed="rId7">
+            <a:extLst>
+              <a:ext uri="{28A0092B-C50C-407E-A947-70E740481C1C}">
+                <a14:useLocalDpi xmlns:a14="http://schemas.microsoft.com/office/drawing/2010/main" val="0"/>
+              </a:ext>
+            </a:extLst>
+          </a:blip>
+          <a:srcRect/>
+          <a:stretch>
+            <a:fillRect/>
+          </a:stretch>
+        </p:blipFill>
+        <p:spPr bwMode="auto">
+          <a:xfrm>
+            <a:off x="11013270" y="5768042"/>
+            <a:ext cx="1221945" cy="1089958"/>
+          </a:xfrm>
+          <a:prstGeom prst="rect">
+            <a:avLst/>
+          </a:prstGeom>
+          <a:noFill/>
+          <a:extLst>
+            <a:ext uri="{909E8E84-426E-40DD-AFC4-6F175D3DCCD1}">
+              <a14:hiddenFill xmlns:a14="http://schemas.microsoft.com/office/drawing/2010/main">
+                <a:solidFill>
+                  <a:srgbClr val="FFFFFF"/>
+                </a:solidFill>
+              </a14:hiddenFill>
+            </a:ext>
+          </a:extLst>
+        </p:spPr>
+      </p:pic>
+    </p:spTree>
+    <p:extLst>
+      <p:ext uri="{BB962C8B-B14F-4D97-AF65-F5344CB8AC3E}">
+        <p14:creationId xmlns:p14="http://schemas.microsoft.com/office/powerpoint/2010/main" val="1643618884"/>
+      </p:ext>
+    </p:extLst>
+  </p:cSld>
+  <p:clrMapOvr>
+    <a:masterClrMapping/>
+  </p:clrMapOvr>
+  <p:timing>
+    <p:tnLst>
+      <p:par>
+        <p:cTn id="1" dur="indefinite" restart="never" nodeType="tmRoot">
+          <p:childTnLst>
+            <p:seq concurrent="1" nextAc="seek">
+              <p:cTn id="2" dur="indefinite" nodeType="mainSeq">
+                <p:childTnLst>
+                  <p:par>
+                    <p:cTn id="3" fill="hold">
+                      <p:stCondLst>
+                        <p:cond delay="indefinite"/>
+                      </p:stCondLst>
+                      <p:childTnLst>
+                        <p:par>
+                          <p:cTn id="4" fill="hold">
+                            <p:stCondLst>
+                              <p:cond delay="0"/>
+                            </p:stCondLst>
+                            <p:childTnLst>
+                              <p:par>
+                                <p:cTn id="5" presetID="1" presetClass="entr" presetSubtype="0" fill="hold" grpId="0" nodeType="clickEffect">
+                                  <p:stCondLst>
+                                    <p:cond delay="0"/>
+                                  </p:stCondLst>
+                                  <p:childTnLst>
+                                    <p:set>
+                                      <p:cBhvr>
+                                        <p:cTn id="6" dur="1" fill="hold">
+                                          <p:stCondLst>
+                                            <p:cond delay="0"/>
+                                          </p:stCondLst>
+                                        </p:cTn>
+                                        <p:tgtEl>
+                                          <p:spTgt spid="9"/>
+                                        </p:tgtEl>
+                                        <p:attrNameLst>
+                                          <p:attrName>style.visibility</p:attrName>
+                                        </p:attrNameLst>
+                                      </p:cBhvr>
+                                      <p:to>
+                                        <p:strVal val="visible"/>
+                                      </p:to>
+                                    </p:set>
+                                  </p:childTnLst>
+                                </p:cTn>
+                              </p:par>
+                            </p:childTnLst>
+                          </p:cTn>
+                        </p:par>
+                      </p:childTnLst>
+                    </p:cTn>
+                  </p:par>
+                  <p:par>
+                    <p:cTn id="7" fill="hold">
+                      <p:stCondLst>
+                        <p:cond delay="indefinite"/>
+                      </p:stCondLst>
+                      <p:childTnLst>
+                        <p:par>
+                          <p:cTn id="8" fill="hold">
+                            <p:stCondLst>
+                              <p:cond delay="0"/>
+                            </p:stCondLst>
+                            <p:childTnLst>
+                              <p:par>
+                                <p:cTn id="9" presetID="1" presetClass="entr" presetSubtype="0" fill="hold" nodeType="clickEffect">
+                                  <p:stCondLst>
+                                    <p:cond delay="0"/>
+                                  </p:stCondLst>
+                                  <p:childTnLst>
+                                    <p:set>
+                                      <p:cBhvr>
+                                        <p:cTn id="10" dur="1" fill="hold">
+                                          <p:stCondLst>
+                                            <p:cond delay="0"/>
+                                          </p:stCondLst>
+                                        </p:cTn>
+                                        <p:tgtEl>
+                                          <p:spTgt spid="7"/>
+                                        </p:tgtEl>
+                                        <p:attrNameLst>
+                                          <p:attrName>style.visibility</p:attrName>
+                                        </p:attrNameLst>
+                                      </p:cBhvr>
+                                      <p:to>
+                                        <p:strVal val="visible"/>
+                                      </p:to>
+                                    </p:set>
+                                  </p:childTnLst>
+                                </p:cTn>
+                              </p:par>
+                              <p:par>
+                                <p:cTn id="11" presetID="1" presetClass="entr" presetSubtype="0" fill="hold" grpId="0" nodeType="withEffect">
+                                  <p:stCondLst>
+                                    <p:cond delay="0"/>
+                                  </p:stCondLst>
+                                  <p:childTnLst>
+                                    <p:set>
+                                      <p:cBhvr>
+                                        <p:cTn id="12" dur="1" fill="hold">
+                                          <p:stCondLst>
+                                            <p:cond delay="0"/>
+                                          </p:stCondLst>
+                                        </p:cTn>
+                                        <p:tgtEl>
+                                          <p:spTgt spid="3"/>
+                                        </p:tgtEl>
+                                        <p:attrNameLst>
+                                          <p:attrName>style.visibility</p:attrName>
+                                        </p:attrNameLst>
+                                      </p:cBhvr>
+                                      <p:to>
+                                        <p:strVal val="visible"/>
+                                      </p:to>
+                                    </p:set>
+                                  </p:childTnLst>
+                                </p:cTn>
+                              </p:par>
+                            </p:childTnLst>
+                          </p:cTn>
+                        </p:par>
+                      </p:childTnLst>
+                    </p:cTn>
+                  </p:par>
+                  <p:par>
+                    <p:cTn id="13" fill="hold">
+                      <p:stCondLst>
+                        <p:cond delay="indefinite"/>
+                      </p:stCondLst>
+                      <p:childTnLst>
+                        <p:par>
+                          <p:cTn id="14" fill="hold">
+                            <p:stCondLst>
+                              <p:cond delay="0"/>
+                            </p:stCondLst>
+                            <p:childTnLst>
+                              <p:par>
+                                <p:cTn id="15" presetID="1" presetClass="entr" presetSubtype="0" fill="hold" nodeType="clickEffect">
+                                  <p:stCondLst>
+                                    <p:cond delay="0"/>
+                                  </p:stCondLst>
+                                  <p:childTnLst>
+                                    <p:set>
+                                      <p:cBhvr>
+                                        <p:cTn id="16" dur="1" fill="hold">
+                                          <p:stCondLst>
+                                            <p:cond delay="0"/>
+                                          </p:stCondLst>
+                                        </p:cTn>
+                                        <p:tgtEl>
+                                          <p:spTgt spid="3074"/>
+                                        </p:tgtEl>
+                                        <p:attrNameLst>
+                                          <p:attrName>style.visibility</p:attrName>
+                                        </p:attrNameLst>
+                                      </p:cBhvr>
+                                      <p:to>
+                                        <p:strVal val="visible"/>
+                                      </p:to>
+                                    </p:set>
+                                  </p:childTnLst>
+                                </p:cTn>
+                              </p:par>
+                              <p:par>
+                                <p:cTn id="17" presetID="1" presetClass="entr" presetSubtype="0" fill="hold" grpId="0" nodeType="withEffect">
+                                  <p:stCondLst>
+                                    <p:cond delay="0"/>
+                                  </p:stCondLst>
+                                  <p:childTnLst>
+                                    <p:set>
+                                      <p:cBhvr>
+                                        <p:cTn id="18" dur="1" fill="hold">
+                                          <p:stCondLst>
+                                            <p:cond delay="0"/>
+                                          </p:stCondLst>
+                                        </p:cTn>
+                                        <p:tgtEl>
+                                          <p:spTgt spid="8"/>
+                                        </p:tgtEl>
+                                        <p:attrNameLst>
+                                          <p:attrName>style.visibility</p:attrName>
+                                        </p:attrNameLst>
+                                      </p:cBhvr>
+                                      <p:to>
+                                        <p:strVal val="visible"/>
+                                      </p:to>
+                                    </p:set>
+                                  </p:childTnLst>
+                                </p:cTn>
+                              </p:par>
+                            </p:childTnLst>
+                          </p:cTn>
+                        </p:par>
+                      </p:childTnLst>
+                    </p:cTn>
+                  </p:par>
+                  <p:par>
+                    <p:cTn id="19" fill="hold">
+                      <p:stCondLst>
+                        <p:cond delay="indefinite"/>
+                      </p:stCondLst>
+                      <p:childTnLst>
+                        <p:par>
+                          <p:cTn id="20" fill="hold">
+                            <p:stCondLst>
+                              <p:cond delay="0"/>
+                            </p:stCondLst>
+                            <p:childTnLst>
+                              <p:par>
+                                <p:cTn id="21" presetID="1" presetClass="entr" presetSubtype="0" fill="hold" nodeType="clickEffect">
+                                  <p:stCondLst>
+                                    <p:cond delay="0"/>
+                                  </p:stCondLst>
+                                  <p:childTnLst>
+                                    <p:set>
+                                      <p:cBhvr>
+                                        <p:cTn id="22" dur="1" fill="hold">
+                                          <p:stCondLst>
+                                            <p:cond delay="0"/>
+                                          </p:stCondLst>
+                                        </p:cTn>
+                                        <p:tgtEl>
+                                          <p:spTgt spid="4"/>
+                                        </p:tgtEl>
+                                        <p:attrNameLst>
+                                          <p:attrName>style.visibility</p:attrName>
+                                        </p:attrNameLst>
+                                      </p:cBhvr>
+                                      <p:to>
+                                        <p:strVal val="visible"/>
+                                      </p:to>
+                                    </p:set>
+                                  </p:childTnLst>
+                                </p:cTn>
+                              </p:par>
+                            </p:childTnLst>
+                          </p:cTn>
+                        </p:par>
+                      </p:childTnLst>
+                    </p:cTn>
+                  </p:par>
+                  <p:par>
+                    <p:cTn id="23" fill="hold">
+                      <p:stCondLst>
+                        <p:cond delay="indefinite"/>
+                      </p:stCondLst>
+                      <p:childTnLst>
+                        <p:par>
+                          <p:cTn id="24" fill="hold">
+                            <p:stCondLst>
+                              <p:cond delay="0"/>
+                            </p:stCondLst>
+                            <p:childTnLst>
+                              <p:par>
+                                <p:cTn id="25" presetID="1" presetClass="entr" presetSubtype="0" fill="hold" nodeType="clickEffect">
+                                  <p:stCondLst>
+                                    <p:cond delay="0"/>
+                                  </p:stCondLst>
+                                  <p:childTnLst>
+                                    <p:set>
+                                      <p:cBhvr>
+                                        <p:cTn id="26" dur="1" fill="hold">
+                                          <p:stCondLst>
+                                            <p:cond delay="0"/>
+                                          </p:stCondLst>
+                                        </p:cTn>
+                                        <p:tgtEl>
+                                          <p:spTgt spid="5"/>
+                                        </p:tgtEl>
+                                        <p:attrNameLst>
+                                          <p:attrName>style.visibility</p:attrName>
+                                        </p:attrNameLst>
+                                      </p:cBhvr>
+                                      <p:to>
+                                        <p:strVal val="visible"/>
+                                      </p:to>
+                                    </p:set>
+                                  </p:childTnLst>
+                                </p:cTn>
+                              </p:par>
+                            </p:childTnLst>
+                          </p:cTn>
+                        </p:par>
+                      </p:childTnLst>
+                    </p:cTn>
+                  </p:par>
+                  <p:par>
+                    <p:cTn id="27" fill="hold">
+                      <p:stCondLst>
+                        <p:cond delay="indefinite"/>
+                      </p:stCondLst>
+                      <p:childTnLst>
+                        <p:par>
+                          <p:cTn id="28" fill="hold">
+                            <p:stCondLst>
+                              <p:cond delay="0"/>
+                            </p:stCondLst>
+                            <p:childTnLst>
+                              <p:par>
+                                <p:cTn id="29" presetID="1" presetClass="entr" presetSubtype="0" fill="hold" nodeType="clickEffect">
+                                  <p:stCondLst>
+                                    <p:cond delay="0"/>
+                                  </p:stCondLst>
+                                  <p:childTnLst>
+                                    <p:set>
+                                      <p:cBhvr>
+                                        <p:cTn id="30" dur="1" fill="hold">
+                                          <p:stCondLst>
+                                            <p:cond delay="0"/>
+                                          </p:stCondLst>
+                                        </p:cTn>
+                                        <p:tgtEl>
+                                          <p:spTgt spid="6"/>
+                                        </p:tgtEl>
+                                        <p:attrNameLst>
+                                          <p:attrName>style.visibility</p:attrName>
+                                        </p:attrNameLst>
+                                      </p:cBhvr>
+                                      <p:to>
+                                        <p:strVal val="visible"/>
+                                      </p:to>
+                                    </p:set>
+                                  </p:childTnLst>
+                                </p:cTn>
+                              </p:par>
+                            </p:childTnLst>
+                          </p:cTn>
+                        </p:par>
+                      </p:childTnLst>
+                    </p:cTn>
+                  </p:par>
+                </p:childTnLst>
+              </p:cTn>
+              <p:prevCondLst>
+                <p:cond evt="onPrev" delay="0">
+                  <p:tgtEl>
+                    <p:sldTgt/>
+                  </p:tgtEl>
+                </p:cond>
+              </p:prevCondLst>
+              <p:nextCondLst>
+                <p:cond evt="onNext" delay="0">
+                  <p:tgtEl>
+                    <p:sldTgt/>
+                  </p:tgtEl>
+                </p:cond>
+              </p:nextCondLst>
+            </p:seq>
+          </p:childTnLst>
+        </p:cTn>
+      </p:par>
+    </p:tnLst>
+    <p:bldLst>
+      <p:bldP spid="9" grpId="0"/>
+      <p:bldP spid="3" grpId="0"/>
+      <p:bldP spid="8" grpId="0"/>
+    </p:bldLst>
+  </p:timing>
+</p:sld>
+</file>
+
+<file path=ppt/slides/slide11.xml><?xml version="1.0" encoding="utf-8"?>
+<p:sld xmlns:a="http://schemas.openxmlformats.org/drawingml/2006/main" xmlns:r="http://schemas.openxmlformats.org/officeDocument/2006/relationships" xmlns:p="http://schemas.openxmlformats.org/presentationml/2006/main">
+  <p:cSld>
+    <p:spTree>
+      <p:nvGrpSpPr>
+        <p:cNvPr id="1" name=""/>
+        <p:cNvGrpSpPr/>
+        <p:nvPr/>
+      </p:nvGrpSpPr>
+      <p:grpSpPr>
+        <a:xfrm>
+          <a:off x="0" y="0"/>
+          <a:ext cx="0" cy="0"/>
+          <a:chOff x="0" y="0"/>
+          <a:chExt cx="0" cy="0"/>
+        </a:xfrm>
+      </p:grpSpPr>
+      <p:sp>
+        <p:nvSpPr>
+          <p:cNvPr id="2" name="Title 1"/>
+          <p:cNvSpPr>
+            <a:spLocks noGrp="1"/>
+          </p:cNvSpPr>
+          <p:nvPr>
+            <p:ph type="title"/>
+          </p:nvPr>
+        </p:nvSpPr>
+        <p:spPr>
+          <a:xfrm>
+            <a:off x="1390182" y="-295831"/>
+            <a:ext cx="10018713" cy="1752599"/>
+          </a:xfrm>
+        </p:spPr>
+        <p:txBody>
+          <a:bodyPr/>
+          <a:lstStyle/>
+          <a:p>
+            <a:r>
+              <a:rPr lang="en-US" dirty="0" smtClean="0"/>
+              <a:t>Experiment Setup</a:t>
+            </a:r>
+            <a:endParaRPr lang="en-US" dirty="0"/>
+          </a:p>
+        </p:txBody>
+      </p:sp>
+      <p:pic>
+        <p:nvPicPr>
+          <p:cNvPr id="4102" name="Picture 6" descr="http://ssl-product-images.www8-hp.com/digmedialib/prodimg/lowres/c03087401.png"/>
+          <p:cNvPicPr>
+            <a:picLocks noChangeAspect="1" noChangeArrowheads="1"/>
+          </p:cNvPicPr>
+          <p:nvPr/>
+        </p:nvPicPr>
+        <p:blipFill>
+          <a:blip r:embed="rId2">
+            <a:extLst>
+              <a:ext uri="{28A0092B-C50C-407E-A947-70E740481C1C}">
+                <a14:useLocalDpi xmlns:a14="http://schemas.microsoft.com/office/drawing/2010/main" val="0"/>
+              </a:ext>
+            </a:extLst>
+          </a:blip>
+          <a:srcRect/>
+          <a:stretch>
+            <a:fillRect/>
+          </a:stretch>
+        </p:blipFill>
+        <p:spPr bwMode="auto">
+          <a:xfrm>
+            <a:off x="3730125" y="883585"/>
+            <a:ext cx="4886325" cy="3667126"/>
+          </a:xfrm>
+          <a:prstGeom prst="rect">
+            <a:avLst/>
+          </a:prstGeom>
+          <a:ln>
+            <a:noFill/>
+          </a:ln>
+          <a:effectLst>
+            <a:outerShdw blurRad="190500" algn="tl" rotWithShape="0">
+              <a:srgbClr val="000000">
+                <a:alpha val="70000"/>
+              </a:srgbClr>
+            </a:outerShdw>
+          </a:effectLst>
+          <a:extLst>
+            <a:ext uri="{909E8E84-426E-40DD-AFC4-6F175D3DCCD1}">
+              <a14:hiddenFill xmlns:a14="http://schemas.microsoft.com/office/drawing/2010/main">
+                <a:solidFill>
+                  <a:srgbClr val="FFFFFF"/>
+                </a:solidFill>
+              </a14:hiddenFill>
+            </a:ext>
+          </a:extLst>
+        </p:spPr>
+      </p:pic>
+      <p:pic>
+        <p:nvPicPr>
+          <p:cNvPr id="4104" name="Picture 8" descr="http://vignette3.wikia.nocookie.net/telefono/images/3/37/AT%26T_Mobility_LLC.png/revision/latest?cb=20131231033826&amp;path-prefix=es"/>
+          <p:cNvPicPr>
+            <a:picLocks noChangeAspect="1" noChangeArrowheads="1"/>
+          </p:cNvPicPr>
+          <p:nvPr/>
+        </p:nvPicPr>
+        <p:blipFill>
+          <a:blip r:embed="rId3" cstate="print">
+            <a:extLst>
+              <a:ext uri="{28A0092B-C50C-407E-A947-70E740481C1C}">
+                <a14:useLocalDpi xmlns:a14="http://schemas.microsoft.com/office/drawing/2010/main" val="0"/>
+              </a:ext>
+            </a:extLst>
+          </a:blip>
+          <a:srcRect/>
+          <a:stretch>
+            <a:fillRect/>
+          </a:stretch>
+        </p:blipFill>
+        <p:spPr bwMode="auto">
+          <a:xfrm>
+            <a:off x="1901709" y="2790425"/>
             <a:ext cx="880674" cy="880674"/>
           </a:xfrm>
           <a:prstGeom prst="rect">
             <a:avLst/>
           </a:prstGeom>
-          <a:noFill/>
+          <a:ln>
+            <a:noFill/>
+          </a:ln>
+          <a:effectLst>
+            <a:outerShdw blurRad="190500" algn="tl" rotWithShape="0">
+              <a:srgbClr val="000000">
+                <a:alpha val="70000"/>
+              </a:srgbClr>
+            </a:outerShdw>
+          </a:effectLst>
           <a:extLst>
             <a:ext uri="{909E8E84-426E-40DD-AFC4-6F175D3DCCD1}">
               <a14:hiddenFill xmlns:a14="http://schemas.microsoft.com/office/drawing/2010/main">
@@ -6473,7 +7461,7 @@
           <p:nvPr/>
         </p:nvPicPr>
         <p:blipFill>
-          <a:blip r:embed="rId6" cstate="print">
+          <a:blip r:embed="rId4" cstate="print">
             <a:extLst>
               <a:ext uri="{28A0092B-C50C-407E-A947-70E740481C1C}">
                 <a14:useLocalDpi xmlns:a14="http://schemas.microsoft.com/office/drawing/2010/main" val="0"/>
@@ -6486,14 +7474,23 @@
           </a:stretch>
         </p:blipFill>
         <p:spPr bwMode="auto">
-          <a:xfrm>
-            <a:off x="4318130" y="3977527"/>
+          <a:xfrm rot="-2820000">
+            <a:off x="2656725" y="3513005"/>
             <a:ext cx="678143" cy="678143"/>
           </a:xfrm>
           <a:prstGeom prst="rect">
             <a:avLst/>
           </a:prstGeom>
-          <a:noFill/>
+          <a:ln>
+            <a:noFill/>
+          </a:ln>
+          <a:effectLst>
+            <a:outerShdw blurRad="190500" algn="tl" rotWithShape="0">
+              <a:srgbClr val="000000">
+                <a:alpha val="70000"/>
+              </a:srgbClr>
+            </a:outerShdw>
+          </a:effectLst>
           <a:extLst>
             <a:ext uri="{909E8E84-426E-40DD-AFC4-6F175D3DCCD1}">
               <a14:hiddenFill xmlns:a14="http://schemas.microsoft.com/office/drawing/2010/main">
@@ -6514,7 +7511,7 @@
           <p:nvPr/>
         </p:nvPicPr>
         <p:blipFill>
-          <a:blip r:embed="rId7" cstate="print">
+          <a:blip r:embed="rId5" cstate="print">
             <a:extLst>
               <a:ext uri="{28A0092B-C50C-407E-A947-70E740481C1C}">
                 <a14:useLocalDpi xmlns:a14="http://schemas.microsoft.com/office/drawing/2010/main" val="0"/>
@@ -6528,13 +7525,22 @@
         </p:blipFill>
         <p:spPr bwMode="auto">
           <a:xfrm>
-            <a:off x="7976928" y="3917902"/>
+            <a:off x="9910432" y="3648876"/>
             <a:ext cx="785719" cy="785719"/>
           </a:xfrm>
           <a:prstGeom prst="rect">
             <a:avLst/>
           </a:prstGeom>
-          <a:noFill/>
+          <a:ln>
+            <a:noFill/>
+          </a:ln>
+          <a:effectLst>
+            <a:outerShdw blurRad="190500" algn="tl" rotWithShape="0">
+              <a:srgbClr val="000000">
+                <a:alpha val="70000"/>
+              </a:srgbClr>
+            </a:outerShdw>
+          </a:effectLst>
           <a:extLst>
             <a:ext uri="{909E8E84-426E-40DD-AFC4-6F175D3DCCD1}">
               <a14:hiddenFill xmlns:a14="http://schemas.microsoft.com/office/drawing/2010/main">
@@ -6554,8 +7560,8 @@
         </p:nvSpPr>
         <p:spPr>
           <a:xfrm>
-            <a:off x="4837307" y="2018126"/>
-            <a:ext cx="1913206" cy="534573"/>
+            <a:off x="4013153" y="3842376"/>
+            <a:ext cx="3103377" cy="2722346"/>
           </a:xfrm>
           <a:custGeom>
             <a:avLst/>
@@ -6568,6 +7574,30 @@
               <a:gd name="connsiteY2" fmla="*/ 450166 h 534573"/>
               <a:gd name="connsiteX3" fmla="*/ 0 w 1913206"/>
               <a:gd name="connsiteY3" fmla="*/ 0 h 534573"/>
+              <a:gd name="connsiteX0" fmla="*/ 1985777 w 1985777"/>
+              <a:gd name="connsiteY0" fmla="*/ 0 h 2539452"/>
+              <a:gd name="connsiteX1" fmla="*/ 1561514 w 1985777"/>
+              <a:gd name="connsiteY1" fmla="*/ 2351985 h 2539452"/>
+              <a:gd name="connsiteX2" fmla="*/ 323557 w 1985777"/>
+              <a:gd name="connsiteY2" fmla="*/ 2337917 h 2539452"/>
+              <a:gd name="connsiteX3" fmla="*/ 0 w 1985777"/>
+              <a:gd name="connsiteY3" fmla="*/ 1887751 h 2539452"/>
+              <a:gd name="connsiteX0" fmla="*/ 3103377 w 3103377"/>
+              <a:gd name="connsiteY0" fmla="*/ 0 h 2539452"/>
+              <a:gd name="connsiteX1" fmla="*/ 2679114 w 3103377"/>
+              <a:gd name="connsiteY1" fmla="*/ 2351985 h 2539452"/>
+              <a:gd name="connsiteX2" fmla="*/ 1441157 w 3103377"/>
+              <a:gd name="connsiteY2" fmla="*/ 2337917 h 2539452"/>
+              <a:gd name="connsiteX3" fmla="*/ 0 w 3103377"/>
+              <a:gd name="connsiteY3" fmla="*/ 2352208 h 2539452"/>
+              <a:gd name="connsiteX0" fmla="*/ 3103377 w 3103377"/>
+              <a:gd name="connsiteY0" fmla="*/ 0 h 2722346"/>
+              <a:gd name="connsiteX1" fmla="*/ 2679114 w 3103377"/>
+              <a:gd name="connsiteY1" fmla="*/ 2351985 h 2722346"/>
+              <a:gd name="connsiteX2" fmla="*/ 671900 w 3103377"/>
+              <a:gd name="connsiteY2" fmla="*/ 2671746 h 2722346"/>
+              <a:gd name="connsiteX3" fmla="*/ 0 w 3103377"/>
+              <a:gd name="connsiteY3" fmla="*/ 2352208 h 2722346"/>
             </a:gdLst>
             <a:ahLst/>
             <a:cxnLst>
@@ -6586,22 +7616,325 @@
             </a:cxnLst>
             <a:rect l="l" t="t" r="r" b="b"/>
             <a:pathLst>
-              <a:path w="1913206" h="534573">
+              <a:path w="3103377" h="2722346">
                 <a:moveTo>
-                  <a:pt x="1913206" y="28135"/>
+                  <a:pt x="3103377" y="0"/>
                 </a:moveTo>
                 <a:cubicBezTo>
-                  <a:pt x="1869831" y="211015"/>
-                  <a:pt x="1826456" y="393895"/>
-                  <a:pt x="1561514" y="464234"/>
+                  <a:pt x="3060002" y="182880"/>
+                  <a:pt x="3084360" y="1906694"/>
+                  <a:pt x="2679114" y="2351985"/>
                 </a:cubicBezTo>
                 <a:cubicBezTo>
-                  <a:pt x="1296572" y="534573"/>
-                  <a:pt x="583809" y="527538"/>
-                  <a:pt x="323557" y="450166"/>
+                  <a:pt x="2273868" y="2797276"/>
+                  <a:pt x="932152" y="2749118"/>
+                  <a:pt x="671900" y="2671746"/>
                 </a:cubicBezTo>
                 <a:cubicBezTo>
-                  <a:pt x="63305" y="372794"/>
+                  <a:pt x="411648" y="2594374"/>
+                  <a:pt x="84406" y="2403789"/>
+                  <a:pt x="0" y="2352208"/>
+                </a:cubicBezTo>
+              </a:path>
+            </a:pathLst>
+          </a:custGeom>
+        </p:spPr>
+        <p:style>
+          <a:lnRef idx="2">
+            <a:schemeClr val="dk1"/>
+          </a:lnRef>
+          <a:fillRef idx="0">
+            <a:schemeClr val="dk1"/>
+          </a:fillRef>
+          <a:effectRef idx="1">
+            <a:schemeClr val="dk1"/>
+          </a:effectRef>
+          <a:fontRef idx="minor">
+            <a:schemeClr val="tx1"/>
+          </a:fontRef>
+        </p:style>
+        <p:txBody>
+          <a:bodyPr rtlCol="0" anchor="ctr"/>
+          <a:lstStyle/>
+          <a:p>
+            <a:pPr algn="ctr"/>
+            <a:endParaRPr lang="en-IN"/>
+          </a:p>
+        </p:txBody>
+      </p:sp>
+      <p:pic>
+        <p:nvPicPr>
+          <p:cNvPr id="4110" name="Picture 14" descr="http://www.gregframe.com/sites/default/files/styles/medium/public/field/image/icon_home_aro.png?itok=CHsy8Spo"/>
+          <p:cNvPicPr>
+            <a:picLocks noChangeAspect="1" noChangeArrowheads="1"/>
+          </p:cNvPicPr>
+          <p:nvPr/>
+        </p:nvPicPr>
+        <p:blipFill>
+          <a:blip r:embed="rId6">
+            <a:extLst>
+              <a:ext uri="{28A0092B-C50C-407E-A947-70E740481C1C}">
+                <a14:useLocalDpi xmlns:a14="http://schemas.microsoft.com/office/drawing/2010/main" val="0"/>
+              </a:ext>
+            </a:extLst>
+          </a:blip>
+          <a:srcRect/>
+          <a:stretch>
+            <a:fillRect/>
+          </a:stretch>
+        </p:blipFill>
+        <p:spPr bwMode="auto">
+          <a:xfrm>
+            <a:off x="6410547" y="1237661"/>
+            <a:ext cx="1266825" cy="2095501"/>
+          </a:xfrm>
+          <a:prstGeom prst="rect">
+            <a:avLst/>
+          </a:prstGeom>
+          <a:noFill/>
+          <a:extLst>
+            <a:ext uri="{909E8E84-426E-40DD-AFC4-6F175D3DCCD1}">
+              <a14:hiddenFill xmlns:a14="http://schemas.microsoft.com/office/drawing/2010/main">
+                <a:solidFill>
+                  <a:srgbClr val="FFFFFF"/>
+                </a:solidFill>
+              </a14:hiddenFill>
+            </a:ext>
+          </a:extLst>
+        </p:spPr>
+      </p:pic>
+      <p:sp>
+        <p:nvSpPr>
+          <p:cNvPr id="4" name="TextBox 3"/>
+          <p:cNvSpPr txBox="1"/>
+          <p:nvPr/>
+        </p:nvSpPr>
+        <p:spPr>
+          <a:xfrm>
+            <a:off x="9884229" y="4397830"/>
+            <a:ext cx="882293" cy="369332"/>
+          </a:xfrm>
+          <a:prstGeom prst="rect">
+            <a:avLst/>
+          </a:prstGeom>
+          <a:ln>
+            <a:noFill/>
+          </a:ln>
+          <a:effectLst>
+            <a:outerShdw blurRad="190500" algn="tl" rotWithShape="0">
+              <a:srgbClr val="000000">
+                <a:alpha val="70000"/>
+              </a:srgbClr>
+            </a:outerShdw>
+          </a:effectLst>
+          <a:extLst>
+            <a:ext uri="{909E8E84-426E-40DD-AFC4-6F175D3DCCD1}">
+              <a14:hiddenFill xmlns:a14="http://schemas.microsoft.com/office/drawing/2010/main">
+                <a:solidFill>
+                  <a:srgbClr val="FFFFFF"/>
+                </a:solidFill>
+              </a14:hiddenFill>
+            </a:ext>
+          </a:extLst>
+        </p:spPr>
+        <p:txBody>
+          <a:bodyPr wrap="none" rtlCol="0">
+            <a:spAutoFit/>
+          </a:bodyPr>
+          <a:lstStyle/>
+          <a:p>
+            <a:r>
+              <a:rPr lang="en-US" dirty="0" smtClean="0"/>
+              <a:t>Rooted</a:t>
+            </a:r>
+            <a:endParaRPr lang="en-US" dirty="0"/>
+          </a:p>
+        </p:txBody>
+      </p:sp>
+      <p:sp>
+        <p:nvSpPr>
+          <p:cNvPr id="15" name="Freeform 14"/>
+          <p:cNvSpPr/>
+          <p:nvPr/>
+        </p:nvSpPr>
+        <p:spPr>
+          <a:xfrm>
+            <a:off x="7189949" y="3759202"/>
+            <a:ext cx="1983081" cy="2727083"/>
+          </a:xfrm>
+          <a:custGeom>
+            <a:avLst/>
+            <a:gdLst>
+              <a:gd name="connsiteX0" fmla="*/ 1913206 w 1913206"/>
+              <a:gd name="connsiteY0" fmla="*/ 28135 h 534573"/>
+              <a:gd name="connsiteX1" fmla="*/ 1561514 w 1913206"/>
+              <a:gd name="connsiteY1" fmla="*/ 464234 h 534573"/>
+              <a:gd name="connsiteX2" fmla="*/ 323557 w 1913206"/>
+              <a:gd name="connsiteY2" fmla="*/ 450166 h 534573"/>
+              <a:gd name="connsiteX3" fmla="*/ 0 w 1913206"/>
+              <a:gd name="connsiteY3" fmla="*/ 0 h 534573"/>
+              <a:gd name="connsiteX0" fmla="*/ 3612146 w 3612146"/>
+              <a:gd name="connsiteY0" fmla="*/ 1321192 h 1345728"/>
+              <a:gd name="connsiteX1" fmla="*/ 1561514 w 3612146"/>
+              <a:gd name="connsiteY1" fmla="*/ 464234 h 1345728"/>
+              <a:gd name="connsiteX2" fmla="*/ 323557 w 3612146"/>
+              <a:gd name="connsiteY2" fmla="*/ 450166 h 1345728"/>
+              <a:gd name="connsiteX3" fmla="*/ 0 w 3612146"/>
+              <a:gd name="connsiteY3" fmla="*/ 0 h 1345728"/>
+              <a:gd name="connsiteX0" fmla="*/ 3612146 w 3612146"/>
+              <a:gd name="connsiteY0" fmla="*/ 1321192 h 1831101"/>
+              <a:gd name="connsiteX1" fmla="*/ 2865011 w 3612146"/>
+              <a:gd name="connsiteY1" fmla="*/ 1802399 h 1831101"/>
+              <a:gd name="connsiteX2" fmla="*/ 323557 w 3612146"/>
+              <a:gd name="connsiteY2" fmla="*/ 450166 h 1831101"/>
+              <a:gd name="connsiteX3" fmla="*/ 0 w 3612146"/>
+              <a:gd name="connsiteY3" fmla="*/ 0 h 1831101"/>
+              <a:gd name="connsiteX0" fmla="*/ 3612146 w 3612146"/>
+              <a:gd name="connsiteY0" fmla="*/ 1321192 h 1850751"/>
+              <a:gd name="connsiteX1" fmla="*/ 2865011 w 3612146"/>
+              <a:gd name="connsiteY1" fmla="*/ 1802399 h 1850751"/>
+              <a:gd name="connsiteX2" fmla="*/ 1685639 w 3612146"/>
+              <a:gd name="connsiteY2" fmla="*/ 89312 h 1850751"/>
+              <a:gd name="connsiteX3" fmla="*/ 0 w 3612146"/>
+              <a:gd name="connsiteY3" fmla="*/ 0 h 1850751"/>
+              <a:gd name="connsiteX0" fmla="*/ 2031971 w 2031971"/>
+              <a:gd name="connsiteY0" fmla="*/ 2403751 h 2933310"/>
+              <a:gd name="connsiteX1" fmla="*/ 1284836 w 2031971"/>
+              <a:gd name="connsiteY1" fmla="*/ 2884958 h 2933310"/>
+              <a:gd name="connsiteX2" fmla="*/ 105464 w 2031971"/>
+              <a:gd name="connsiteY2" fmla="*/ 1171871 h 2933310"/>
+              <a:gd name="connsiteX3" fmla="*/ 74827 w 2031971"/>
+              <a:gd name="connsiteY3" fmla="*/ 0 h 2933310"/>
+              <a:gd name="connsiteX0" fmla="*/ 1957144 w 1957144"/>
+              <a:gd name="connsiteY0" fmla="*/ 2403751 h 2941198"/>
+              <a:gd name="connsiteX1" fmla="*/ 1210009 w 1957144"/>
+              <a:gd name="connsiteY1" fmla="*/ 2884958 h 2941198"/>
+              <a:gd name="connsiteX2" fmla="*/ 264974 w 1957144"/>
+              <a:gd name="connsiteY2" fmla="*/ 1036551 h 2941198"/>
+              <a:gd name="connsiteX3" fmla="*/ 0 w 1957144"/>
+              <a:gd name="connsiteY3" fmla="*/ 0 h 2941198"/>
+              <a:gd name="connsiteX0" fmla="*/ 1957144 w 1957144"/>
+              <a:gd name="connsiteY0" fmla="*/ 2403751 h 2939425"/>
+              <a:gd name="connsiteX1" fmla="*/ 1210009 w 1957144"/>
+              <a:gd name="connsiteY1" fmla="*/ 2884958 h 2939425"/>
+              <a:gd name="connsiteX2" fmla="*/ 616479 w 1957144"/>
+              <a:gd name="connsiteY2" fmla="*/ 1066621 h 2939425"/>
+              <a:gd name="connsiteX3" fmla="*/ 0 w 1957144"/>
+              <a:gd name="connsiteY3" fmla="*/ 0 h 2939425"/>
+              <a:gd name="connsiteX0" fmla="*/ 1957144 w 1957144"/>
+              <a:gd name="connsiteY0" fmla="*/ 2403751 h 2939425"/>
+              <a:gd name="connsiteX1" fmla="*/ 1210009 w 1957144"/>
+              <a:gd name="connsiteY1" fmla="*/ 2884958 h 2939425"/>
+              <a:gd name="connsiteX2" fmla="*/ 616479 w 1957144"/>
+              <a:gd name="connsiteY2" fmla="*/ 1066621 h 2939425"/>
+              <a:gd name="connsiteX3" fmla="*/ 0 w 1957144"/>
+              <a:gd name="connsiteY3" fmla="*/ 0 h 2939425"/>
+              <a:gd name="connsiteX0" fmla="*/ 1957144 w 1957144"/>
+              <a:gd name="connsiteY0" fmla="*/ 2403751 h 2913267"/>
+              <a:gd name="connsiteX1" fmla="*/ 1210009 w 1957144"/>
+              <a:gd name="connsiteY1" fmla="*/ 2884958 h 2913267"/>
+              <a:gd name="connsiteX2" fmla="*/ 982630 w 1957144"/>
+              <a:gd name="connsiteY2" fmla="*/ 2570177 h 2913267"/>
+              <a:gd name="connsiteX3" fmla="*/ 0 w 1957144"/>
+              <a:gd name="connsiteY3" fmla="*/ 0 h 2913267"/>
+              <a:gd name="connsiteX0" fmla="*/ 1957144 w 1957144"/>
+              <a:gd name="connsiteY0" fmla="*/ 2403751 h 2898531"/>
+              <a:gd name="connsiteX1" fmla="*/ 1210009 w 1957144"/>
+              <a:gd name="connsiteY1" fmla="*/ 2884958 h 2898531"/>
+              <a:gd name="connsiteX2" fmla="*/ 982630 w 1957144"/>
+              <a:gd name="connsiteY2" fmla="*/ 2570177 h 2898531"/>
+              <a:gd name="connsiteX3" fmla="*/ 0 w 1957144"/>
+              <a:gd name="connsiteY3" fmla="*/ 0 h 2898531"/>
+              <a:gd name="connsiteX0" fmla="*/ 1957144 w 1957144"/>
+              <a:gd name="connsiteY0" fmla="*/ 2403751 h 2924668"/>
+              <a:gd name="connsiteX1" fmla="*/ 1620098 w 1957144"/>
+              <a:gd name="connsiteY1" fmla="*/ 2915029 h 2924668"/>
+              <a:gd name="connsiteX2" fmla="*/ 982630 w 1957144"/>
+              <a:gd name="connsiteY2" fmla="*/ 2570177 h 2924668"/>
+              <a:gd name="connsiteX3" fmla="*/ 0 w 1957144"/>
+              <a:gd name="connsiteY3" fmla="*/ 0 h 2924668"/>
+              <a:gd name="connsiteX0" fmla="*/ 1957144 w 1957144"/>
+              <a:gd name="connsiteY0" fmla="*/ 2403751 h 2922356"/>
+              <a:gd name="connsiteX1" fmla="*/ 1620098 w 1957144"/>
+              <a:gd name="connsiteY1" fmla="*/ 2915029 h 2922356"/>
+              <a:gd name="connsiteX2" fmla="*/ 982631 w 1957144"/>
+              <a:gd name="connsiteY2" fmla="*/ 2555142 h 2922356"/>
+              <a:gd name="connsiteX3" fmla="*/ 0 w 1957144"/>
+              <a:gd name="connsiteY3" fmla="*/ 0 h 2922356"/>
+              <a:gd name="connsiteX0" fmla="*/ 1957144 w 1957144"/>
+              <a:gd name="connsiteY0" fmla="*/ 2403751 h 2922356"/>
+              <a:gd name="connsiteX1" fmla="*/ 1620098 w 1957144"/>
+              <a:gd name="connsiteY1" fmla="*/ 2915029 h 2922356"/>
+              <a:gd name="connsiteX2" fmla="*/ 982631 w 1957144"/>
+              <a:gd name="connsiteY2" fmla="*/ 2555142 h 2922356"/>
+              <a:gd name="connsiteX3" fmla="*/ 0 w 1957144"/>
+              <a:gd name="connsiteY3" fmla="*/ 0 h 2922356"/>
+              <a:gd name="connsiteX0" fmla="*/ 2001082 w 2001082"/>
+              <a:gd name="connsiteY0" fmla="*/ 2328572 h 2926966"/>
+              <a:gd name="connsiteX1" fmla="*/ 1620098 w 2001082"/>
+              <a:gd name="connsiteY1" fmla="*/ 2915029 h 2926966"/>
+              <a:gd name="connsiteX2" fmla="*/ 982631 w 2001082"/>
+              <a:gd name="connsiteY2" fmla="*/ 2555142 h 2926966"/>
+              <a:gd name="connsiteX3" fmla="*/ 0 w 2001082"/>
+              <a:gd name="connsiteY3" fmla="*/ 0 h 2926966"/>
+              <a:gd name="connsiteX0" fmla="*/ 2001082 w 2001082"/>
+              <a:gd name="connsiteY0" fmla="*/ 2328572 h 2773342"/>
+              <a:gd name="connsiteX1" fmla="*/ 1634744 w 2001082"/>
+              <a:gd name="connsiteY1" fmla="*/ 2689495 h 2773342"/>
+              <a:gd name="connsiteX2" fmla="*/ 982631 w 2001082"/>
+              <a:gd name="connsiteY2" fmla="*/ 2555142 h 2773342"/>
+              <a:gd name="connsiteX3" fmla="*/ 0 w 2001082"/>
+              <a:gd name="connsiteY3" fmla="*/ 0 h 2773342"/>
+              <a:gd name="connsiteX0" fmla="*/ 2001082 w 2001082"/>
+              <a:gd name="connsiteY0" fmla="*/ 2328572 h 2784049"/>
+              <a:gd name="connsiteX1" fmla="*/ 1634744 w 2001082"/>
+              <a:gd name="connsiteY1" fmla="*/ 2689495 h 2784049"/>
+              <a:gd name="connsiteX2" fmla="*/ 982631 w 2001082"/>
+              <a:gd name="connsiteY2" fmla="*/ 2555142 h 2784049"/>
+              <a:gd name="connsiteX3" fmla="*/ 0 w 2001082"/>
+              <a:gd name="connsiteY3" fmla="*/ 0 h 2784049"/>
+              <a:gd name="connsiteX0" fmla="*/ 2001082 w 2001082"/>
+              <a:gd name="connsiteY0" fmla="*/ 2328572 h 2825022"/>
+              <a:gd name="connsiteX1" fmla="*/ 1722621 w 2001082"/>
+              <a:gd name="connsiteY1" fmla="*/ 2764673 h 2825022"/>
+              <a:gd name="connsiteX2" fmla="*/ 982631 w 2001082"/>
+              <a:gd name="connsiteY2" fmla="*/ 2555142 h 2825022"/>
+              <a:gd name="connsiteX3" fmla="*/ 0 w 2001082"/>
+              <a:gd name="connsiteY3" fmla="*/ 0 h 2825022"/>
+            </a:gdLst>
+            <a:ahLst/>
+            <a:cxnLst>
+              <a:cxn ang="0">
+                <a:pos x="connsiteX0" y="connsiteY0"/>
+              </a:cxn>
+              <a:cxn ang="0">
+                <a:pos x="connsiteX1" y="connsiteY1"/>
+              </a:cxn>
+              <a:cxn ang="0">
+                <a:pos x="connsiteX2" y="connsiteY2"/>
+              </a:cxn>
+              <a:cxn ang="0">
+                <a:pos x="connsiteX3" y="connsiteY3"/>
+              </a:cxn>
+            </a:cxnLst>
+            <a:rect l="l" t="t" r="r" b="b"/>
+            <a:pathLst>
+              <a:path w="2001082" h="2825022">
+                <a:moveTo>
+                  <a:pt x="2001082" y="2328572"/>
+                </a:moveTo>
+                <a:cubicBezTo>
+                  <a:pt x="1957707" y="2511452"/>
+                  <a:pt x="1907009" y="2696839"/>
+                  <a:pt x="1722621" y="2764673"/>
+                </a:cubicBezTo>
+                <a:cubicBezTo>
+                  <a:pt x="1538233" y="2832507"/>
+                  <a:pt x="1286822" y="2918189"/>
+                  <a:pt x="982631" y="2555142"/>
+                </a:cubicBezTo>
+                <a:cubicBezTo>
+                  <a:pt x="810256" y="2282307"/>
                   <a:pt x="84406" y="51581"/>
                   <a:pt x="0" y="0"/>
                 </a:cubicBezTo>
@@ -6634,14 +7967,110 @@
       </p:sp>
       <p:pic>
         <p:nvPicPr>
-          <p:cNvPr id="4110" name="Picture 14" descr="http://www.gregframe.com/sites/default/files/styles/medium/public/field/image/icon_home_aro.png?itok=CHsy8Spo"/>
+          <p:cNvPr id="4100" name="Picture 4" descr="http://www.gadgety.co.il/wp-content/themes/main/thumbs/htc_one_m7.jpg"/>
+          <p:cNvPicPr>
+            <a:picLocks noChangeAspect="1" noChangeArrowheads="1"/>
+          </p:cNvPicPr>
+          <p:nvPr/>
+        </p:nvPicPr>
+        <p:blipFill rotWithShape="1">
+          <a:blip r:embed="rId7" cstate="print">
+            <a:extLst>
+              <a:ext uri="{28A0092B-C50C-407E-A947-70E740481C1C}">
+                <a14:useLocalDpi xmlns:a14="http://schemas.microsoft.com/office/drawing/2010/main" val="0"/>
+              </a:ext>
+            </a:extLst>
+          </a:blip>
+          <a:srcRect l="26580" r="26263"/>
+          <a:stretch/>
+        </p:blipFill>
+        <p:spPr bwMode="auto">
+          <a:xfrm>
+            <a:off x="3298434" y="4023892"/>
+            <a:ext cx="1097991" cy="2233054"/>
+          </a:xfrm>
+          <a:prstGeom prst="rect">
+            <a:avLst/>
+          </a:prstGeom>
+          <a:ln>
+            <a:noFill/>
+          </a:ln>
+          <a:effectLst>
+            <a:outerShdw blurRad="190500" algn="tl" rotWithShape="0">
+              <a:srgbClr val="000000">
+                <a:alpha val="70000"/>
+              </a:srgbClr>
+            </a:outerShdw>
+          </a:effectLst>
+          <a:extLst>
+            <a:ext uri="{909E8E84-426E-40DD-AFC4-6F175D3DCCD1}">
+              <a14:hiddenFill xmlns:a14="http://schemas.microsoft.com/office/drawing/2010/main">
+                <a:solidFill>
+                  <a:srgbClr val="FFFFFF"/>
+                </a:solidFill>
+              </a14:hiddenFill>
+            </a:ext>
+          </a:extLst>
+        </p:spPr>
+      </p:pic>
+      <p:pic>
+        <p:nvPicPr>
+          <p:cNvPr id="4098" name="Picture 2" descr="http://i-cdn.phonearena.com/images/articles/78140-image/2.jpg"/>
+          <p:cNvPicPr>
+            <a:picLocks noChangeAspect="1" noChangeArrowheads="1"/>
+          </p:cNvPicPr>
+          <p:nvPr/>
+        </p:nvPicPr>
+        <p:blipFill rotWithShape="1">
+          <a:blip r:embed="rId8">
+            <a:extLst>
+              <a:ext uri="{28A0092B-C50C-407E-A947-70E740481C1C}">
+                <a14:useLocalDpi xmlns:a14="http://schemas.microsoft.com/office/drawing/2010/main" val="0"/>
+              </a:ext>
+            </a:extLst>
+          </a:blip>
+          <a:srcRect l="23687" t="2248" r="24020" b="2095"/>
+          <a:stretch/>
+        </p:blipFill>
+        <p:spPr bwMode="auto">
+          <a:xfrm>
+            <a:off x="8616450" y="3820692"/>
+            <a:ext cx="1173785" cy="2233054"/>
+          </a:xfrm>
+          <a:prstGeom prst="rect">
+            <a:avLst/>
+          </a:prstGeom>
+          <a:ln>
+            <a:noFill/>
+          </a:ln>
+          <a:effectLst>
+            <a:outerShdw blurRad="190500" algn="tl" rotWithShape="0">
+              <a:srgbClr val="000000">
+                <a:alpha val="70000"/>
+              </a:srgbClr>
+            </a:outerShdw>
+          </a:effectLst>
+          <a:extLst>
+            <a:ext uri="{909E8E84-426E-40DD-AFC4-6F175D3DCCD1}">
+              <a14:hiddenFill xmlns:a14="http://schemas.microsoft.com/office/drawing/2010/main">
+                <a:solidFill>
+                  <a:srgbClr val="FFFFFF"/>
+                </a:solidFill>
+              </a14:hiddenFill>
+            </a:ext>
+          </a:extLst>
+        </p:spPr>
+      </p:pic>
+      <p:pic>
+        <p:nvPicPr>
+          <p:cNvPr id="16" name="Picture 4" descr="http://showreely.com/media/uploads/adminfiles/production_icon.png"/>
           <p:cNvPicPr>
             <a:picLocks noChangeAspect="1" noChangeArrowheads="1"/>
           </p:cNvPicPr>
           <p:nvPr/>
         </p:nvPicPr>
         <p:blipFill>
-          <a:blip r:embed="rId8">
+          <a:blip r:embed="rId9">
             <a:extLst>
               <a:ext uri="{28A0092B-C50C-407E-A947-70E740481C1C}">
                 <a14:useLocalDpi xmlns:a14="http://schemas.microsoft.com/office/drawing/2010/main" val="0"/>
@@ -6655,8 +8084,8 @@
         </p:blipFill>
         <p:spPr bwMode="auto">
           <a:xfrm>
-            <a:off x="9339916" y="685800"/>
-            <a:ext cx="1266825" cy="2095501"/>
+            <a:off x="11013270" y="5768042"/>
+            <a:ext cx="1221945" cy="1089958"/>
           </a:xfrm>
           <a:prstGeom prst="rect">
             <a:avLst/>
@@ -6695,9 +8124,6 @@
                     <p:cTn id="3" fill="hold">
                       <p:stCondLst>
                         <p:cond delay="indefinite"/>
-                        <p:cond evt="onBegin" delay="0">
-                          <p:tn val="2"/>
-                        </p:cond>
                       </p:stCondLst>
                       <p:childTnLst>
                         <p:par>
@@ -6707,7 +8133,7 @@
                             </p:stCondLst>
                             <p:childTnLst>
                               <p:par>
-                                <p:cTn id="5" presetID="1" presetClass="entr" presetSubtype="0" fill="hold" grpId="0" nodeType="withEffect">
+                                <p:cTn id="5" presetID="1" presetClass="entr" presetSubtype="0" fill="hold" nodeType="clickEffect">
                                   <p:stCondLst>
                                     <p:cond delay="0"/>
                                   </p:stCondLst>
@@ -6720,7 +8146,356 @@
                                           </p:stCondLst>
                                         </p:cTn>
                                         <p:tgtEl>
+                                          <p:spTgt spid="4102"/>
+                                        </p:tgtEl>
+                                        <p:attrNameLst>
+                                          <p:attrName>style.visibility</p:attrName>
+                                        </p:attrNameLst>
+                                      </p:cBhvr>
+                                      <p:to>
+                                        <p:strVal val="visible"/>
+                                      </p:to>
+                                    </p:set>
+                                  </p:childTnLst>
+                                </p:cTn>
+                              </p:par>
+                            </p:childTnLst>
+                          </p:cTn>
+                        </p:par>
+                      </p:childTnLst>
+                    </p:cTn>
+                  </p:par>
+                  <p:par>
+                    <p:cTn id="7" fill="hold">
+                      <p:stCondLst>
+                        <p:cond delay="indefinite"/>
+                      </p:stCondLst>
+                      <p:childTnLst>
+                        <p:par>
+                          <p:cTn id="8" fill="hold">
+                            <p:stCondLst>
+                              <p:cond delay="0"/>
+                            </p:stCondLst>
+                            <p:childTnLst>
+                              <p:par>
+                                <p:cTn id="9" presetID="10" presetClass="entr" presetSubtype="0" fill="hold" grpId="0" nodeType="clickEffect">
+                                  <p:stCondLst>
+                                    <p:cond delay="0"/>
+                                  </p:stCondLst>
+                                  <p:childTnLst>
+                                    <p:set>
+                                      <p:cBhvr>
+                                        <p:cTn id="10" dur="1" fill="hold">
+                                          <p:stCondLst>
+                                            <p:cond delay="0"/>
+                                          </p:stCondLst>
+                                        </p:cTn>
+                                        <p:tgtEl>
+                                          <p:spTgt spid="15"/>
+                                        </p:tgtEl>
+                                        <p:attrNameLst>
+                                          <p:attrName>style.visibility</p:attrName>
+                                        </p:attrNameLst>
+                                      </p:cBhvr>
+                                      <p:to>
+                                        <p:strVal val="visible"/>
+                                      </p:to>
+                                    </p:set>
+                                    <p:animEffect transition="in" filter="fade">
+                                      <p:cBhvr>
+                                        <p:cTn id="11" dur="500"/>
+                                        <p:tgtEl>
+                                          <p:spTgt spid="15"/>
+                                        </p:tgtEl>
+                                      </p:cBhvr>
+                                    </p:animEffect>
+                                  </p:childTnLst>
+                                </p:cTn>
+                              </p:par>
+                            </p:childTnLst>
+                          </p:cTn>
+                        </p:par>
+                      </p:childTnLst>
+                    </p:cTn>
+                  </p:par>
+                  <p:par>
+                    <p:cTn id="12" fill="hold">
+                      <p:stCondLst>
+                        <p:cond delay="indefinite"/>
+                      </p:stCondLst>
+                      <p:childTnLst>
+                        <p:par>
+                          <p:cTn id="13" fill="hold">
+                            <p:stCondLst>
+                              <p:cond delay="0"/>
+                            </p:stCondLst>
+                            <p:childTnLst>
+                              <p:par>
+                                <p:cTn id="14" presetID="1" presetClass="entr" presetSubtype="0" fill="hold" nodeType="clickEffect">
+                                  <p:stCondLst>
+                                    <p:cond delay="0"/>
+                                  </p:stCondLst>
+                                  <p:childTnLst>
+                                    <p:set>
+                                      <p:cBhvr>
+                                        <p:cTn id="15" dur="1" fill="hold">
+                                          <p:stCondLst>
+                                            <p:cond delay="0"/>
+                                          </p:stCondLst>
+                                        </p:cTn>
+                                        <p:tgtEl>
+                                          <p:spTgt spid="4098"/>
+                                        </p:tgtEl>
+                                        <p:attrNameLst>
+                                          <p:attrName>style.visibility</p:attrName>
+                                        </p:attrNameLst>
+                                      </p:cBhvr>
+                                      <p:to>
+                                        <p:strVal val="visible"/>
+                                      </p:to>
+                                    </p:set>
+                                  </p:childTnLst>
+                                </p:cTn>
+                              </p:par>
+                              <p:par>
+                                <p:cTn id="16" presetID="1" presetClass="entr" presetSubtype="0" fill="hold" nodeType="withEffect">
+                                  <p:stCondLst>
+                                    <p:cond delay="0"/>
+                                  </p:stCondLst>
+                                  <p:childTnLst>
+                                    <p:set>
+                                      <p:cBhvr>
+                                        <p:cTn id="17" dur="1" fill="hold">
+                                          <p:stCondLst>
+                                            <p:cond delay="0"/>
+                                          </p:stCondLst>
+                                        </p:cTn>
+                                        <p:tgtEl>
+                                          <p:spTgt spid="4108"/>
+                                        </p:tgtEl>
+                                        <p:attrNameLst>
+                                          <p:attrName>style.visibility</p:attrName>
+                                        </p:attrNameLst>
+                                      </p:cBhvr>
+                                      <p:to>
+                                        <p:strVal val="visible"/>
+                                      </p:to>
+                                    </p:set>
+                                  </p:childTnLst>
+                                </p:cTn>
+                              </p:par>
+                              <p:par>
+                                <p:cTn id="18" presetID="1" presetClass="entr" presetSubtype="0" fill="hold" grpId="0" nodeType="withEffect">
+                                  <p:stCondLst>
+                                    <p:cond delay="0"/>
+                                  </p:stCondLst>
+                                  <p:childTnLst>
+                                    <p:set>
+                                      <p:cBhvr>
+                                        <p:cTn id="19" dur="1" fill="hold">
+                                          <p:stCondLst>
+                                            <p:cond delay="0"/>
+                                          </p:stCondLst>
+                                        </p:cTn>
+                                        <p:tgtEl>
+                                          <p:spTgt spid="4"/>
+                                        </p:tgtEl>
+                                        <p:attrNameLst>
+                                          <p:attrName>style.visibility</p:attrName>
+                                        </p:attrNameLst>
+                                      </p:cBhvr>
+                                      <p:to>
+                                        <p:strVal val="visible"/>
+                                      </p:to>
+                                    </p:set>
+                                  </p:childTnLst>
+                                </p:cTn>
+                              </p:par>
+                            </p:childTnLst>
+                          </p:cTn>
+                        </p:par>
+                      </p:childTnLst>
+                    </p:cTn>
+                  </p:par>
+                  <p:par>
+                    <p:cTn id="20" fill="hold">
+                      <p:stCondLst>
+                        <p:cond delay="indefinite"/>
+                      </p:stCondLst>
+                      <p:childTnLst>
+                        <p:par>
+                          <p:cTn id="21" fill="hold">
+                            <p:stCondLst>
+                              <p:cond delay="0"/>
+                            </p:stCondLst>
+                            <p:childTnLst>
+                              <p:par>
+                                <p:cTn id="22" presetID="10" presetClass="entr" presetSubtype="0" fill="hold" grpId="0" nodeType="clickEffect">
+                                  <p:stCondLst>
+                                    <p:cond delay="0"/>
+                                  </p:stCondLst>
+                                  <p:childTnLst>
+                                    <p:set>
+                                      <p:cBhvr>
+                                        <p:cTn id="23" dur="1" fill="hold">
+                                          <p:stCondLst>
+                                            <p:cond delay="0"/>
+                                          </p:stCondLst>
+                                        </p:cTn>
+                                        <p:tgtEl>
                                           <p:spTgt spid="11"/>
+                                        </p:tgtEl>
+                                        <p:attrNameLst>
+                                          <p:attrName>style.visibility</p:attrName>
+                                        </p:attrNameLst>
+                                      </p:cBhvr>
+                                      <p:to>
+                                        <p:strVal val="visible"/>
+                                      </p:to>
+                                    </p:set>
+                                    <p:animEffect transition="in" filter="fade">
+                                      <p:cBhvr>
+                                        <p:cTn id="24" dur="500"/>
+                                        <p:tgtEl>
+                                          <p:spTgt spid="11"/>
+                                        </p:tgtEl>
+                                      </p:cBhvr>
+                                    </p:animEffect>
+                                  </p:childTnLst>
+                                </p:cTn>
+                              </p:par>
+                            </p:childTnLst>
+                          </p:cTn>
+                        </p:par>
+                      </p:childTnLst>
+                    </p:cTn>
+                  </p:par>
+                  <p:par>
+                    <p:cTn id="25" fill="hold">
+                      <p:stCondLst>
+                        <p:cond delay="indefinite"/>
+                      </p:stCondLst>
+                      <p:childTnLst>
+                        <p:par>
+                          <p:cTn id="26" fill="hold">
+                            <p:stCondLst>
+                              <p:cond delay="0"/>
+                            </p:stCondLst>
+                            <p:childTnLst>
+                              <p:par>
+                                <p:cTn id="27" presetID="1" presetClass="entr" presetSubtype="0" fill="hold" nodeType="clickEffect">
+                                  <p:stCondLst>
+                                    <p:cond delay="0"/>
+                                  </p:stCondLst>
+                                  <p:childTnLst>
+                                    <p:set>
+                                      <p:cBhvr>
+                                        <p:cTn id="28" dur="1" fill="hold">
+                                          <p:stCondLst>
+                                            <p:cond delay="0"/>
+                                          </p:stCondLst>
+                                        </p:cTn>
+                                        <p:tgtEl>
+                                          <p:spTgt spid="4100"/>
+                                        </p:tgtEl>
+                                        <p:attrNameLst>
+                                          <p:attrName>style.visibility</p:attrName>
+                                        </p:attrNameLst>
+                                      </p:cBhvr>
+                                      <p:to>
+                                        <p:strVal val="visible"/>
+                                      </p:to>
+                                    </p:set>
+                                  </p:childTnLst>
+                                </p:cTn>
+                              </p:par>
+                              <p:par>
+                                <p:cTn id="29" presetID="1" presetClass="entr" presetSubtype="0" fill="hold" nodeType="withEffect">
+                                  <p:stCondLst>
+                                    <p:cond delay="0"/>
+                                  </p:stCondLst>
+                                  <p:childTnLst>
+                                    <p:set>
+                                      <p:cBhvr>
+                                        <p:cTn id="30" dur="1" fill="hold">
+                                          <p:stCondLst>
+                                            <p:cond delay="0"/>
+                                          </p:stCondLst>
+                                        </p:cTn>
+                                        <p:tgtEl>
+                                          <p:spTgt spid="4106"/>
+                                        </p:tgtEl>
+                                        <p:attrNameLst>
+                                          <p:attrName>style.visibility</p:attrName>
+                                        </p:attrNameLst>
+                                      </p:cBhvr>
+                                      <p:to>
+                                        <p:strVal val="visible"/>
+                                      </p:to>
+                                    </p:set>
+                                  </p:childTnLst>
+                                </p:cTn>
+                              </p:par>
+                              <p:par>
+                                <p:cTn id="31" presetID="1" presetClass="entr" presetSubtype="0" fill="hold" nodeType="withEffect">
+                                  <p:stCondLst>
+                                    <p:cond delay="0"/>
+                                  </p:stCondLst>
+                                  <p:childTnLst>
+                                    <p:set>
+                                      <p:cBhvr>
+                                        <p:cTn id="32" dur="1" fill="hold">
+                                          <p:stCondLst>
+                                            <p:cond delay="0"/>
+                                          </p:stCondLst>
+                                        </p:cTn>
+                                        <p:tgtEl>
+                                          <p:spTgt spid="4104"/>
+                                        </p:tgtEl>
+                                        <p:attrNameLst>
+                                          <p:attrName>style.visibility</p:attrName>
+                                        </p:attrNameLst>
+                                      </p:cBhvr>
+                                      <p:to>
+                                        <p:strVal val="visible"/>
+                                      </p:to>
+                                    </p:set>
+                                  </p:childTnLst>
+                                </p:cTn>
+                              </p:par>
+                            </p:childTnLst>
+                          </p:cTn>
+                        </p:par>
+                      </p:childTnLst>
+                    </p:cTn>
+                  </p:par>
+                  <p:par>
+                    <p:cTn id="33" fill="hold">
+                      <p:stCondLst>
+                        <p:cond delay="indefinite"/>
+                      </p:stCondLst>
+                      <p:childTnLst>
+                        <p:par>
+                          <p:cTn id="34" fill="hold">
+                            <p:stCondLst>
+                              <p:cond delay="0"/>
+                            </p:stCondLst>
+                            <p:childTnLst>
+                              <p:par>
+                                <p:cTn id="35" presetID="1" presetClass="entr" presetSubtype="0" fill="hold" nodeType="clickEffect">
+                                  <p:stCondLst>
+                                    <p:cond delay="0"/>
+                                  </p:stCondLst>
+                                  <p:childTnLst>
+                                    <p:set>
+                                      <p:cBhvr>
+                                        <p:cTn id="36" dur="1" fill="hold">
+                                          <p:stCondLst>
+                                            <p:cond delay="0"/>
+                                          </p:stCondLst>
+                                        </p:cTn>
+                                        <p:tgtEl>
+                                          <p:spTgt spid="4110"/>
                                         </p:tgtEl>
                                         <p:attrNameLst>
                                           <p:attrName>style.visibility</p:attrName>
@@ -6762,12 +8537,14 @@
     </p:tnLst>
     <p:bldLst>
       <p:bldP spid="11" grpId="0" animBg="1"/>
+      <p:bldP spid="4" grpId="0"/>
+      <p:bldP spid="15" grpId="0" animBg="1"/>
     </p:bldLst>
   </p:timing>
 </p:sld>
 </file>
 
-<file path=ppt/slides/slide11.xml><?xml version="1.0" encoding="utf-8"?>
+<file path=ppt/slides/slide12.xml><?xml version="1.0" encoding="utf-8"?>
 <p:sld xmlns:a="http://schemas.openxmlformats.org/drawingml/2006/main" xmlns:r="http://schemas.openxmlformats.org/officeDocument/2006/relationships" xmlns:p="http://schemas.openxmlformats.org/presentationml/2006/main">
   <p:cSld>
     <p:spTree>
@@ -6824,7 +8601,7 @@
         </p:nvSpPr>
         <p:spPr>
           <a:xfrm>
-            <a:off x="2896246" y="1349193"/>
+            <a:off x="2143214" y="1120594"/>
             <a:ext cx="3249056" cy="2483215"/>
           </a:xfrm>
         </p:spPr>
@@ -6884,7 +8661,7 @@
         </p:blipFill>
         <p:spPr bwMode="auto">
           <a:xfrm>
-            <a:off x="4963159" y="4381081"/>
+            <a:off x="4263915" y="4098694"/>
             <a:ext cx="1422932" cy="1438831"/>
           </a:xfrm>
           <a:prstGeom prst="rect">
@@ -6925,8 +8702,8 @@
         </p:blipFill>
         <p:spPr bwMode="auto">
           <a:xfrm>
-            <a:off x="3125998" y="4419602"/>
-            <a:ext cx="1361789" cy="1361790"/>
+            <a:off x="1969214" y="4131526"/>
+            <a:ext cx="1405998" cy="1405999"/>
           </a:xfrm>
           <a:prstGeom prst="rect">
             <a:avLst/>
@@ -6953,8 +8730,8 @@
         </p:nvSpPr>
         <p:spPr>
           <a:xfrm>
-            <a:off x="7741674" y="4264962"/>
-            <a:ext cx="3249056" cy="2483215"/>
+            <a:off x="7741674" y="3855525"/>
+            <a:ext cx="3653774" cy="2906939"/>
           </a:xfrm>
           <a:prstGeom prst="rect">
             <a:avLst/>
@@ -6962,7 +8739,7 @@
         </p:spPr>
         <p:txBody>
           <a:bodyPr vert="horz" lIns="91440" tIns="45720" rIns="91440" bIns="45720" rtlCol="0" anchor="ctr">
-            <a:normAutofit fontScale="92500"/>
+            <a:normAutofit/>
           </a:bodyPr>
           <a:lstStyle>
             <a:lvl1pPr marL="285750" indent="-285750" algn="l" defTabSz="457200" rtl="0" eaLnBrk="1" latinLnBrk="0" hangingPunct="1">
@@ -7215,8 +8992,15 @@
           </a:p>
           <a:p>
             <a:r>
-              <a:rPr lang="en-US" sz="2800" dirty="0" err="1"/>
+              <a:rPr lang="en-US" sz="2800" dirty="0" err="1" smtClean="0"/>
               <a:t>Usemon</a:t>
+            </a:r>
+            <a:endParaRPr lang="en-US" sz="2800" dirty="0" smtClean="0"/>
+          </a:p>
+          <a:p>
+            <a:r>
+              <a:rPr lang="en-US" sz="2800" dirty="0" err="1" smtClean="0"/>
+              <a:t>Greenify</a:t>
             </a:r>
             <a:endParaRPr lang="en-US" sz="2800" dirty="0"/>
           </a:p>
@@ -7245,7 +9029,7 @@
         </p:blipFill>
         <p:spPr bwMode="auto">
           <a:xfrm>
-            <a:off x="7839086" y="816699"/>
+            <a:off x="7320471" y="571117"/>
             <a:ext cx="1266825" cy="2095501"/>
           </a:xfrm>
           <a:prstGeom prst="rect">
@@ -7286,7 +9070,7 @@
         </p:blipFill>
         <p:spPr bwMode="auto">
           <a:xfrm>
-            <a:off x="9506145" y="1122156"/>
+            <a:off x="8640855" y="668602"/>
             <a:ext cx="1484585" cy="1484585"/>
           </a:xfrm>
           <a:prstGeom prst="rect">
@@ -7327,7 +9111,7 @@
         </p:blipFill>
         <p:spPr bwMode="auto">
           <a:xfrm>
-            <a:off x="7641148" y="2769772"/>
+            <a:off x="8640855" y="2566290"/>
             <a:ext cx="1371600" cy="1371600"/>
           </a:xfrm>
           <a:prstGeom prst="rect">
@@ -7360,12 +9144,94 @@
         </p:blipFill>
         <p:spPr>
           <a:xfrm>
-            <a:off x="9609947" y="2725276"/>
+            <a:off x="10162629" y="1459367"/>
             <a:ext cx="1543178" cy="1539686"/>
           </a:xfrm>
           <a:prstGeom prst="rect">
             <a:avLst/>
           </a:prstGeom>
+        </p:spPr>
+      </p:pic>
+      <p:pic>
+        <p:nvPicPr>
+          <p:cNvPr id="11" name="Picture 4" descr="http://showreely.com/media/uploads/adminfiles/production_icon.png"/>
+          <p:cNvPicPr>
+            <a:picLocks noChangeAspect="1" noChangeArrowheads="1"/>
+          </p:cNvPicPr>
+          <p:nvPr/>
+        </p:nvPicPr>
+        <p:blipFill>
+          <a:blip r:embed="rId8">
+            <a:extLst>
+              <a:ext uri="{28A0092B-C50C-407E-A947-70E740481C1C}">
+                <a14:useLocalDpi xmlns:a14="http://schemas.microsoft.com/office/drawing/2010/main" val="0"/>
+              </a:ext>
+            </a:extLst>
+          </a:blip>
+          <a:srcRect/>
+          <a:stretch>
+            <a:fillRect/>
+          </a:stretch>
+        </p:blipFill>
+        <p:spPr bwMode="auto">
+          <a:xfrm>
+            <a:off x="11013270" y="5768042"/>
+            <a:ext cx="1221945" cy="1089958"/>
+          </a:xfrm>
+          <a:prstGeom prst="rect">
+            <a:avLst/>
+          </a:prstGeom>
+          <a:noFill/>
+          <a:extLst>
+            <a:ext uri="{909E8E84-426E-40DD-AFC4-6F175D3DCCD1}">
+              <a14:hiddenFill xmlns:a14="http://schemas.microsoft.com/office/drawing/2010/main">
+                <a:solidFill>
+                  <a:srgbClr val="FFFFFF"/>
+                </a:solidFill>
+              </a14:hiddenFill>
+            </a:ext>
+          </a:extLst>
+        </p:spPr>
+      </p:pic>
+      <p:pic>
+        <p:nvPicPr>
+          <p:cNvPr id="21506" name="Picture 2" descr="https://lh6.ggpht.com/w261De9ZkHSxBGYcdFXG9BySiK2ugwMb7ReGh_AfN7UUSefB3ja_wPVtP91aewaKoKO0=w300"/>
+          <p:cNvPicPr>
+            <a:picLocks noChangeAspect="1" noChangeArrowheads="1"/>
+          </p:cNvPicPr>
+          <p:nvPr/>
+        </p:nvPicPr>
+        <p:blipFill>
+          <a:blip r:embed="rId9">
+            <a:extLst>
+              <a:ext uri="{28A0092B-C50C-407E-A947-70E740481C1C}">
+                <a14:useLocalDpi xmlns:a14="http://schemas.microsoft.com/office/drawing/2010/main" val="0"/>
+              </a:ext>
+            </a:extLst>
+          </a:blip>
+          <a:srcRect/>
+          <a:stretch>
+            <a:fillRect/>
+          </a:stretch>
+        </p:blipFill>
+        <p:spPr bwMode="auto">
+          <a:xfrm>
+            <a:off x="6967603" y="2323716"/>
+            <a:ext cx="1489431" cy="1489431"/>
+          </a:xfrm>
+          <a:prstGeom prst="rect">
+            <a:avLst/>
+          </a:prstGeom>
+          <a:noFill/>
+          <a:extLst>
+            <a:ext uri="{909E8E84-426E-40DD-AFC4-6F175D3DCCD1}">
+              <a14:hiddenFill xmlns:a14="http://schemas.microsoft.com/office/drawing/2010/main">
+                <a:solidFill>
+                  <a:srgbClr val="FFFFFF"/>
+                </a:solidFill>
+              </a14:hiddenFill>
+            </a:ext>
+          </a:extLst>
         </p:spPr>
       </p:pic>
     </p:spTree>
@@ -7381,14 +9247,644 @@
   <p:timing>
     <p:tnLst>
       <p:par>
-        <p:cTn id="1" dur="indefinite" restart="never" nodeType="tmRoot"/>
+        <p:cTn id="1" dur="indefinite" restart="never" nodeType="tmRoot">
+          <p:childTnLst>
+            <p:seq concurrent="1" nextAc="seek">
+              <p:cTn id="2" dur="indefinite" nodeType="mainSeq">
+                <p:childTnLst>
+                  <p:par>
+                    <p:cTn id="3" fill="hold">
+                      <p:stCondLst>
+                        <p:cond delay="indefinite"/>
+                      </p:stCondLst>
+                      <p:childTnLst>
+                        <p:par>
+                          <p:cTn id="4" fill="hold">
+                            <p:stCondLst>
+                              <p:cond delay="0"/>
+                            </p:stCondLst>
+                            <p:childTnLst>
+                              <p:par>
+                                <p:cTn id="5" presetID="1" presetClass="entr" presetSubtype="0" fill="hold" grpId="0" nodeType="clickEffect">
+                                  <p:stCondLst>
+                                    <p:cond delay="0"/>
+                                  </p:stCondLst>
+                                  <p:childTnLst>
+                                    <p:set>
+                                      <p:cBhvr>
+                                        <p:cTn id="6" dur="1" fill="hold">
+                                          <p:stCondLst>
+                                            <p:cond delay="0"/>
+                                          </p:stCondLst>
+                                        </p:cTn>
+                                        <p:tgtEl>
+                                          <p:spTgt spid="3">
+                                            <p:txEl>
+                                              <p:pRg st="0" end="0"/>
+                                            </p:txEl>
+                                          </p:spTgt>
+                                        </p:tgtEl>
+                                        <p:attrNameLst>
+                                          <p:attrName>style.visibility</p:attrName>
+                                        </p:attrNameLst>
+                                      </p:cBhvr>
+                                      <p:to>
+                                        <p:strVal val="visible"/>
+                                      </p:to>
+                                    </p:set>
+                                  </p:childTnLst>
+                                </p:cTn>
+                              </p:par>
+                              <p:par>
+                                <p:cTn id="7" presetID="1" presetClass="entr" presetSubtype="0" fill="hold" grpId="0" nodeType="withEffect">
+                                  <p:stCondLst>
+                                    <p:cond delay="0"/>
+                                  </p:stCondLst>
+                                  <p:childTnLst>
+                                    <p:set>
+                                      <p:cBhvr>
+                                        <p:cTn id="8" dur="1" fill="hold">
+                                          <p:stCondLst>
+                                            <p:cond delay="0"/>
+                                          </p:stCondLst>
+                                        </p:cTn>
+                                        <p:tgtEl>
+                                          <p:spTgt spid="3">
+                                            <p:txEl>
+                                              <p:pRg st="1" end="1"/>
+                                            </p:txEl>
+                                          </p:spTgt>
+                                        </p:tgtEl>
+                                        <p:attrNameLst>
+                                          <p:attrName>style.visibility</p:attrName>
+                                        </p:attrNameLst>
+                                      </p:cBhvr>
+                                      <p:to>
+                                        <p:strVal val="visible"/>
+                                      </p:to>
+                                    </p:set>
+                                  </p:childTnLst>
+                                </p:cTn>
+                              </p:par>
+                              <p:par>
+                                <p:cTn id="9" presetID="1" presetClass="entr" presetSubtype="0" fill="hold" nodeType="withEffect">
+                                  <p:stCondLst>
+                                    <p:cond delay="0"/>
+                                  </p:stCondLst>
+                                  <p:childTnLst>
+                                    <p:set>
+                                      <p:cBhvr>
+                                        <p:cTn id="10" dur="1" fill="hold">
+                                          <p:stCondLst>
+                                            <p:cond delay="0"/>
+                                          </p:stCondLst>
+                                        </p:cTn>
+                                        <p:tgtEl>
+                                          <p:spTgt spid="5128"/>
+                                        </p:tgtEl>
+                                        <p:attrNameLst>
+                                          <p:attrName>style.visibility</p:attrName>
+                                        </p:attrNameLst>
+                                      </p:cBhvr>
+                                      <p:to>
+                                        <p:strVal val="visible"/>
+                                      </p:to>
+                                    </p:set>
+                                  </p:childTnLst>
+                                </p:cTn>
+                              </p:par>
+                            </p:childTnLst>
+                          </p:cTn>
+                        </p:par>
+                      </p:childTnLst>
+                    </p:cTn>
+                  </p:par>
+                  <p:par>
+                    <p:cTn id="11" fill="hold">
+                      <p:stCondLst>
+                        <p:cond delay="indefinite"/>
+                      </p:stCondLst>
+                      <p:childTnLst>
+                        <p:par>
+                          <p:cTn id="12" fill="hold">
+                            <p:stCondLst>
+                              <p:cond delay="0"/>
+                            </p:stCondLst>
+                            <p:childTnLst>
+                              <p:par>
+                                <p:cTn id="13" presetID="1" presetClass="entr" presetSubtype="0" fill="hold" grpId="0" nodeType="clickEffect">
+                                  <p:stCondLst>
+                                    <p:cond delay="0"/>
+                                  </p:stCondLst>
+                                  <p:childTnLst>
+                                    <p:set>
+                                      <p:cBhvr>
+                                        <p:cTn id="14" dur="1" fill="hold">
+                                          <p:stCondLst>
+                                            <p:cond delay="0"/>
+                                          </p:stCondLst>
+                                        </p:cTn>
+                                        <p:tgtEl>
+                                          <p:spTgt spid="3">
+                                            <p:txEl>
+                                              <p:pRg st="2" end="2"/>
+                                            </p:txEl>
+                                          </p:spTgt>
+                                        </p:tgtEl>
+                                        <p:attrNameLst>
+                                          <p:attrName>style.visibility</p:attrName>
+                                        </p:attrNameLst>
+                                      </p:cBhvr>
+                                      <p:to>
+                                        <p:strVal val="visible"/>
+                                      </p:to>
+                                    </p:set>
+                                  </p:childTnLst>
+                                </p:cTn>
+                              </p:par>
+                              <p:par>
+                                <p:cTn id="15" presetID="1" presetClass="entr" presetSubtype="0" fill="hold" nodeType="withEffect">
+                                  <p:stCondLst>
+                                    <p:cond delay="0"/>
+                                  </p:stCondLst>
+                                  <p:childTnLst>
+                                    <p:set>
+                                      <p:cBhvr>
+                                        <p:cTn id="16" dur="1" fill="hold">
+                                          <p:stCondLst>
+                                            <p:cond delay="0"/>
+                                          </p:stCondLst>
+                                        </p:cTn>
+                                        <p:tgtEl>
+                                          <p:spTgt spid="5126"/>
+                                        </p:tgtEl>
+                                        <p:attrNameLst>
+                                          <p:attrName>style.visibility</p:attrName>
+                                        </p:attrNameLst>
+                                      </p:cBhvr>
+                                      <p:to>
+                                        <p:strVal val="visible"/>
+                                      </p:to>
+                                    </p:set>
+                                  </p:childTnLst>
+                                </p:cTn>
+                              </p:par>
+                              <p:par>
+                                <p:cTn id="17" presetID="1" presetClass="entr" presetSubtype="0" fill="hold" grpId="0" nodeType="withEffect">
+                                  <p:stCondLst>
+                                    <p:cond delay="0"/>
+                                  </p:stCondLst>
+                                  <p:childTnLst>
+                                    <p:set>
+                                      <p:cBhvr>
+                                        <p:cTn id="18" dur="1" fill="hold">
+                                          <p:stCondLst>
+                                            <p:cond delay="0"/>
+                                          </p:stCondLst>
+                                        </p:cTn>
+                                        <p:tgtEl>
+                                          <p:spTgt spid="3">
+                                            <p:txEl>
+                                              <p:pRg st="3" end="3"/>
+                                            </p:txEl>
+                                          </p:spTgt>
+                                        </p:tgtEl>
+                                        <p:attrNameLst>
+                                          <p:attrName>style.visibility</p:attrName>
+                                        </p:attrNameLst>
+                                      </p:cBhvr>
+                                      <p:to>
+                                        <p:strVal val="visible"/>
+                                      </p:to>
+                                    </p:set>
+                                  </p:childTnLst>
+                                </p:cTn>
+                              </p:par>
+                            </p:childTnLst>
+                          </p:cTn>
+                        </p:par>
+                      </p:childTnLst>
+                    </p:cTn>
+                  </p:par>
+                  <p:par>
+                    <p:cTn id="19" fill="hold">
+                      <p:stCondLst>
+                        <p:cond delay="indefinite"/>
+                      </p:stCondLst>
+                      <p:childTnLst>
+                        <p:par>
+                          <p:cTn id="20" fill="hold">
+                            <p:stCondLst>
+                              <p:cond delay="0"/>
+                            </p:stCondLst>
+                            <p:childTnLst>
+                              <p:par>
+                                <p:cTn id="21" presetID="1" presetClass="entr" presetSubtype="0" fill="hold" grpId="0" nodeType="clickEffect">
+                                  <p:stCondLst>
+                                    <p:cond delay="0"/>
+                                  </p:stCondLst>
+                                  <p:childTnLst>
+                                    <p:set>
+                                      <p:cBhvr>
+                                        <p:cTn id="22" dur="1" fill="hold">
+                                          <p:stCondLst>
+                                            <p:cond delay="0"/>
+                                          </p:stCondLst>
+                                        </p:cTn>
+                                        <p:tgtEl>
+                                          <p:spTgt spid="9">
+                                            <p:txEl>
+                                              <p:pRg st="0" end="0"/>
+                                            </p:txEl>
+                                          </p:spTgt>
+                                        </p:tgtEl>
+                                        <p:attrNameLst>
+                                          <p:attrName>style.visibility</p:attrName>
+                                        </p:attrNameLst>
+                                      </p:cBhvr>
+                                      <p:to>
+                                        <p:strVal val="visible"/>
+                                      </p:to>
+                                    </p:set>
+                                  </p:childTnLst>
+                                </p:cTn>
+                              </p:par>
+                              <p:par>
+                                <p:cTn id="23" presetID="1" presetClass="entr" presetSubtype="0" fill="hold" nodeType="withEffect">
+                                  <p:stCondLst>
+                                    <p:cond delay="0"/>
+                                  </p:stCondLst>
+                                  <p:childTnLst>
+                                    <p:set>
+                                      <p:cBhvr>
+                                        <p:cTn id="24" dur="1" fill="hold">
+                                          <p:stCondLst>
+                                            <p:cond delay="0"/>
+                                          </p:stCondLst>
+                                        </p:cTn>
+                                        <p:tgtEl>
+                                          <p:spTgt spid="10"/>
+                                        </p:tgtEl>
+                                        <p:attrNameLst>
+                                          <p:attrName>style.visibility</p:attrName>
+                                        </p:attrNameLst>
+                                      </p:cBhvr>
+                                      <p:to>
+                                        <p:strVal val="visible"/>
+                                      </p:to>
+                                    </p:set>
+                                  </p:childTnLst>
+                                </p:cTn>
+                              </p:par>
+                            </p:childTnLst>
+                          </p:cTn>
+                        </p:par>
+                      </p:childTnLst>
+                    </p:cTn>
+                  </p:par>
+                  <p:par>
+                    <p:cTn id="25" fill="hold">
+                      <p:stCondLst>
+                        <p:cond delay="indefinite"/>
+                      </p:stCondLst>
+                      <p:childTnLst>
+                        <p:par>
+                          <p:cTn id="26" fill="hold">
+                            <p:stCondLst>
+                              <p:cond delay="0"/>
+                            </p:stCondLst>
+                            <p:childTnLst>
+                              <p:par>
+                                <p:cTn id="27" presetID="1" presetClass="entr" presetSubtype="0" fill="hold" grpId="0" nodeType="clickEffect">
+                                  <p:stCondLst>
+                                    <p:cond delay="0"/>
+                                  </p:stCondLst>
+                                  <p:childTnLst>
+                                    <p:set>
+                                      <p:cBhvr>
+                                        <p:cTn id="28" dur="1" fill="hold">
+                                          <p:stCondLst>
+                                            <p:cond delay="0"/>
+                                          </p:stCondLst>
+                                        </p:cTn>
+                                        <p:tgtEl>
+                                          <p:spTgt spid="9">
+                                            <p:txEl>
+                                              <p:pRg st="1" end="1"/>
+                                            </p:txEl>
+                                          </p:spTgt>
+                                        </p:tgtEl>
+                                        <p:attrNameLst>
+                                          <p:attrName>style.visibility</p:attrName>
+                                        </p:attrNameLst>
+                                      </p:cBhvr>
+                                      <p:to>
+                                        <p:strVal val="visible"/>
+                                      </p:to>
+                                    </p:set>
+                                  </p:childTnLst>
+                                </p:cTn>
+                              </p:par>
+                              <p:par>
+                                <p:cTn id="29" presetID="1" presetClass="entr" presetSubtype="0" fill="hold" nodeType="withEffect">
+                                  <p:stCondLst>
+                                    <p:cond delay="0"/>
+                                  </p:stCondLst>
+                                  <p:childTnLst>
+                                    <p:set>
+                                      <p:cBhvr>
+                                        <p:cTn id="30" dur="1" fill="hold">
+                                          <p:stCondLst>
+                                            <p:cond delay="0"/>
+                                          </p:stCondLst>
+                                        </p:cTn>
+                                        <p:tgtEl>
+                                          <p:spTgt spid="5130"/>
+                                        </p:tgtEl>
+                                        <p:attrNameLst>
+                                          <p:attrName>style.visibility</p:attrName>
+                                        </p:attrNameLst>
+                                      </p:cBhvr>
+                                      <p:to>
+                                        <p:strVal val="visible"/>
+                                      </p:to>
+                                    </p:set>
+                                  </p:childTnLst>
+                                </p:cTn>
+                              </p:par>
+                            </p:childTnLst>
+                          </p:cTn>
+                        </p:par>
+                      </p:childTnLst>
+                    </p:cTn>
+                  </p:par>
+                  <p:par>
+                    <p:cTn id="31" fill="hold">
+                      <p:stCondLst>
+                        <p:cond delay="indefinite"/>
+                      </p:stCondLst>
+                      <p:childTnLst>
+                        <p:par>
+                          <p:cTn id="32" fill="hold">
+                            <p:stCondLst>
+                              <p:cond delay="0"/>
+                            </p:stCondLst>
+                            <p:childTnLst>
+                              <p:par>
+                                <p:cTn id="33" presetID="1" presetClass="entr" presetSubtype="0" fill="hold" grpId="0" nodeType="clickEffect">
+                                  <p:stCondLst>
+                                    <p:cond delay="0"/>
+                                  </p:stCondLst>
+                                  <p:childTnLst>
+                                    <p:set>
+                                      <p:cBhvr>
+                                        <p:cTn id="34" dur="1" fill="hold">
+                                          <p:stCondLst>
+                                            <p:cond delay="0"/>
+                                          </p:stCondLst>
+                                        </p:cTn>
+                                        <p:tgtEl>
+                                          <p:spTgt spid="9">
+                                            <p:txEl>
+                                              <p:pRg st="2" end="2"/>
+                                            </p:txEl>
+                                          </p:spTgt>
+                                        </p:tgtEl>
+                                        <p:attrNameLst>
+                                          <p:attrName>style.visibility</p:attrName>
+                                        </p:attrNameLst>
+                                      </p:cBhvr>
+                                      <p:to>
+                                        <p:strVal val="visible"/>
+                                      </p:to>
+                                    </p:set>
+                                  </p:childTnLst>
+                                </p:cTn>
+                              </p:par>
+                              <p:par>
+                                <p:cTn id="35" presetID="1" presetClass="entr" presetSubtype="0" fill="hold" nodeType="withEffect">
+                                  <p:stCondLst>
+                                    <p:cond delay="0"/>
+                                  </p:stCondLst>
+                                  <p:childTnLst>
+                                    <p:set>
+                                      <p:cBhvr>
+                                        <p:cTn id="36" dur="1" fill="hold">
+                                          <p:stCondLst>
+                                            <p:cond delay="0"/>
+                                          </p:stCondLst>
+                                        </p:cTn>
+                                        <p:tgtEl>
+                                          <p:spTgt spid="13"/>
+                                        </p:tgtEl>
+                                        <p:attrNameLst>
+                                          <p:attrName>style.visibility</p:attrName>
+                                        </p:attrNameLst>
+                                      </p:cBhvr>
+                                      <p:to>
+                                        <p:strVal val="visible"/>
+                                      </p:to>
+                                    </p:set>
+                                  </p:childTnLst>
+                                </p:cTn>
+                              </p:par>
+                            </p:childTnLst>
+                          </p:cTn>
+                        </p:par>
+                      </p:childTnLst>
+                    </p:cTn>
+                  </p:par>
+                  <p:par>
+                    <p:cTn id="37" fill="hold">
+                      <p:stCondLst>
+                        <p:cond delay="indefinite"/>
+                      </p:stCondLst>
+                      <p:childTnLst>
+                        <p:par>
+                          <p:cTn id="38" fill="hold">
+                            <p:stCondLst>
+                              <p:cond delay="0"/>
+                            </p:stCondLst>
+                            <p:childTnLst>
+                              <p:par>
+                                <p:cTn id="39" presetID="1" presetClass="entr" presetSubtype="0" fill="hold" grpId="0" nodeType="clickEffect">
+                                  <p:stCondLst>
+                                    <p:cond delay="0"/>
+                                  </p:stCondLst>
+                                  <p:childTnLst>
+                                    <p:set>
+                                      <p:cBhvr>
+                                        <p:cTn id="40" dur="1" fill="hold">
+                                          <p:stCondLst>
+                                            <p:cond delay="0"/>
+                                          </p:stCondLst>
+                                        </p:cTn>
+                                        <p:tgtEl>
+                                          <p:spTgt spid="9">
+                                            <p:txEl>
+                                              <p:pRg st="3" end="3"/>
+                                            </p:txEl>
+                                          </p:spTgt>
+                                        </p:tgtEl>
+                                        <p:attrNameLst>
+                                          <p:attrName>style.visibility</p:attrName>
+                                        </p:attrNameLst>
+                                      </p:cBhvr>
+                                      <p:to>
+                                        <p:strVal val="visible"/>
+                                      </p:to>
+                                    </p:set>
+                                  </p:childTnLst>
+                                </p:cTn>
+                              </p:par>
+                              <p:par>
+                                <p:cTn id="41" presetID="1" presetClass="entr" presetSubtype="0" fill="hold" nodeType="withEffect">
+                                  <p:stCondLst>
+                                    <p:cond delay="0"/>
+                                  </p:stCondLst>
+                                  <p:childTnLst>
+                                    <p:set>
+                                      <p:cBhvr>
+                                        <p:cTn id="42" dur="1" fill="hold">
+                                          <p:stCondLst>
+                                            <p:cond delay="0"/>
+                                          </p:stCondLst>
+                                        </p:cTn>
+                                        <p:tgtEl>
+                                          <p:spTgt spid="5140"/>
+                                        </p:tgtEl>
+                                        <p:attrNameLst>
+                                          <p:attrName>style.visibility</p:attrName>
+                                        </p:attrNameLst>
+                                      </p:cBhvr>
+                                      <p:to>
+                                        <p:strVal val="visible"/>
+                                      </p:to>
+                                    </p:set>
+                                  </p:childTnLst>
+                                </p:cTn>
+                              </p:par>
+                            </p:childTnLst>
+                          </p:cTn>
+                        </p:par>
+                      </p:childTnLst>
+                    </p:cTn>
+                  </p:par>
+                  <p:par>
+                    <p:cTn id="43" fill="hold">
+                      <p:stCondLst>
+                        <p:cond delay="indefinite"/>
+                      </p:stCondLst>
+                      <p:childTnLst>
+                        <p:par>
+                          <p:cTn id="44" fill="hold">
+                            <p:stCondLst>
+                              <p:cond delay="0"/>
+                            </p:stCondLst>
+                            <p:childTnLst>
+                              <p:par>
+                                <p:cTn id="45" presetID="1" presetClass="entr" presetSubtype="0" fill="hold" grpId="0" nodeType="clickEffect">
+                                  <p:stCondLst>
+                                    <p:cond delay="0"/>
+                                  </p:stCondLst>
+                                  <p:childTnLst>
+                                    <p:set>
+                                      <p:cBhvr>
+                                        <p:cTn id="46" dur="1" fill="hold">
+                                          <p:stCondLst>
+                                            <p:cond delay="0"/>
+                                          </p:stCondLst>
+                                        </p:cTn>
+                                        <p:tgtEl>
+                                          <p:spTgt spid="9">
+                                            <p:txEl>
+                                              <p:pRg st="4" end="4"/>
+                                            </p:txEl>
+                                          </p:spTgt>
+                                        </p:tgtEl>
+                                        <p:attrNameLst>
+                                          <p:attrName>style.visibility</p:attrName>
+                                        </p:attrNameLst>
+                                      </p:cBhvr>
+                                      <p:to>
+                                        <p:strVal val="visible"/>
+                                      </p:to>
+                                    </p:set>
+                                  </p:childTnLst>
+                                </p:cTn>
+                              </p:par>
+                            </p:childTnLst>
+                          </p:cTn>
+                        </p:par>
+                        <p:par>
+                          <p:cTn id="47" fill="hold">
+                            <p:stCondLst>
+                              <p:cond delay="0"/>
+                            </p:stCondLst>
+                            <p:childTnLst>
+                              <p:par>
+                                <p:cTn id="48" presetID="1" presetClass="entr" presetSubtype="0" fill="hold" nodeType="afterEffect">
+                                  <p:stCondLst>
+                                    <p:cond delay="0"/>
+                                  </p:stCondLst>
+                                  <p:childTnLst>
+                                    <p:set>
+                                      <p:cBhvr>
+                                        <p:cTn id="49" dur="1" fill="hold">
+                                          <p:stCondLst>
+                                            <p:cond delay="0"/>
+                                          </p:stCondLst>
+                                        </p:cTn>
+                                        <p:tgtEl>
+                                          <p:spTgt spid="21506"/>
+                                        </p:tgtEl>
+                                        <p:attrNameLst>
+                                          <p:attrName>style.visibility</p:attrName>
+                                        </p:attrNameLst>
+                                      </p:cBhvr>
+                                      <p:to>
+                                        <p:strVal val="visible"/>
+                                      </p:to>
+                                    </p:set>
+                                  </p:childTnLst>
+                                </p:cTn>
+                              </p:par>
+                            </p:childTnLst>
+                          </p:cTn>
+                        </p:par>
+                      </p:childTnLst>
+                    </p:cTn>
+                  </p:par>
+                </p:childTnLst>
+              </p:cTn>
+              <p:prevCondLst>
+                <p:cond evt="onPrev" delay="0">
+                  <p:tgtEl>
+                    <p:sldTgt/>
+                  </p:tgtEl>
+                </p:cond>
+              </p:prevCondLst>
+              <p:nextCondLst>
+                <p:cond evt="onNext" delay="0">
+                  <p:tgtEl>
+                    <p:sldTgt/>
+                  </p:tgtEl>
+                </p:cond>
+              </p:nextCondLst>
+            </p:seq>
+          </p:childTnLst>
+        </p:cTn>
       </p:par>
     </p:tnLst>
+    <p:bldLst>
+      <p:bldP spid="3" grpId="0" uiExpand="1" build="p"/>
+      <p:bldP spid="9" grpId="0" uiExpand="1" build="p"/>
+    </p:bldLst>
   </p:timing>
 </p:sld>
 </file>
 
-<file path=ppt/slides/slide12.xml><?xml version="1.0" encoding="utf-8"?>
+<file path=ppt/slides/slide13.xml><?xml version="1.0" encoding="utf-8"?>
 <p:sld xmlns:a="http://schemas.openxmlformats.org/drawingml/2006/main" xmlns:r="http://schemas.openxmlformats.org/officeDocument/2006/relationships" xmlns:p="http://schemas.openxmlformats.org/presentationml/2006/main">
   <p:cSld>
     <p:spTree>
@@ -7964,6 +10460,47 @@
           </a:graphicData>
         </a:graphic>
       </p:graphicFrame>
+      <p:pic>
+        <p:nvPicPr>
+          <p:cNvPr id="6" name="Picture 4" descr="http://showreely.com/media/uploads/adminfiles/production_icon.png"/>
+          <p:cNvPicPr>
+            <a:picLocks noChangeAspect="1" noChangeArrowheads="1"/>
+          </p:cNvPicPr>
+          <p:nvPr/>
+        </p:nvPicPr>
+        <p:blipFill>
+          <a:blip r:embed="rId2">
+            <a:extLst>
+              <a:ext uri="{28A0092B-C50C-407E-A947-70E740481C1C}">
+                <a14:useLocalDpi xmlns:a14="http://schemas.microsoft.com/office/drawing/2010/main" val="0"/>
+              </a:ext>
+            </a:extLst>
+          </a:blip>
+          <a:srcRect/>
+          <a:stretch>
+            <a:fillRect/>
+          </a:stretch>
+        </p:blipFill>
+        <p:spPr bwMode="auto">
+          <a:xfrm>
+            <a:off x="11013270" y="5768042"/>
+            <a:ext cx="1221945" cy="1089958"/>
+          </a:xfrm>
+          <a:prstGeom prst="rect">
+            <a:avLst/>
+          </a:prstGeom>
+          <a:noFill/>
+          <a:extLst>
+            <a:ext uri="{909E8E84-426E-40DD-AFC4-6F175D3DCCD1}">
+              <a14:hiddenFill xmlns:a14="http://schemas.microsoft.com/office/drawing/2010/main">
+                <a:solidFill>
+                  <a:srgbClr val="FFFFFF"/>
+                </a:solidFill>
+              </a14:hiddenFill>
+            </a:ext>
+          </a:extLst>
+        </p:spPr>
+      </p:pic>
     </p:spTree>
     <p:extLst>
       <p:ext uri="{BB962C8B-B14F-4D97-AF65-F5344CB8AC3E}">
@@ -7977,14 +10514,82 @@
   <p:timing>
     <p:tnLst>
       <p:par>
-        <p:cTn id="1" dur="indefinite" restart="never" nodeType="tmRoot"/>
+        <p:cTn id="1" dur="indefinite" restart="never" nodeType="tmRoot">
+          <p:childTnLst>
+            <p:seq concurrent="1" nextAc="seek">
+              <p:cTn id="2" dur="indefinite" nodeType="mainSeq">
+                <p:childTnLst>
+                  <p:par>
+                    <p:cTn id="3" fill="hold">
+                      <p:stCondLst>
+                        <p:cond delay="indefinite"/>
+                      </p:stCondLst>
+                      <p:childTnLst>
+                        <p:par>
+                          <p:cTn id="4" fill="hold">
+                            <p:stCondLst>
+                              <p:cond delay="0"/>
+                            </p:stCondLst>
+                            <p:childTnLst>
+                              <p:par>
+                                <p:cTn id="5" presetID="1" presetClass="entr" presetSubtype="0" fill="hold" nodeType="clickEffect">
+                                  <p:stCondLst>
+                                    <p:cond delay="0"/>
+                                  </p:stCondLst>
+                                  <p:childTnLst>
+                                    <p:set>
+                                      <p:cBhvr>
+                                        <p:cTn id="6" dur="1" fill="hold">
+                                          <p:stCondLst>
+                                            <p:cond delay="0"/>
+                                          </p:stCondLst>
+                                        </p:cTn>
+                                        <p:tgtEl>
+                                          <p:spTgt spid="5"/>
+                                        </p:tgtEl>
+                                        <p:attrNameLst>
+                                          <p:attrName>style.visibility</p:attrName>
+                                        </p:attrNameLst>
+                                      </p:cBhvr>
+                                      <p:to>
+                                        <p:strVal val="visible"/>
+                                      </p:to>
+                                    </p:set>
+                                  </p:childTnLst>
+                                </p:cTn>
+                              </p:par>
+                            </p:childTnLst>
+                          </p:cTn>
+                        </p:par>
+                      </p:childTnLst>
+                    </p:cTn>
+                  </p:par>
+                </p:childTnLst>
+              </p:cTn>
+              <p:prevCondLst>
+                <p:cond evt="onPrev" delay="0">
+                  <p:tgtEl>
+                    <p:sldTgt/>
+                  </p:tgtEl>
+                </p:cond>
+              </p:prevCondLst>
+              <p:nextCondLst>
+                <p:cond evt="onNext" delay="0">
+                  <p:tgtEl>
+                    <p:sldTgt/>
+                  </p:tgtEl>
+                </p:cond>
+              </p:nextCondLst>
+            </p:seq>
+          </p:childTnLst>
+        </p:cTn>
       </p:par>
     </p:tnLst>
   </p:timing>
 </p:sld>
 </file>
 
-<file path=ppt/slides/slide13.xml><?xml version="1.0" encoding="utf-8"?>
+<file path=ppt/slides/slide14.xml><?xml version="1.0" encoding="utf-8"?>
 <p:sld xmlns:a="http://schemas.openxmlformats.org/drawingml/2006/main" xmlns:r="http://schemas.openxmlformats.org/officeDocument/2006/relationships" xmlns:p="http://schemas.openxmlformats.org/presentationml/2006/main">
   <p:cSld>
     <p:spTree>
@@ -8011,7 +10616,12 @@
             <p:ph type="title"/>
           </p:nvPr>
         </p:nvSpPr>
-        <p:spPr/>
+        <p:spPr>
+          <a:xfrm>
+            <a:off x="1470663" y="-160366"/>
+            <a:ext cx="10018713" cy="1752599"/>
+          </a:xfrm>
+        </p:spPr>
         <p:txBody>
           <a:bodyPr/>
           <a:lstStyle/>
@@ -8034,14 +10644,70 @@
             <p:ph idx="1"/>
           </p:nvPr>
         </p:nvSpPr>
-        <p:spPr/>
+        <p:spPr>
+          <a:xfrm>
+            <a:off x="1948336" y="1643416"/>
+            <a:ext cx="10018713" cy="4191001"/>
+          </a:xfrm>
+        </p:spPr>
         <p:txBody>
-          <a:bodyPr/>
+          <a:bodyPr>
+            <a:normAutofit lnSpcReduction="10000"/>
+          </a:bodyPr>
           <a:lstStyle/>
           <a:p>
             <a:r>
               <a:rPr lang="en-US" dirty="0" smtClean="0"/>
-              <a:t>Execution steps and </a:t>
+              <a:t>Execution steps</a:t>
+            </a:r>
+          </a:p>
+          <a:p>
+            <a:pPr lvl="1"/>
+            <a:r>
+              <a:rPr lang="en-US" dirty="0" smtClean="0"/>
+              <a:t>Close all running apps using </a:t>
+            </a:r>
+            <a:r>
+              <a:rPr lang="en-US" dirty="0" err="1"/>
+              <a:t>G</a:t>
+            </a:r>
+            <a:r>
+              <a:rPr lang="en-US" dirty="0" err="1" smtClean="0"/>
+              <a:t>reenify</a:t>
+            </a:r>
+            <a:endParaRPr lang="en-US" dirty="0" smtClean="0"/>
+          </a:p>
+          <a:p>
+            <a:pPr lvl="1"/>
+            <a:r>
+              <a:rPr lang="en-US" dirty="0" smtClean="0"/>
+              <a:t>Connect phone to laptop running ARO via USB</a:t>
+            </a:r>
+          </a:p>
+          <a:p>
+            <a:pPr lvl="1"/>
+            <a:r>
+              <a:rPr lang="en-US" dirty="0" smtClean="0"/>
+              <a:t>Start ARO data collector</a:t>
+            </a:r>
+          </a:p>
+          <a:p>
+            <a:pPr lvl="1"/>
+            <a:r>
+              <a:rPr lang="en-US" dirty="0" smtClean="0"/>
+              <a:t>Begin playing the game for 5 </a:t>
+            </a:r>
+            <a:r>
+              <a:rPr lang="en-US" dirty="0" err="1" smtClean="0"/>
+              <a:t>mins</a:t>
+            </a:r>
+            <a:endParaRPr lang="en-US" dirty="0" smtClean="0"/>
+          </a:p>
+          <a:p>
+            <a:pPr lvl="1"/>
+            <a:r>
+              <a:rPr lang="en-US" dirty="0" smtClean="0"/>
+              <a:t>Analyze test report</a:t>
             </a:r>
           </a:p>
           <a:p>
@@ -8049,10 +10715,72 @@
               <a:rPr lang="en-US" dirty="0" smtClean="0"/>
               <a:t>Metrics</a:t>
             </a:r>
+          </a:p>
+          <a:p>
+            <a:pPr lvl="1"/>
+            <a:r>
+              <a:rPr lang="en-US" dirty="0" smtClean="0"/>
+              <a:t>Data transfer (bytes/sec)</a:t>
+            </a:r>
+          </a:p>
+          <a:p>
+            <a:pPr lvl="1"/>
+            <a:r>
+              <a:rPr lang="en-US" dirty="0" smtClean="0"/>
+              <a:t>Energy Consumption (J)</a:t>
+            </a:r>
+          </a:p>
+          <a:p>
+            <a:pPr lvl="1"/>
+            <a:r>
+              <a:rPr lang="en-US" dirty="0" smtClean="0"/>
+              <a:t>Energy Efficiency (J/sec)</a:t>
+            </a:r>
             <a:endParaRPr lang="en-US" dirty="0"/>
           </a:p>
         </p:txBody>
       </p:sp>
+      <p:pic>
+        <p:nvPicPr>
+          <p:cNvPr id="4" name="Picture 4" descr="http://showreely.com/media/uploads/adminfiles/production_icon.png"/>
+          <p:cNvPicPr>
+            <a:picLocks noChangeAspect="1" noChangeArrowheads="1"/>
+          </p:cNvPicPr>
+          <p:nvPr/>
+        </p:nvPicPr>
+        <p:blipFill>
+          <a:blip r:embed="rId2">
+            <a:extLst>
+              <a:ext uri="{28A0092B-C50C-407E-A947-70E740481C1C}">
+                <a14:useLocalDpi xmlns:a14="http://schemas.microsoft.com/office/drawing/2010/main" val="0"/>
+              </a:ext>
+            </a:extLst>
+          </a:blip>
+          <a:srcRect/>
+          <a:stretch>
+            <a:fillRect/>
+          </a:stretch>
+        </p:blipFill>
+        <p:spPr bwMode="auto">
+          <a:xfrm>
+            <a:off x="11013270" y="5768042"/>
+            <a:ext cx="1221945" cy="1089958"/>
+          </a:xfrm>
+          <a:prstGeom prst="rect">
+            <a:avLst/>
+          </a:prstGeom>
+          <a:noFill/>
+          <a:extLst>
+            <a:ext uri="{909E8E84-426E-40DD-AFC4-6F175D3DCCD1}">
+              <a14:hiddenFill xmlns:a14="http://schemas.microsoft.com/office/drawing/2010/main">
+                <a:solidFill>
+                  <a:srgbClr val="FFFFFF"/>
+                </a:solidFill>
+              </a14:hiddenFill>
+            </a:ext>
+          </a:extLst>
+        </p:spPr>
+      </p:pic>
     </p:spTree>
     <p:extLst>
       <p:ext uri="{BB962C8B-B14F-4D97-AF65-F5344CB8AC3E}">
@@ -8073,7 +10801,7 @@
 </p:sld>
 </file>
 
-<file path=ppt/slides/slide14.xml><?xml version="1.0" encoding="utf-8"?>
+<file path=ppt/slides/slide15.xml><?xml version="1.0" encoding="utf-8"?>
 <p:sld xmlns:a="http://schemas.openxmlformats.org/drawingml/2006/main" xmlns:r="http://schemas.openxmlformats.org/officeDocument/2006/relationships" xmlns:p="http://schemas.openxmlformats.org/presentationml/2006/main">
   <p:cSld>
     <p:spTree>
@@ -8132,6 +10860,88 @@
           </a:p>
         </p:txBody>
       </p:sp>
+      <p:pic>
+        <p:nvPicPr>
+          <p:cNvPr id="4098" name="Picture 2" descr="http://freepngimages.com/wp-content/uploads/2014/06/search_1.png"/>
+          <p:cNvPicPr>
+            <a:picLocks noChangeAspect="1" noChangeArrowheads="1"/>
+          </p:cNvPicPr>
+          <p:nvPr/>
+        </p:nvPicPr>
+        <p:blipFill>
+          <a:blip r:embed="rId2">
+            <a:extLst>
+              <a:ext uri="{28A0092B-C50C-407E-A947-70E740481C1C}">
+                <a14:useLocalDpi xmlns:a14="http://schemas.microsoft.com/office/drawing/2010/main" val="0"/>
+              </a:ext>
+            </a:extLst>
+          </a:blip>
+          <a:srcRect/>
+          <a:stretch>
+            <a:fillRect/>
+          </a:stretch>
+        </p:blipFill>
+        <p:spPr bwMode="auto">
+          <a:xfrm>
+            <a:off x="5433181" y="2091267"/>
+            <a:ext cx="3810000" cy="3810000"/>
+          </a:xfrm>
+          <a:prstGeom prst="rect">
+            <a:avLst/>
+          </a:prstGeom>
+          <a:noFill/>
+          <a:extLst>
+            <a:ext uri="{909E8E84-426E-40DD-AFC4-6F175D3DCCD1}">
+              <a14:hiddenFill xmlns:a14="http://schemas.microsoft.com/office/drawing/2010/main">
+                <a:solidFill>
+                  <a:srgbClr val="FFFFFF"/>
+                </a:solidFill>
+              </a14:hiddenFill>
+            </a:ext>
+          </a:extLst>
+        </p:spPr>
+      </p:pic>
+      <p:pic>
+        <p:nvPicPr>
+          <p:cNvPr id="7" name="Picture 4" descr="http://showreely.com/media/uploads/adminfiles/production_icon.png"/>
+          <p:cNvPicPr>
+            <a:picLocks noChangeAspect="1" noChangeArrowheads="1"/>
+          </p:cNvPicPr>
+          <p:nvPr/>
+        </p:nvPicPr>
+        <p:blipFill>
+          <a:blip r:embed="rId3">
+            <a:extLst>
+              <a:ext uri="{28A0092B-C50C-407E-A947-70E740481C1C}">
+                <a14:useLocalDpi xmlns:a14="http://schemas.microsoft.com/office/drawing/2010/main" val="0"/>
+              </a:ext>
+            </a:extLst>
+          </a:blip>
+          <a:srcRect/>
+          <a:stretch>
+            <a:fillRect/>
+          </a:stretch>
+        </p:blipFill>
+        <p:spPr bwMode="auto">
+          <a:xfrm>
+            <a:off x="11013270" y="5768042"/>
+            <a:ext cx="1221945" cy="1089958"/>
+          </a:xfrm>
+          <a:prstGeom prst="rect">
+            <a:avLst/>
+          </a:prstGeom>
+          <a:noFill/>
+          <a:extLst>
+            <a:ext uri="{909E8E84-426E-40DD-AFC4-6F175D3DCCD1}">
+              <a14:hiddenFill xmlns:a14="http://schemas.microsoft.com/office/drawing/2010/main">
+                <a:solidFill>
+                  <a:srgbClr val="FFFFFF"/>
+                </a:solidFill>
+              </a14:hiddenFill>
+            </a:ext>
+          </a:extLst>
+        </p:spPr>
+      </p:pic>
     </p:spTree>
     <p:extLst>
       <p:ext uri="{BB962C8B-B14F-4D97-AF65-F5344CB8AC3E}">
@@ -8152,7 +10962,7 @@
 </p:sld>
 </file>
 
-<file path=ppt/slides/slide15.xml><?xml version="1.0" encoding="utf-8"?>
+<file path=ppt/slides/slide16.xml><?xml version="1.0" encoding="utf-8"?>
 <p:sld xmlns:a="http://schemas.openxmlformats.org/drawingml/2006/main" xmlns:r="http://schemas.openxmlformats.org/officeDocument/2006/relationships" xmlns:p="http://schemas.openxmlformats.org/presentationml/2006/main">
   <p:cSld>
     <p:spTree>
@@ -8305,6 +11115,47 @@
           </a:effectLst>
         </p:spPr>
       </p:pic>
+      <p:pic>
+        <p:nvPicPr>
+          <p:cNvPr id="7" name="Picture 4" descr="http://showreely.com/media/uploads/adminfiles/production_icon.png"/>
+          <p:cNvPicPr>
+            <a:picLocks noChangeAspect="1" noChangeArrowheads="1"/>
+          </p:cNvPicPr>
+          <p:nvPr/>
+        </p:nvPicPr>
+        <p:blipFill>
+          <a:blip r:embed="rId4">
+            <a:extLst>
+              <a:ext uri="{28A0092B-C50C-407E-A947-70E740481C1C}">
+                <a14:useLocalDpi xmlns:a14="http://schemas.microsoft.com/office/drawing/2010/main" val="0"/>
+              </a:ext>
+            </a:extLst>
+          </a:blip>
+          <a:srcRect/>
+          <a:stretch>
+            <a:fillRect/>
+          </a:stretch>
+        </p:blipFill>
+        <p:spPr bwMode="auto">
+          <a:xfrm>
+            <a:off x="11013270" y="5768042"/>
+            <a:ext cx="1221945" cy="1089958"/>
+          </a:xfrm>
+          <a:prstGeom prst="rect">
+            <a:avLst/>
+          </a:prstGeom>
+          <a:noFill/>
+          <a:extLst>
+            <a:ext uri="{909E8E84-426E-40DD-AFC4-6F175D3DCCD1}">
+              <a14:hiddenFill xmlns:a14="http://schemas.microsoft.com/office/drawing/2010/main">
+                <a:solidFill>
+                  <a:srgbClr val="FFFFFF"/>
+                </a:solidFill>
+              </a14:hiddenFill>
+            </a:ext>
+          </a:extLst>
+        </p:spPr>
+      </p:pic>
     </p:spTree>
     <p:extLst>
       <p:ext uri="{BB962C8B-B14F-4D97-AF65-F5344CB8AC3E}">
@@ -8325,7 +11176,7 @@
 </p:sld>
 </file>
 
-<file path=ppt/slides/slide16.xml><?xml version="1.0" encoding="utf-8"?>
+<file path=ppt/slides/slide17.xml><?xml version="1.0" encoding="utf-8"?>
 <p:sld xmlns:a="http://schemas.openxmlformats.org/drawingml/2006/main" xmlns:r="http://schemas.openxmlformats.org/officeDocument/2006/relationships" xmlns:p="http://schemas.openxmlformats.org/presentationml/2006/main">
   <p:cSld>
     <p:spTree>
@@ -8402,11 +11253,7 @@
           <a:p>
             <a:r>
               <a:rPr lang="en-US" dirty="0" smtClean="0"/>
-              <a:t>9</a:t>
-            </a:r>
-            <a:r>
-              <a:rPr lang="en-US" dirty="0" smtClean="0"/>
-              <a:t>% (59% to 52%) in about 9 </a:t>
+              <a:t>9% (59% to 52%) in about 9 </a:t>
             </a:r>
             <a:r>
               <a:rPr lang="en-US" dirty="0" err="1" smtClean="0"/>
@@ -8507,6 +11354,47 @@
           </a:effectLst>
         </p:spPr>
       </p:pic>
+      <p:pic>
+        <p:nvPicPr>
+          <p:cNvPr id="8" name="Picture 4" descr="http://showreely.com/media/uploads/adminfiles/production_icon.png"/>
+          <p:cNvPicPr>
+            <a:picLocks noChangeAspect="1" noChangeArrowheads="1"/>
+          </p:cNvPicPr>
+          <p:nvPr/>
+        </p:nvPicPr>
+        <p:blipFill>
+          <a:blip r:embed="rId4">
+            <a:extLst>
+              <a:ext uri="{28A0092B-C50C-407E-A947-70E740481C1C}">
+                <a14:useLocalDpi xmlns:a14="http://schemas.microsoft.com/office/drawing/2010/main" val="0"/>
+              </a:ext>
+            </a:extLst>
+          </a:blip>
+          <a:srcRect/>
+          <a:stretch>
+            <a:fillRect/>
+          </a:stretch>
+        </p:blipFill>
+        <p:spPr bwMode="auto">
+          <a:xfrm>
+            <a:off x="11013270" y="5768042"/>
+            <a:ext cx="1221945" cy="1089958"/>
+          </a:xfrm>
+          <a:prstGeom prst="rect">
+            <a:avLst/>
+          </a:prstGeom>
+          <a:noFill/>
+          <a:extLst>
+            <a:ext uri="{909E8E84-426E-40DD-AFC4-6F175D3DCCD1}">
+              <a14:hiddenFill xmlns:a14="http://schemas.microsoft.com/office/drawing/2010/main">
+                <a:solidFill>
+                  <a:srgbClr val="FFFFFF"/>
+                </a:solidFill>
+              </a14:hiddenFill>
+            </a:ext>
+          </a:extLst>
+        </p:spPr>
+      </p:pic>
     </p:spTree>
     <p:extLst>
       <p:ext uri="{BB962C8B-B14F-4D97-AF65-F5344CB8AC3E}">
@@ -8527,7 +11415,7 @@
 </p:sld>
 </file>
 
-<file path=ppt/slides/slide17.xml><?xml version="1.0" encoding="utf-8"?>
+<file path=ppt/slides/slide18.xml><?xml version="1.0" encoding="utf-8"?>
 <p:sld xmlns:a="http://schemas.openxmlformats.org/drawingml/2006/main" xmlns:r="http://schemas.openxmlformats.org/officeDocument/2006/relationships" xmlns:p="http://schemas.openxmlformats.org/presentationml/2006/main">
   <p:cSld>
     <p:spTree>
@@ -8596,7 +11484,6 @@
               <a:rPr lang="en-US" dirty="0" smtClean="0"/>
               <a:t>2048 &amp; Farm Saga Using high data in LTE</a:t>
             </a:r>
-            <a:endParaRPr lang="en-US" dirty="0" smtClean="0"/>
           </a:p>
           <a:p>
             <a:endParaRPr lang="en-US" dirty="0"/>
@@ -8723,6 +11610,47 @@
           </a:extLst>
         </p:spPr>
       </p:pic>
+      <p:pic>
+        <p:nvPicPr>
+          <p:cNvPr id="8" name="Picture 4" descr="http://showreely.com/media/uploads/adminfiles/production_icon.png"/>
+          <p:cNvPicPr>
+            <a:picLocks noChangeAspect="1" noChangeArrowheads="1"/>
+          </p:cNvPicPr>
+          <p:nvPr/>
+        </p:nvPicPr>
+        <p:blipFill>
+          <a:blip r:embed="rId4">
+            <a:extLst>
+              <a:ext uri="{28A0092B-C50C-407E-A947-70E740481C1C}">
+                <a14:useLocalDpi xmlns:a14="http://schemas.microsoft.com/office/drawing/2010/main" val="0"/>
+              </a:ext>
+            </a:extLst>
+          </a:blip>
+          <a:srcRect/>
+          <a:stretch>
+            <a:fillRect/>
+          </a:stretch>
+        </p:blipFill>
+        <p:spPr bwMode="auto">
+          <a:xfrm>
+            <a:off x="11013270" y="5768042"/>
+            <a:ext cx="1221945" cy="1089958"/>
+          </a:xfrm>
+          <a:prstGeom prst="rect">
+            <a:avLst/>
+          </a:prstGeom>
+          <a:noFill/>
+          <a:extLst>
+            <a:ext uri="{909E8E84-426E-40DD-AFC4-6F175D3DCCD1}">
+              <a14:hiddenFill xmlns:a14="http://schemas.microsoft.com/office/drawing/2010/main">
+                <a:solidFill>
+                  <a:srgbClr val="FFFFFF"/>
+                </a:solidFill>
+              </a14:hiddenFill>
+            </a:ext>
+          </a:extLst>
+        </p:spPr>
+      </p:pic>
     </p:spTree>
     <p:extLst>
       <p:ext uri="{BB962C8B-B14F-4D97-AF65-F5344CB8AC3E}">
@@ -8743,7 +11671,7 @@
 </p:sld>
 </file>
 
-<file path=ppt/slides/slide18.xml><?xml version="1.0" encoding="utf-8"?>
+<file path=ppt/slides/slide19.xml><?xml version="1.0" encoding="utf-8"?>
 <p:sld xmlns:a="http://schemas.openxmlformats.org/drawingml/2006/main" xmlns:r="http://schemas.openxmlformats.org/officeDocument/2006/relationships" xmlns:p="http://schemas.openxmlformats.org/presentationml/2006/main">
   <p:cSld>
     <p:spTree>
@@ -8818,7 +11746,6 @@
               <a:rPr lang="en-US" dirty="0" smtClean="0"/>
               <a:t>High GPU Usage</a:t>
             </a:r>
-            <a:endParaRPr lang="en-US" dirty="0" smtClean="0"/>
           </a:p>
         </p:txBody>
       </p:sp>
@@ -8831,7 +11758,7 @@
           <p:nvPr/>
         </p:nvPicPr>
         <p:blipFill>
-          <a:blip r:embed="rId2">
+          <a:blip r:embed="rId2" cstate="print">
             <a:extLst>
               <a:ext uri="{28A0092B-C50C-407E-A947-70E740481C1C}">
                 <a14:useLocalDpi xmlns:a14="http://schemas.microsoft.com/office/drawing/2010/main" val="0"/>
@@ -8902,109 +11829,51 @@
           </a:effectLst>
         </p:spPr>
       </p:pic>
+      <p:pic>
+        <p:nvPicPr>
+          <p:cNvPr id="9" name="Picture 4" descr="http://showreely.com/media/uploads/adminfiles/production_icon.png"/>
+          <p:cNvPicPr>
+            <a:picLocks noChangeAspect="1" noChangeArrowheads="1"/>
+          </p:cNvPicPr>
+          <p:nvPr/>
+        </p:nvPicPr>
+        <p:blipFill>
+          <a:blip r:embed="rId4">
+            <a:extLst>
+              <a:ext uri="{28A0092B-C50C-407E-A947-70E740481C1C}">
+                <a14:useLocalDpi xmlns:a14="http://schemas.microsoft.com/office/drawing/2010/main" val="0"/>
+              </a:ext>
+            </a:extLst>
+          </a:blip>
+          <a:srcRect/>
+          <a:stretch>
+            <a:fillRect/>
+          </a:stretch>
+        </p:blipFill>
+        <p:spPr bwMode="auto">
+          <a:xfrm>
+            <a:off x="11013270" y="5768042"/>
+            <a:ext cx="1221945" cy="1089958"/>
+          </a:xfrm>
+          <a:prstGeom prst="rect">
+            <a:avLst/>
+          </a:prstGeom>
+          <a:noFill/>
+          <a:extLst>
+            <a:ext uri="{909E8E84-426E-40DD-AFC4-6F175D3DCCD1}">
+              <a14:hiddenFill xmlns:a14="http://schemas.microsoft.com/office/drawing/2010/main">
+                <a:solidFill>
+                  <a:srgbClr val="FFFFFF"/>
+                </a:solidFill>
+              </a14:hiddenFill>
+            </a:ext>
+          </a:extLst>
+        </p:spPr>
+      </p:pic>
     </p:spTree>
     <p:extLst>
       <p:ext uri="{BB962C8B-B14F-4D97-AF65-F5344CB8AC3E}">
         <p14:creationId xmlns:p14="http://schemas.microsoft.com/office/powerpoint/2010/main" val="3952307190"/>
-      </p:ext>
-    </p:extLst>
-  </p:cSld>
-  <p:clrMapOvr>
-    <a:masterClrMapping/>
-  </p:clrMapOvr>
-  <p:timing>
-    <p:tnLst>
-      <p:par>
-        <p:cTn id="1" dur="indefinite" restart="never" nodeType="tmRoot"/>
-      </p:par>
-    </p:tnLst>
-  </p:timing>
-</p:sld>
-</file>
-
-<file path=ppt/slides/slide19.xml><?xml version="1.0" encoding="utf-8"?>
-<p:sld xmlns:a="http://schemas.openxmlformats.org/drawingml/2006/main" xmlns:r="http://schemas.openxmlformats.org/officeDocument/2006/relationships" xmlns:p="http://schemas.openxmlformats.org/presentationml/2006/main">
-  <p:cSld>
-    <p:spTree>
-      <p:nvGrpSpPr>
-        <p:cNvPr id="1" name=""/>
-        <p:cNvGrpSpPr/>
-        <p:nvPr/>
-      </p:nvGrpSpPr>
-      <p:grpSpPr>
-        <a:xfrm>
-          <a:off x="0" y="0"/>
-          <a:ext cx="0" cy="0"/>
-          <a:chOff x="0" y="0"/>
-          <a:chExt cx="0" cy="0"/>
-        </a:xfrm>
-      </p:grpSpPr>
-      <p:sp>
-        <p:nvSpPr>
-          <p:cNvPr id="2" name="Title 1"/>
-          <p:cNvSpPr>
-            <a:spLocks noGrp="1"/>
-          </p:cNvSpPr>
-          <p:nvPr>
-            <p:ph type="title"/>
-          </p:nvPr>
-        </p:nvSpPr>
-        <p:spPr/>
-        <p:txBody>
-          <a:bodyPr/>
-          <a:lstStyle/>
-          <a:p>
-            <a:r>
-              <a:rPr lang="en-US" dirty="0" smtClean="0"/>
-              <a:t>Findings: Foreground - </a:t>
-            </a:r>
-            <a:r>
-              <a:rPr lang="en-US" i="1" dirty="0" smtClean="0"/>
-              <a:t>Idle</a:t>
-            </a:r>
-            <a:endParaRPr lang="en-US" i="1" dirty="0"/>
-          </a:p>
-        </p:txBody>
-      </p:sp>
-      <p:sp>
-        <p:nvSpPr>
-          <p:cNvPr id="3" name="Content Placeholder 2"/>
-          <p:cNvSpPr>
-            <a:spLocks noGrp="1"/>
-          </p:cNvSpPr>
-          <p:nvPr>
-            <p:ph idx="1"/>
-          </p:nvPr>
-        </p:nvSpPr>
-        <p:spPr/>
-        <p:txBody>
-          <a:bodyPr/>
-          <a:lstStyle/>
-          <a:p>
-            <a:r>
-              <a:rPr lang="en-US" dirty="0" smtClean="0"/>
-              <a:t>Screen ON</a:t>
-            </a:r>
-          </a:p>
-          <a:p>
-            <a:r>
-              <a:rPr lang="en-US" dirty="0" smtClean="0"/>
-              <a:t>RRC States</a:t>
-            </a:r>
-          </a:p>
-          <a:p>
-            <a:r>
-              <a:rPr lang="en-US" dirty="0" smtClean="0"/>
-              <a:t>Connection Bursts Grouping</a:t>
-            </a:r>
-            <a:endParaRPr lang="en-US" dirty="0"/>
-          </a:p>
-        </p:txBody>
-      </p:sp>
-    </p:spTree>
-    <p:extLst>
-      <p:ext uri="{BB962C8B-B14F-4D97-AF65-F5344CB8AC3E}">
-        <p14:creationId xmlns:p14="http://schemas.microsoft.com/office/powerpoint/2010/main" val="1911204259"/>
       </p:ext>
     </p:extLst>
   </p:cSld>
@@ -9209,6 +12078,47 @@
           </a:effectLst>
         </p:spPr>
       </p:pic>
+      <p:pic>
+        <p:nvPicPr>
+          <p:cNvPr id="6" name="Picture 4" descr="http://showreely.com/media/uploads/adminfiles/production_icon.png"/>
+          <p:cNvPicPr>
+            <a:picLocks noChangeAspect="1" noChangeArrowheads="1"/>
+          </p:cNvPicPr>
+          <p:nvPr/>
+        </p:nvPicPr>
+        <p:blipFill>
+          <a:blip r:embed="rId4">
+            <a:extLst>
+              <a:ext uri="{28A0092B-C50C-407E-A947-70E740481C1C}">
+                <a14:useLocalDpi xmlns:a14="http://schemas.microsoft.com/office/drawing/2010/main" val="0"/>
+              </a:ext>
+            </a:extLst>
+          </a:blip>
+          <a:srcRect/>
+          <a:stretch>
+            <a:fillRect/>
+          </a:stretch>
+        </p:blipFill>
+        <p:spPr bwMode="auto">
+          <a:xfrm>
+            <a:off x="11013270" y="5768042"/>
+            <a:ext cx="1221945" cy="1089958"/>
+          </a:xfrm>
+          <a:prstGeom prst="rect">
+            <a:avLst/>
+          </a:prstGeom>
+          <a:noFill/>
+          <a:extLst>
+            <a:ext uri="{909E8E84-426E-40DD-AFC4-6F175D3DCCD1}">
+              <a14:hiddenFill xmlns:a14="http://schemas.microsoft.com/office/drawing/2010/main">
+                <a:solidFill>
+                  <a:srgbClr val="FFFFFF"/>
+                </a:solidFill>
+              </a14:hiddenFill>
+            </a:ext>
+          </a:extLst>
+        </p:spPr>
+      </p:pic>
     </p:spTree>
     <p:extLst>
       <p:ext uri="{BB962C8B-B14F-4D97-AF65-F5344CB8AC3E}">
@@ -9256,7 +12166,12 @@
             <p:ph type="title"/>
           </p:nvPr>
         </p:nvSpPr>
-        <p:spPr/>
+        <p:spPr>
+          <a:xfrm>
+            <a:off x="1484311" y="-174012"/>
+            <a:ext cx="10018713" cy="1752599"/>
+          </a:xfrm>
+        </p:spPr>
         <p:txBody>
           <a:bodyPr/>
           <a:lstStyle/>
@@ -9267,7 +12182,7 @@
             </a:r>
             <a:r>
               <a:rPr lang="en-US" i="1" dirty="0" smtClean="0"/>
-              <a:t>Playing</a:t>
+              <a:t>Idle</a:t>
             </a:r>
             <a:endParaRPr lang="en-US" i="1" dirty="0"/>
           </a:p>
@@ -9283,31 +12198,188 @@
             <p:ph idx="1"/>
           </p:nvPr>
         </p:nvSpPr>
-        <p:spPr/>
+        <p:spPr>
+          <a:xfrm>
+            <a:off x="1961985" y="1220330"/>
+            <a:ext cx="10018713" cy="4648201"/>
+          </a:xfrm>
+        </p:spPr>
         <p:txBody>
           <a:bodyPr/>
           <a:lstStyle/>
           <a:p>
             <a:r>
               <a:rPr lang="en-US" dirty="0" smtClean="0"/>
-              <a:t>Connection Closing</a:t>
-            </a:r>
-          </a:p>
-          <a:p>
+              <a:t>Screen ON</a:t>
+            </a:r>
+          </a:p>
+          <a:p>
+            <a:pPr lvl="1"/>
+            <a:r>
+              <a:rPr lang="en-US" dirty="0"/>
+              <a:t>Farm Saga </a:t>
+            </a:r>
             <a:r>
               <a:rPr lang="en-US" dirty="0" smtClean="0"/>
-              <a:t>Duplicate TCP Content</a:t>
-            </a:r>
-          </a:p>
-          <a:p>
+              <a:t> - Overrides default screen timeout</a:t>
+            </a:r>
+          </a:p>
+          <a:p>
+            <a:pPr lvl="1"/>
+            <a:r>
+              <a:rPr lang="en-US" dirty="0" smtClean="0"/>
+              <a:t>2% (210 J) battery drain in 5 </a:t>
+            </a:r>
+            <a:r>
+              <a:rPr lang="en-US" dirty="0" err="1" smtClean="0"/>
+              <a:t>mins</a:t>
+            </a:r>
+            <a:endParaRPr lang="en-US" dirty="0" smtClean="0"/>
+          </a:p>
+          <a:p>
+            <a:r>
+              <a:rPr lang="en-US" dirty="0" smtClean="0"/>
+              <a:t>RRC States</a:t>
+            </a:r>
+          </a:p>
+          <a:p>
+            <a:pPr lvl="1"/>
+            <a:r>
+              <a:rPr lang="en-US" dirty="0" smtClean="0"/>
+              <a:t>Too many UDP connection requests for </a:t>
+            </a:r>
+            <a:r>
+              <a:rPr lang="en-US" dirty="0" err="1" smtClean="0"/>
+              <a:t>NoInternet</a:t>
+            </a:r>
+            <a:endParaRPr lang="en-US" dirty="0" smtClean="0"/>
+          </a:p>
+          <a:p>
+            <a:pPr lvl="1"/>
+            <a:r>
+              <a:rPr lang="en-US" dirty="0" smtClean="0"/>
+              <a:t>Unnecessary RRC state transition</a:t>
+            </a:r>
+          </a:p>
+          <a:p>
+            <a:pPr lvl="1"/>
+            <a:r>
+              <a:rPr lang="en-US" dirty="0" err="1" smtClean="0"/>
+              <a:t>NoInternet</a:t>
+            </a:r>
+            <a:r>
+              <a:rPr lang="en-US" dirty="0" smtClean="0"/>
+              <a:t> - DCH 38.91% , FACH 43.66% </a:t>
+            </a:r>
+          </a:p>
+          <a:p>
+            <a:r>
+              <a:rPr lang="en-US" dirty="0" smtClean="0"/>
+              <a:t>Connection Bursts Grouping</a:t>
+            </a:r>
+          </a:p>
+          <a:p>
+            <a:pPr lvl="1"/>
+            <a:r>
+              <a:rPr lang="en-US" dirty="0" smtClean="0"/>
+              <a:t>Multiple bursts for 2048 and Farm Saga</a:t>
+            </a:r>
+          </a:p>
+          <a:p>
+            <a:pPr lvl="1"/>
+            <a:r>
+              <a:rPr lang="en-US" dirty="0" smtClean="0"/>
+              <a:t>Connection grouping can save power</a:t>
+            </a:r>
             <a:endParaRPr lang="en-US" dirty="0"/>
           </a:p>
         </p:txBody>
       </p:sp>
+      <p:pic>
+        <p:nvPicPr>
+          <p:cNvPr id="4" name="Content Placeholder 6"/>
+          <p:cNvPicPr>
+            <a:picLocks noChangeAspect="1"/>
+          </p:cNvPicPr>
+          <p:nvPr/>
+        </p:nvPicPr>
+        <p:blipFill>
+          <a:blip r:embed="rId2" cstate="print">
+            <a:extLst>
+              <a:ext uri="{28A0092B-C50C-407E-A947-70E740481C1C}">
+                <a14:useLocalDpi xmlns:a14="http://schemas.microsoft.com/office/drawing/2010/main" val="0"/>
+              </a:ext>
+            </a:extLst>
+          </a:blip>
+          <a:stretch>
+            <a:fillRect/>
+          </a:stretch>
+        </p:blipFill>
+        <p:spPr>
+          <a:xfrm>
+            <a:off x="9516497" y="50038"/>
+            <a:ext cx="1957825" cy="1957825"/>
+          </a:xfrm>
+          <a:prstGeom prst="rect">
+            <a:avLst/>
+          </a:prstGeom>
+          <a:ln>
+            <a:noFill/>
+          </a:ln>
+          <a:effectLst>
+            <a:outerShdw blurRad="190500" algn="tl" rotWithShape="0">
+              <a:srgbClr val="000000">
+                <a:alpha val="70000"/>
+              </a:srgbClr>
+            </a:outerShdw>
+          </a:effectLst>
+        </p:spPr>
+      </p:pic>
+      <p:pic>
+        <p:nvPicPr>
+          <p:cNvPr id="5" name="Picture 4" descr="http://showreely.com/media/uploads/adminfiles/production_icon.png"/>
+          <p:cNvPicPr>
+            <a:picLocks noChangeAspect="1" noChangeArrowheads="1"/>
+          </p:cNvPicPr>
+          <p:nvPr/>
+        </p:nvPicPr>
+        <p:blipFill>
+          <a:blip r:embed="rId3">
+            <a:extLst>
+              <a:ext uri="{28A0092B-C50C-407E-A947-70E740481C1C}">
+                <a14:useLocalDpi xmlns:a14="http://schemas.microsoft.com/office/drawing/2010/main" val="0"/>
+              </a:ext>
+            </a:extLst>
+          </a:blip>
+          <a:srcRect/>
+          <a:stretch>
+            <a:fillRect/>
+          </a:stretch>
+        </p:blipFill>
+        <p:spPr bwMode="auto">
+          <a:xfrm>
+            <a:off x="11013270" y="5768042"/>
+            <a:ext cx="1221945" cy="1089958"/>
+          </a:xfrm>
+          <a:prstGeom prst="rect">
+            <a:avLst/>
+          </a:prstGeom>
+          <a:noFill/>
+          <a:extLst>
+            <a:ext uri="{909E8E84-426E-40DD-AFC4-6F175D3DCCD1}">
+              <a14:hiddenFill xmlns:a14="http://schemas.microsoft.com/office/drawing/2010/main">
+                <a:solidFill>
+                  <a:srgbClr val="FFFFFF"/>
+                </a:solidFill>
+              </a14:hiddenFill>
+            </a:ext>
+          </a:extLst>
+        </p:spPr>
+      </p:pic>
     </p:spTree>
     <p:extLst>
       <p:ext uri="{BB962C8B-B14F-4D97-AF65-F5344CB8AC3E}">
-        <p14:creationId xmlns:p14="http://schemas.microsoft.com/office/powerpoint/2010/main" val="3484723890"/>
+        <p14:creationId xmlns:p14="http://schemas.microsoft.com/office/powerpoint/2010/main" val="1911204259"/>
       </p:ext>
     </p:extLst>
   </p:cSld>
@@ -9351,16 +12423,25 @@
             <p:ph type="title"/>
           </p:nvPr>
         </p:nvSpPr>
-        <p:spPr/>
+        <p:spPr>
+          <a:xfrm>
+            <a:off x="1484311" y="221776"/>
+            <a:ext cx="10018713" cy="1752599"/>
+          </a:xfrm>
+        </p:spPr>
         <p:txBody>
           <a:bodyPr/>
           <a:lstStyle/>
           <a:p>
             <a:r>
               <a:rPr lang="en-US" dirty="0" smtClean="0"/>
-              <a:t>Findings: Background</a:t>
-            </a:r>
-            <a:endParaRPr lang="en-US" dirty="0"/>
+              <a:t>Findings: Foreground - </a:t>
+            </a:r>
+            <a:r>
+              <a:rPr lang="en-US" i="1" dirty="0" smtClean="0"/>
+              <a:t>Playing</a:t>
+            </a:r>
+            <a:endParaRPr lang="en-US" i="1" dirty="0"/>
           </a:p>
         </p:txBody>
       </p:sp>
@@ -9374,22 +12455,162 @@
             <p:ph idx="1"/>
           </p:nvPr>
         </p:nvSpPr>
-        <p:spPr/>
+        <p:spPr>
+          <a:xfrm>
+            <a:off x="1784560" y="2353100"/>
+            <a:ext cx="10018713" cy="3124201"/>
+          </a:xfrm>
+        </p:spPr>
         <p:txBody>
-          <a:bodyPr/>
+          <a:bodyPr>
+            <a:noAutofit/>
+          </a:bodyPr>
           <a:lstStyle/>
           <a:p>
-            <a:endParaRPr lang="en-US" dirty="0" smtClean="0"/>
-          </a:p>
-          <a:p>
-            <a:endParaRPr lang="en-US" dirty="0"/>
+            <a:r>
+              <a:rPr lang="en-US" sz="2800" dirty="0" smtClean="0"/>
+              <a:t>Connection Closing – Energy wastage in connection control</a:t>
+            </a:r>
+          </a:p>
+          <a:p>
+            <a:pPr lvl="1"/>
+            <a:r>
+              <a:rPr lang="en-US" sz="2400" dirty="0" smtClean="0"/>
+              <a:t>Farm Saga – Avg. 25% energy (16.9 J – 84.5 J) wasted</a:t>
+            </a:r>
+          </a:p>
+          <a:p>
+            <a:pPr lvl="1"/>
+            <a:r>
+              <a:rPr lang="en-US" sz="2400" dirty="0" smtClean="0"/>
+              <a:t>2048 – Avg. 50% </a:t>
+            </a:r>
+            <a:r>
+              <a:rPr lang="en-US" sz="2400" dirty="0" err="1" smtClean="0"/>
+              <a:t>enery</a:t>
+            </a:r>
+            <a:r>
+              <a:rPr lang="en-US" sz="2400" dirty="0" smtClean="0"/>
+              <a:t> (37.9 J – 161 J) wasted</a:t>
+            </a:r>
+          </a:p>
+          <a:p>
+            <a:r>
+              <a:rPr lang="en-US" sz="2800" dirty="0" smtClean="0"/>
+              <a:t>Duplicate TCP Content</a:t>
+            </a:r>
+          </a:p>
+          <a:p>
+            <a:pPr lvl="1"/>
+            <a:r>
+              <a:rPr lang="en-US" sz="2400" dirty="0" smtClean="0"/>
+              <a:t>Farm Saga – 29% duplicate data</a:t>
+            </a:r>
+          </a:p>
+          <a:p>
+            <a:pPr lvl="1"/>
+            <a:r>
+              <a:rPr lang="en-US" sz="2400" dirty="0" smtClean="0"/>
+              <a:t>50% cache header absent</a:t>
+            </a:r>
           </a:p>
         </p:txBody>
       </p:sp>
+      <p:pic>
+        <p:nvPicPr>
+          <p:cNvPr id="4" name="Picture 2" descr="http://indiedevstories.com/wp-content/uploads/2011/04/game-center-icon.png"/>
+          <p:cNvPicPr>
+            <a:picLocks noChangeAspect="1" noChangeArrowheads="1"/>
+          </p:cNvPicPr>
+          <p:nvPr/>
+        </p:nvPicPr>
+        <p:blipFill>
+          <a:blip r:embed="rId2">
+            <a:extLst>
+              <a:ext uri="{28A0092B-C50C-407E-A947-70E740481C1C}">
+                <a14:useLocalDpi xmlns:a14="http://schemas.microsoft.com/office/drawing/2010/main" val="0"/>
+              </a:ext>
+            </a:extLst>
+          </a:blip>
+          <a:srcRect/>
+          <a:stretch>
+            <a:fillRect/>
+          </a:stretch>
+        </p:blipFill>
+        <p:spPr bwMode="auto">
+          <a:xfrm>
+            <a:off x="10002995" y="240706"/>
+            <a:ext cx="1621070" cy="1621070"/>
+          </a:xfrm>
+          <a:prstGeom prst="rect">
+            <a:avLst/>
+          </a:prstGeom>
+          <a:ln>
+            <a:noFill/>
+          </a:ln>
+          <a:effectLst>
+            <a:outerShdw blurRad="190500" algn="tl" rotWithShape="0">
+              <a:srgbClr val="000000">
+                <a:alpha val="70000"/>
+              </a:srgbClr>
+            </a:outerShdw>
+          </a:effectLst>
+          <a:extLst>
+            <a:ext uri="{909E8E84-426E-40DD-AFC4-6F175D3DCCD1}">
+              <a14:hiddenFill xmlns:a14="http://schemas.microsoft.com/office/drawing/2010/main">
+                <a:solidFill>
+                  <a:srgbClr val="FFFFFF"/>
+                </a:solidFill>
+              </a14:hiddenFill>
+            </a:ext>
+          </a:extLst>
+        </p:spPr>
+      </p:pic>
+      <p:pic>
+        <p:nvPicPr>
+          <p:cNvPr id="5" name="Picture 4" descr="http://showreely.com/media/uploads/adminfiles/production_icon.png"/>
+          <p:cNvPicPr>
+            <a:picLocks noChangeAspect="1" noChangeArrowheads="1"/>
+          </p:cNvPicPr>
+          <p:nvPr/>
+        </p:nvPicPr>
+        <p:blipFill>
+          <a:blip r:embed="rId3">
+            <a:extLst>
+              <a:ext uri="{28A0092B-C50C-407E-A947-70E740481C1C}">
+                <a14:useLocalDpi xmlns:a14="http://schemas.microsoft.com/office/drawing/2010/main" val="0"/>
+              </a:ext>
+            </a:extLst>
+          </a:blip>
+          <a:srcRect/>
+          <a:stretch>
+            <a:fillRect/>
+          </a:stretch>
+        </p:blipFill>
+        <p:spPr bwMode="auto">
+          <a:xfrm>
+            <a:off x="11013270" y="5768042"/>
+            <a:ext cx="1221945" cy="1089958"/>
+          </a:xfrm>
+          <a:prstGeom prst="rect">
+            <a:avLst/>
+          </a:prstGeom>
+          <a:noFill/>
+          <a:extLst>
+            <a:ext uri="{909E8E84-426E-40DD-AFC4-6F175D3DCCD1}">
+              <a14:hiddenFill xmlns:a14="http://schemas.microsoft.com/office/drawing/2010/main">
+                <a:solidFill>
+                  <a:srgbClr val="FFFFFF"/>
+                </a:solidFill>
+              </a14:hiddenFill>
+            </a:ext>
+          </a:extLst>
+        </p:spPr>
+      </p:pic>
     </p:spTree>
     <p:extLst>
       <p:ext uri="{BB962C8B-B14F-4D97-AF65-F5344CB8AC3E}">
-        <p14:creationId xmlns:p14="http://schemas.microsoft.com/office/powerpoint/2010/main" val="1106015534"/>
+        <p14:creationId xmlns:p14="http://schemas.microsoft.com/office/powerpoint/2010/main" val="3484723890"/>
       </p:ext>
     </p:extLst>
   </p:cSld>
@@ -9435,7 +12656,416 @@
         </p:nvSpPr>
         <p:spPr>
           <a:xfrm>
-            <a:off x="1484311" y="-430301"/>
+            <a:off x="1484311" y="-105774"/>
+            <a:ext cx="10018713" cy="1752599"/>
+          </a:xfrm>
+        </p:spPr>
+        <p:txBody>
+          <a:bodyPr/>
+          <a:lstStyle/>
+          <a:p>
+            <a:r>
+              <a:rPr lang="en-US" dirty="0" smtClean="0"/>
+              <a:t>Findings: Background</a:t>
+            </a:r>
+            <a:endParaRPr lang="en-US" dirty="0"/>
+          </a:p>
+        </p:txBody>
+      </p:sp>
+      <p:sp>
+        <p:nvSpPr>
+          <p:cNvPr id="3" name="Content Placeholder 2"/>
+          <p:cNvSpPr>
+            <a:spLocks noGrp="1"/>
+          </p:cNvSpPr>
+          <p:nvPr>
+            <p:ph idx="1"/>
+          </p:nvPr>
+        </p:nvSpPr>
+        <p:spPr/>
+        <p:txBody>
+          <a:bodyPr/>
+          <a:lstStyle/>
+          <a:p>
+            <a:endParaRPr lang="en-US" dirty="0" smtClean="0"/>
+          </a:p>
+          <a:p>
+            <a:endParaRPr lang="en-US" dirty="0"/>
+          </a:p>
+        </p:txBody>
+      </p:sp>
+      <p:sp>
+        <p:nvSpPr>
+          <p:cNvPr id="4" name="Content Placeholder 2"/>
+          <p:cNvSpPr txBox="1">
+            <a:spLocks/>
+          </p:cNvSpPr>
+          <p:nvPr/>
+        </p:nvSpPr>
+        <p:spPr>
+          <a:xfrm>
+            <a:off x="1784560" y="1616118"/>
+            <a:ext cx="10018713" cy="3124201"/>
+          </a:xfrm>
+          <a:prstGeom prst="rect">
+            <a:avLst/>
+          </a:prstGeom>
+        </p:spPr>
+        <p:txBody>
+          <a:bodyPr vert="horz" lIns="91440" tIns="45720" rIns="91440" bIns="45720" rtlCol="0" anchor="ctr">
+            <a:noAutofit/>
+          </a:bodyPr>
+          <a:lstStyle>
+            <a:lvl1pPr marL="285750" indent="-285750" algn="l" defTabSz="457200" rtl="0" eaLnBrk="1" latinLnBrk="0" hangingPunct="1">
+              <a:spcBef>
+                <a:spcPct val="20000"/>
+              </a:spcBef>
+              <a:spcAft>
+                <a:spcPts val="600"/>
+              </a:spcAft>
+              <a:buClr>
+                <a:schemeClr val="accent1">
+                  <a:lumMod val="75000"/>
+                </a:schemeClr>
+              </a:buClr>
+              <a:buSzPct val="145000"/>
+              <a:buFont typeface="Arial"/>
+              <a:buChar char="•"/>
+              <a:defRPr sz="2400" kern="1200" cap="none">
+                <a:solidFill>
+                  <a:schemeClr val="tx1"/>
+                </a:solidFill>
+                <a:effectLst/>
+                <a:latin typeface="+mn-lt"/>
+                <a:ea typeface="+mn-ea"/>
+                <a:cs typeface="+mn-cs"/>
+              </a:defRPr>
+            </a:lvl1pPr>
+            <a:lvl2pPr marL="742950" indent="-285750" algn="l" defTabSz="457200" rtl="0" eaLnBrk="1" latinLnBrk="0" hangingPunct="1">
+              <a:spcBef>
+                <a:spcPct val="20000"/>
+              </a:spcBef>
+              <a:spcAft>
+                <a:spcPts val="600"/>
+              </a:spcAft>
+              <a:buClr>
+                <a:schemeClr val="accent1">
+                  <a:lumMod val="75000"/>
+                </a:schemeClr>
+              </a:buClr>
+              <a:buSzPct val="145000"/>
+              <a:buFont typeface="Arial"/>
+              <a:buChar char="•"/>
+              <a:defRPr sz="2000" kern="1200" cap="none">
+                <a:solidFill>
+                  <a:schemeClr val="tx1"/>
+                </a:solidFill>
+                <a:effectLst/>
+                <a:latin typeface="+mn-lt"/>
+                <a:ea typeface="+mn-ea"/>
+                <a:cs typeface="+mn-cs"/>
+              </a:defRPr>
+            </a:lvl2pPr>
+            <a:lvl3pPr marL="1200150" indent="-285750" algn="l" defTabSz="457200" rtl="0" eaLnBrk="1" latinLnBrk="0" hangingPunct="1">
+              <a:spcBef>
+                <a:spcPct val="20000"/>
+              </a:spcBef>
+              <a:spcAft>
+                <a:spcPts val="600"/>
+              </a:spcAft>
+              <a:buClr>
+                <a:schemeClr val="accent1">
+                  <a:lumMod val="75000"/>
+                </a:schemeClr>
+              </a:buClr>
+              <a:buSzPct val="145000"/>
+              <a:buFont typeface="Arial"/>
+              <a:buChar char="•"/>
+              <a:defRPr sz="1800" kern="1200" cap="none">
+                <a:solidFill>
+                  <a:schemeClr val="tx1"/>
+                </a:solidFill>
+                <a:effectLst/>
+                <a:latin typeface="+mn-lt"/>
+                <a:ea typeface="+mn-ea"/>
+                <a:cs typeface="+mn-cs"/>
+              </a:defRPr>
+            </a:lvl3pPr>
+            <a:lvl4pPr marL="1543050" indent="-171450" algn="l" defTabSz="457200" rtl="0" eaLnBrk="1" latinLnBrk="0" hangingPunct="1">
+              <a:spcBef>
+                <a:spcPct val="20000"/>
+              </a:spcBef>
+              <a:spcAft>
+                <a:spcPts val="600"/>
+              </a:spcAft>
+              <a:buClr>
+                <a:schemeClr val="accent1">
+                  <a:lumMod val="75000"/>
+                </a:schemeClr>
+              </a:buClr>
+              <a:buSzPct val="145000"/>
+              <a:buFont typeface="Arial"/>
+              <a:buChar char="•"/>
+              <a:defRPr sz="1600" kern="1200" cap="none">
+                <a:solidFill>
+                  <a:schemeClr val="tx1"/>
+                </a:solidFill>
+                <a:effectLst/>
+                <a:latin typeface="+mn-lt"/>
+                <a:ea typeface="+mn-ea"/>
+                <a:cs typeface="+mn-cs"/>
+              </a:defRPr>
+            </a:lvl4pPr>
+            <a:lvl5pPr marL="2000250" indent="-171450" algn="l" defTabSz="457200" rtl="0" eaLnBrk="1" latinLnBrk="0" hangingPunct="1">
+              <a:spcBef>
+                <a:spcPct val="20000"/>
+              </a:spcBef>
+              <a:spcAft>
+                <a:spcPts val="600"/>
+              </a:spcAft>
+              <a:buClr>
+                <a:schemeClr val="accent1">
+                  <a:lumMod val="75000"/>
+                </a:schemeClr>
+              </a:buClr>
+              <a:buSzPct val="145000"/>
+              <a:buFont typeface="Arial"/>
+              <a:buChar char="•"/>
+              <a:defRPr sz="1400" kern="1200" cap="none">
+                <a:solidFill>
+                  <a:schemeClr val="tx1"/>
+                </a:solidFill>
+                <a:effectLst/>
+                <a:latin typeface="+mn-lt"/>
+                <a:ea typeface="+mn-ea"/>
+                <a:cs typeface="+mn-cs"/>
+              </a:defRPr>
+            </a:lvl5pPr>
+            <a:lvl6pPr marL="2514600" indent="-228600" algn="l" defTabSz="457200" rtl="0" eaLnBrk="1" latinLnBrk="0" hangingPunct="1">
+              <a:spcBef>
+                <a:spcPct val="20000"/>
+              </a:spcBef>
+              <a:spcAft>
+                <a:spcPts val="600"/>
+              </a:spcAft>
+              <a:buClr>
+                <a:schemeClr val="accent1">
+                  <a:lumMod val="75000"/>
+                </a:schemeClr>
+              </a:buClr>
+              <a:buSzPct val="145000"/>
+              <a:buFont typeface="Arial"/>
+              <a:buChar char="•"/>
+              <a:defRPr sz="1400" kern="1200" cap="none">
+                <a:solidFill>
+                  <a:schemeClr val="tx1"/>
+                </a:solidFill>
+                <a:effectLst/>
+                <a:latin typeface="+mn-lt"/>
+                <a:ea typeface="+mn-ea"/>
+                <a:cs typeface="+mn-cs"/>
+              </a:defRPr>
+            </a:lvl6pPr>
+            <a:lvl7pPr marL="2971800" indent="-228600" algn="l" defTabSz="457200" rtl="0" eaLnBrk="1" latinLnBrk="0" hangingPunct="1">
+              <a:spcBef>
+                <a:spcPct val="20000"/>
+              </a:spcBef>
+              <a:spcAft>
+                <a:spcPts val="600"/>
+              </a:spcAft>
+              <a:buClr>
+                <a:schemeClr val="accent1">
+                  <a:lumMod val="75000"/>
+                </a:schemeClr>
+              </a:buClr>
+              <a:buSzPct val="145000"/>
+              <a:buFont typeface="Arial"/>
+              <a:buChar char="•"/>
+              <a:defRPr sz="1400" kern="1200" cap="none">
+                <a:solidFill>
+                  <a:schemeClr val="tx1"/>
+                </a:solidFill>
+                <a:effectLst/>
+                <a:latin typeface="+mn-lt"/>
+                <a:ea typeface="+mn-ea"/>
+                <a:cs typeface="+mn-cs"/>
+              </a:defRPr>
+            </a:lvl7pPr>
+            <a:lvl8pPr marL="3429000" indent="-228600" algn="l" defTabSz="457200" rtl="0" eaLnBrk="1" latinLnBrk="0" hangingPunct="1">
+              <a:spcBef>
+                <a:spcPct val="20000"/>
+              </a:spcBef>
+              <a:spcAft>
+                <a:spcPts val="600"/>
+              </a:spcAft>
+              <a:buClr>
+                <a:schemeClr val="accent1">
+                  <a:lumMod val="75000"/>
+                </a:schemeClr>
+              </a:buClr>
+              <a:buSzPct val="145000"/>
+              <a:buFont typeface="Arial"/>
+              <a:buChar char="•"/>
+              <a:defRPr sz="1400" kern="1200" cap="none">
+                <a:solidFill>
+                  <a:schemeClr val="tx1"/>
+                </a:solidFill>
+                <a:effectLst/>
+                <a:latin typeface="+mn-lt"/>
+                <a:ea typeface="+mn-ea"/>
+                <a:cs typeface="+mn-cs"/>
+              </a:defRPr>
+            </a:lvl8pPr>
+            <a:lvl9pPr marL="3886200" indent="-228600" algn="l" defTabSz="457200" rtl="0" eaLnBrk="1" latinLnBrk="0" hangingPunct="1">
+              <a:spcBef>
+                <a:spcPct val="20000"/>
+              </a:spcBef>
+              <a:spcAft>
+                <a:spcPts val="600"/>
+              </a:spcAft>
+              <a:buClr>
+                <a:schemeClr val="accent1">
+                  <a:lumMod val="75000"/>
+                </a:schemeClr>
+              </a:buClr>
+              <a:buSzPct val="145000"/>
+              <a:buFont typeface="Arial"/>
+              <a:buChar char="•"/>
+              <a:defRPr sz="1400" kern="1200" cap="none">
+                <a:solidFill>
+                  <a:schemeClr val="tx1"/>
+                </a:solidFill>
+                <a:effectLst/>
+                <a:latin typeface="+mn-lt"/>
+                <a:ea typeface="+mn-ea"/>
+                <a:cs typeface="+mn-cs"/>
+              </a:defRPr>
+            </a:lvl9pPr>
+          </a:lstStyle>
+          <a:p>
+            <a:r>
+              <a:rPr lang="en-US" sz="3200" dirty="0" smtClean="0"/>
+              <a:t>2048 – No requests to game or ad server</a:t>
+            </a:r>
+          </a:p>
+          <a:p>
+            <a:r>
+              <a:rPr lang="en-US" sz="3200" dirty="0" smtClean="0"/>
+              <a:t>Farm Saga </a:t>
+            </a:r>
+          </a:p>
+          <a:p>
+            <a:pPr lvl="1"/>
+            <a:r>
+              <a:rPr lang="en-US" sz="2400" dirty="0" smtClean="0"/>
+              <a:t>17 requests to game server</a:t>
+            </a:r>
+          </a:p>
+          <a:p>
+            <a:pPr lvl="1"/>
+            <a:r>
+              <a:rPr lang="en-US" sz="2400" dirty="0" smtClean="0"/>
+              <a:t>6 requests to FB server in 5 </a:t>
+            </a:r>
+            <a:r>
+              <a:rPr lang="en-US" sz="2400" dirty="0" err="1" smtClean="0"/>
+              <a:t>mins</a:t>
+            </a:r>
+            <a:endParaRPr lang="en-US" sz="2400" dirty="0" smtClean="0"/>
+          </a:p>
+        </p:txBody>
+      </p:sp>
+      <p:pic>
+        <p:nvPicPr>
+          <p:cNvPr id="5" name="Picture 4" descr="http://showreely.com/media/uploads/adminfiles/production_icon.png"/>
+          <p:cNvPicPr>
+            <a:picLocks noChangeAspect="1" noChangeArrowheads="1"/>
+          </p:cNvPicPr>
+          <p:nvPr/>
+        </p:nvPicPr>
+        <p:blipFill>
+          <a:blip r:embed="rId2">
+            <a:extLst>
+              <a:ext uri="{28A0092B-C50C-407E-A947-70E740481C1C}">
+                <a14:useLocalDpi xmlns:a14="http://schemas.microsoft.com/office/drawing/2010/main" val="0"/>
+              </a:ext>
+            </a:extLst>
+          </a:blip>
+          <a:srcRect/>
+          <a:stretch>
+            <a:fillRect/>
+          </a:stretch>
+        </p:blipFill>
+        <p:spPr bwMode="auto">
+          <a:xfrm>
+            <a:off x="11013270" y="5768042"/>
+            <a:ext cx="1221945" cy="1089958"/>
+          </a:xfrm>
+          <a:prstGeom prst="rect">
+            <a:avLst/>
+          </a:prstGeom>
+          <a:noFill/>
+          <a:extLst>
+            <a:ext uri="{909E8E84-426E-40DD-AFC4-6F175D3DCCD1}">
+              <a14:hiddenFill xmlns:a14="http://schemas.microsoft.com/office/drawing/2010/main">
+                <a:solidFill>
+                  <a:srgbClr val="FFFFFF"/>
+                </a:solidFill>
+              </a14:hiddenFill>
+            </a:ext>
+          </a:extLst>
+        </p:spPr>
+      </p:pic>
+    </p:spTree>
+    <p:extLst>
+      <p:ext uri="{BB962C8B-B14F-4D97-AF65-F5344CB8AC3E}">
+        <p14:creationId xmlns:p14="http://schemas.microsoft.com/office/powerpoint/2010/main" val="1106015534"/>
+      </p:ext>
+    </p:extLst>
+  </p:cSld>
+  <p:clrMapOvr>
+    <a:masterClrMapping/>
+  </p:clrMapOvr>
+  <p:timing>
+    <p:tnLst>
+      <p:par>
+        <p:cTn id="1" dur="indefinite" restart="never" nodeType="tmRoot"/>
+      </p:par>
+    </p:tnLst>
+  </p:timing>
+</p:sld>
+</file>
+
+<file path=ppt/slides/slide23.xml><?xml version="1.0" encoding="utf-8"?>
+<p:sld xmlns:a="http://schemas.openxmlformats.org/drawingml/2006/main" xmlns:r="http://schemas.openxmlformats.org/officeDocument/2006/relationships" xmlns:p="http://schemas.openxmlformats.org/presentationml/2006/main">
+  <p:cSld>
+    <p:spTree>
+      <p:nvGrpSpPr>
+        <p:cNvPr id="1" name=""/>
+        <p:cNvGrpSpPr/>
+        <p:nvPr/>
+      </p:nvGrpSpPr>
+      <p:grpSpPr>
+        <a:xfrm>
+          <a:off x="0" y="0"/>
+          <a:ext cx="0" cy="0"/>
+          <a:chOff x="0" y="0"/>
+          <a:chExt cx="0" cy="0"/>
+        </a:xfrm>
+      </p:grpSpPr>
+      <p:sp>
+        <p:nvSpPr>
+          <p:cNvPr id="2" name="Title 1"/>
+          <p:cNvSpPr>
+            <a:spLocks noGrp="1"/>
+          </p:cNvSpPr>
+          <p:nvPr>
+            <p:ph type="title"/>
+          </p:nvPr>
+        </p:nvSpPr>
+        <p:spPr>
+          <a:xfrm>
+            <a:off x="1484311" y="-143693"/>
             <a:ext cx="10018713" cy="1752599"/>
           </a:xfrm>
         </p:spPr>
@@ -9463,7 +13093,7 @@
         </p:nvSpPr>
         <p:spPr>
           <a:xfrm>
-            <a:off x="1793592" y="972677"/>
+            <a:off x="1684408" y="863491"/>
             <a:ext cx="3934856" cy="5226416"/>
           </a:xfrm>
         </p:spPr>
@@ -9550,13 +13180,13 @@
           <p:nvPr>
             <p:extLst>
               <p:ext uri="{D42A27DB-BD31-4B8C-83A1-F6EECF244321}">
-                <p14:modId xmlns:p14="http://schemas.microsoft.com/office/powerpoint/2010/main" val="2270578846"/>
+                <p14:modId xmlns:p14="http://schemas.microsoft.com/office/powerpoint/2010/main" val="2485913653"/>
               </p:ext>
             </p:extLst>
           </p:nvPr>
         </p:nvGraphicFramePr>
         <p:xfrm>
-          <a:off x="5983942" y="1496657"/>
+          <a:off x="5710985" y="1455712"/>
           <a:ext cx="5871884" cy="4568540"/>
         </p:xfrm>
         <a:graphic>
@@ -9849,12 +13479,12 @@
                         </a:spcAft>
                       </a:pPr>
                       <a:r>
-                        <a:rPr lang="en-US" sz="1800">
+                        <a:rPr lang="en-US" sz="1800" dirty="0">
                           <a:effectLst/>
                         </a:rPr>
                         <a:t>ads.mopub.com</a:t>
                       </a:r>
-                      <a:endParaRPr lang="en-US" sz="2400">
+                      <a:endParaRPr lang="en-US" sz="2400" dirty="0">
                         <a:effectLst/>
                         <a:latin typeface="Calibri" panose="020F0502020204030204" pitchFamily="34" charset="0"/>
                         <a:ea typeface="Calibri" panose="020F0502020204030204" pitchFamily="34" charset="0"/>
@@ -10883,7 +14513,7 @@
         </p:nvSpPr>
         <p:spPr>
           <a:xfrm>
-            <a:off x="7187106" y="1080253"/>
+            <a:off x="6982387" y="1148490"/>
             <a:ext cx="3788281" cy="369332"/>
           </a:xfrm>
           <a:prstGeom prst="rect">
@@ -10909,80 +14539,13 @@
           </a:p>
         </p:txBody>
       </p:sp>
-    </p:spTree>
-    <p:extLst>
-      <p:ext uri="{BB962C8B-B14F-4D97-AF65-F5344CB8AC3E}">
-        <p14:creationId xmlns:p14="http://schemas.microsoft.com/office/powerpoint/2010/main" val="2242948578"/>
-      </p:ext>
-    </p:extLst>
-  </p:cSld>
-  <p:clrMapOvr>
-    <a:masterClrMapping/>
-  </p:clrMapOvr>
-  <p:timing>
-    <p:tnLst>
-      <p:par>
-        <p:cTn id="1" dur="indefinite" restart="never" nodeType="tmRoot"/>
-      </p:par>
-    </p:tnLst>
-  </p:timing>
-</p:sld>
-</file>
-
-<file path=ppt/slides/slide23.xml><?xml version="1.0" encoding="utf-8"?>
-<p:sld xmlns:a="http://schemas.openxmlformats.org/drawingml/2006/main" xmlns:r="http://schemas.openxmlformats.org/officeDocument/2006/relationships" xmlns:p="http://schemas.openxmlformats.org/presentationml/2006/main">
-  <p:cSld>
-    <p:spTree>
-      <p:nvGrpSpPr>
-        <p:cNvPr id="1" name=""/>
-        <p:cNvGrpSpPr/>
-        <p:nvPr/>
-      </p:nvGrpSpPr>
-      <p:grpSpPr>
-        <a:xfrm>
-          <a:off x="0" y="0"/>
-          <a:ext cx="0" cy="0"/>
-          <a:chOff x="0" y="0"/>
-          <a:chExt cx="0" cy="0"/>
-        </a:xfrm>
-      </p:grpSpPr>
-      <p:sp>
-        <p:nvSpPr>
-          <p:cNvPr id="2" name="Title 1"/>
-          <p:cNvSpPr>
-            <a:spLocks noGrp="1"/>
-          </p:cNvSpPr>
-          <p:nvPr>
-            <p:ph type="title"/>
-          </p:nvPr>
-        </p:nvSpPr>
-        <p:spPr>
-          <a:xfrm>
-            <a:off x="-1796771" y="201708"/>
-            <a:ext cx="10018713" cy="1752599"/>
-          </a:xfrm>
-        </p:spPr>
-        <p:txBody>
-          <a:bodyPr/>
-          <a:lstStyle/>
-          <a:p>
-            <a:r>
-              <a:rPr lang="en-US" dirty="0" err="1" smtClean="0"/>
-              <a:t>Wakelocks</a:t>
-            </a:r>
-            <a:endParaRPr lang="en-US" dirty="0"/>
-          </a:p>
-        </p:txBody>
-      </p:sp>
       <p:pic>
         <p:nvPicPr>
-          <p:cNvPr id="4" name="Content Placeholder 3" descr="C:\Users\Milind\Box Sync\MobileComputingProj\ARO Test Traces\Screenshots\FS WLD\Screenshot_2015-04-28-20-05-11.png"/>
+          <p:cNvPr id="5122" name="Picture 2" descr="https://iamrupak.files.wordpress.com/2014/05/block-ads.png"/>
           <p:cNvPicPr>
-            <a:picLocks noGrp="1"/>
+            <a:picLocks noChangeAspect="1" noChangeArrowheads="1"/>
           </p:cNvPicPr>
-          <p:nvPr>
-            <p:ph idx="1"/>
-          </p:nvPr>
+          <p:nvPr/>
         </p:nvPicPr>
         <p:blipFill>
           <a:blip r:embed="rId2" cstate="print">
@@ -10999,26 +14562,34 @@
         </p:blipFill>
         <p:spPr bwMode="auto">
           <a:xfrm>
-            <a:off x="6628138" y="578218"/>
-            <a:ext cx="2350462" cy="3774116"/>
+            <a:off x="7638546" y="81565"/>
+            <a:ext cx="990837" cy="990837"/>
           </a:xfrm>
           <a:prstGeom prst="rect">
             <a:avLst/>
           </a:prstGeom>
           <a:noFill/>
-          <a:ln>
-            <a:noFill/>
-          </a:ln>
+          <a:extLst>
+            <a:ext uri="{909E8E84-426E-40DD-AFC4-6F175D3DCCD1}">
+              <a14:hiddenFill xmlns:a14="http://schemas.microsoft.com/office/drawing/2010/main">
+                <a:solidFill>
+                  <a:srgbClr val="FFFFFF"/>
+                </a:solidFill>
+              </a14:hiddenFill>
+            </a:ext>
+          </a:extLst>
         </p:spPr>
       </p:pic>
       <p:pic>
         <p:nvPicPr>
-          <p:cNvPr id="5" name="Picture 4" descr="C:\Users\Milind\Box Sync\MobileComputingProj\ARO Test Traces\Screenshots\FS WLD\Screenshot_2015-04-28-20-05-52.png"/>
-          <p:cNvPicPr/>
+          <p:cNvPr id="7" name="Picture 4" descr="http://showreely.com/media/uploads/adminfiles/production_icon.png"/>
+          <p:cNvPicPr>
+            <a:picLocks noChangeAspect="1" noChangeArrowheads="1"/>
+          </p:cNvPicPr>
           <p:nvPr/>
         </p:nvPicPr>
         <p:blipFill>
-          <a:blip r:embed="rId3" cstate="print">
+          <a:blip r:embed="rId3">
             <a:extLst>
               <a:ext uri="{28A0092B-C50C-407E-A947-70E740481C1C}">
                 <a14:useLocalDpi xmlns:a14="http://schemas.microsoft.com/office/drawing/2010/main" val="0"/>
@@ -11032,660 +14603,28 @@
         </p:blipFill>
         <p:spPr bwMode="auto">
           <a:xfrm>
-            <a:off x="9431341" y="578218"/>
-            <a:ext cx="2264400" cy="3774000"/>
+            <a:off x="11013270" y="5768042"/>
+            <a:ext cx="1221945" cy="1089958"/>
           </a:xfrm>
           <a:prstGeom prst="rect">
             <a:avLst/>
           </a:prstGeom>
           <a:noFill/>
-          <a:ln>
-            <a:noFill/>
-          </a:ln>
+          <a:extLst>
+            <a:ext uri="{909E8E84-426E-40DD-AFC4-6F175D3DCCD1}">
+              <a14:hiddenFill xmlns:a14="http://schemas.microsoft.com/office/drawing/2010/main">
+                <a:solidFill>
+                  <a:srgbClr val="FFFFFF"/>
+                </a:solidFill>
+              </a14:hiddenFill>
+            </a:ext>
+          </a:extLst>
         </p:spPr>
       </p:pic>
-      <p:sp>
-        <p:nvSpPr>
-          <p:cNvPr id="6" name="Content Placeholder 2"/>
-          <p:cNvSpPr txBox="1">
-            <a:spLocks/>
-          </p:cNvSpPr>
-          <p:nvPr/>
-        </p:nvSpPr>
-        <p:spPr>
-          <a:xfrm>
-            <a:off x="1791363" y="5219558"/>
-            <a:ext cx="4691087" cy="571651"/>
-          </a:xfrm>
-          <a:prstGeom prst="rect">
-            <a:avLst/>
-          </a:prstGeom>
-        </p:spPr>
-        <p:txBody>
-          <a:bodyPr vert="horz" lIns="91440" tIns="45720" rIns="91440" bIns="45720" rtlCol="0" anchor="ctr">
-            <a:normAutofit/>
-          </a:bodyPr>
-          <a:lstStyle>
-            <a:lvl1pPr marL="285750" indent="-285750" algn="l" defTabSz="457200" rtl="0" eaLnBrk="1" latinLnBrk="0" hangingPunct="1">
-              <a:spcBef>
-                <a:spcPct val="20000"/>
-              </a:spcBef>
-              <a:spcAft>
-                <a:spcPts val="600"/>
-              </a:spcAft>
-              <a:buClr>
-                <a:schemeClr val="accent1">
-                  <a:lumMod val="75000"/>
-                </a:schemeClr>
-              </a:buClr>
-              <a:buSzPct val="145000"/>
-              <a:buFont typeface="Arial"/>
-              <a:buChar char="•"/>
-              <a:defRPr sz="2400" kern="1200" cap="none">
-                <a:solidFill>
-                  <a:schemeClr val="tx1"/>
-                </a:solidFill>
-                <a:effectLst/>
-                <a:latin typeface="+mn-lt"/>
-                <a:ea typeface="+mn-ea"/>
-                <a:cs typeface="+mn-cs"/>
-              </a:defRPr>
-            </a:lvl1pPr>
-            <a:lvl2pPr marL="742950" indent="-285750" algn="l" defTabSz="457200" rtl="0" eaLnBrk="1" latinLnBrk="0" hangingPunct="1">
-              <a:spcBef>
-                <a:spcPct val="20000"/>
-              </a:spcBef>
-              <a:spcAft>
-                <a:spcPts val="600"/>
-              </a:spcAft>
-              <a:buClr>
-                <a:schemeClr val="accent1">
-                  <a:lumMod val="75000"/>
-                </a:schemeClr>
-              </a:buClr>
-              <a:buSzPct val="145000"/>
-              <a:buFont typeface="Arial"/>
-              <a:buChar char="•"/>
-              <a:defRPr sz="2000" kern="1200" cap="none">
-                <a:solidFill>
-                  <a:schemeClr val="tx1"/>
-                </a:solidFill>
-                <a:effectLst/>
-                <a:latin typeface="+mn-lt"/>
-                <a:ea typeface="+mn-ea"/>
-                <a:cs typeface="+mn-cs"/>
-              </a:defRPr>
-            </a:lvl2pPr>
-            <a:lvl3pPr marL="1200150" indent="-285750" algn="l" defTabSz="457200" rtl="0" eaLnBrk="1" latinLnBrk="0" hangingPunct="1">
-              <a:spcBef>
-                <a:spcPct val="20000"/>
-              </a:spcBef>
-              <a:spcAft>
-                <a:spcPts val="600"/>
-              </a:spcAft>
-              <a:buClr>
-                <a:schemeClr val="accent1">
-                  <a:lumMod val="75000"/>
-                </a:schemeClr>
-              </a:buClr>
-              <a:buSzPct val="145000"/>
-              <a:buFont typeface="Arial"/>
-              <a:buChar char="•"/>
-              <a:defRPr sz="1800" kern="1200" cap="none">
-                <a:solidFill>
-                  <a:schemeClr val="tx1"/>
-                </a:solidFill>
-                <a:effectLst/>
-                <a:latin typeface="+mn-lt"/>
-                <a:ea typeface="+mn-ea"/>
-                <a:cs typeface="+mn-cs"/>
-              </a:defRPr>
-            </a:lvl3pPr>
-            <a:lvl4pPr marL="1543050" indent="-171450" algn="l" defTabSz="457200" rtl="0" eaLnBrk="1" latinLnBrk="0" hangingPunct="1">
-              <a:spcBef>
-                <a:spcPct val="20000"/>
-              </a:spcBef>
-              <a:spcAft>
-                <a:spcPts val="600"/>
-              </a:spcAft>
-              <a:buClr>
-                <a:schemeClr val="accent1">
-                  <a:lumMod val="75000"/>
-                </a:schemeClr>
-              </a:buClr>
-              <a:buSzPct val="145000"/>
-              <a:buFont typeface="Arial"/>
-              <a:buChar char="•"/>
-              <a:defRPr sz="1600" kern="1200" cap="none">
-                <a:solidFill>
-                  <a:schemeClr val="tx1"/>
-                </a:solidFill>
-                <a:effectLst/>
-                <a:latin typeface="+mn-lt"/>
-                <a:ea typeface="+mn-ea"/>
-                <a:cs typeface="+mn-cs"/>
-              </a:defRPr>
-            </a:lvl4pPr>
-            <a:lvl5pPr marL="2000250" indent="-171450" algn="l" defTabSz="457200" rtl="0" eaLnBrk="1" latinLnBrk="0" hangingPunct="1">
-              <a:spcBef>
-                <a:spcPct val="20000"/>
-              </a:spcBef>
-              <a:spcAft>
-                <a:spcPts val="600"/>
-              </a:spcAft>
-              <a:buClr>
-                <a:schemeClr val="accent1">
-                  <a:lumMod val="75000"/>
-                </a:schemeClr>
-              </a:buClr>
-              <a:buSzPct val="145000"/>
-              <a:buFont typeface="Arial"/>
-              <a:buChar char="•"/>
-              <a:defRPr sz="1400" kern="1200" cap="none">
-                <a:solidFill>
-                  <a:schemeClr val="tx1"/>
-                </a:solidFill>
-                <a:effectLst/>
-                <a:latin typeface="+mn-lt"/>
-                <a:ea typeface="+mn-ea"/>
-                <a:cs typeface="+mn-cs"/>
-              </a:defRPr>
-            </a:lvl5pPr>
-            <a:lvl6pPr marL="2514600" indent="-228600" algn="l" defTabSz="457200" rtl="0" eaLnBrk="1" latinLnBrk="0" hangingPunct="1">
-              <a:spcBef>
-                <a:spcPct val="20000"/>
-              </a:spcBef>
-              <a:spcAft>
-                <a:spcPts val="600"/>
-              </a:spcAft>
-              <a:buClr>
-                <a:schemeClr val="accent1">
-                  <a:lumMod val="75000"/>
-                </a:schemeClr>
-              </a:buClr>
-              <a:buSzPct val="145000"/>
-              <a:buFont typeface="Arial"/>
-              <a:buChar char="•"/>
-              <a:defRPr sz="1400" kern="1200" cap="none">
-                <a:solidFill>
-                  <a:schemeClr val="tx1"/>
-                </a:solidFill>
-                <a:effectLst/>
-                <a:latin typeface="+mn-lt"/>
-                <a:ea typeface="+mn-ea"/>
-                <a:cs typeface="+mn-cs"/>
-              </a:defRPr>
-            </a:lvl6pPr>
-            <a:lvl7pPr marL="2971800" indent="-228600" algn="l" defTabSz="457200" rtl="0" eaLnBrk="1" latinLnBrk="0" hangingPunct="1">
-              <a:spcBef>
-                <a:spcPct val="20000"/>
-              </a:spcBef>
-              <a:spcAft>
-                <a:spcPts val="600"/>
-              </a:spcAft>
-              <a:buClr>
-                <a:schemeClr val="accent1">
-                  <a:lumMod val="75000"/>
-                </a:schemeClr>
-              </a:buClr>
-              <a:buSzPct val="145000"/>
-              <a:buFont typeface="Arial"/>
-              <a:buChar char="•"/>
-              <a:defRPr sz="1400" kern="1200" cap="none">
-                <a:solidFill>
-                  <a:schemeClr val="tx1"/>
-                </a:solidFill>
-                <a:effectLst/>
-                <a:latin typeface="+mn-lt"/>
-                <a:ea typeface="+mn-ea"/>
-                <a:cs typeface="+mn-cs"/>
-              </a:defRPr>
-            </a:lvl7pPr>
-            <a:lvl8pPr marL="3429000" indent="-228600" algn="l" defTabSz="457200" rtl="0" eaLnBrk="1" latinLnBrk="0" hangingPunct="1">
-              <a:spcBef>
-                <a:spcPct val="20000"/>
-              </a:spcBef>
-              <a:spcAft>
-                <a:spcPts val="600"/>
-              </a:spcAft>
-              <a:buClr>
-                <a:schemeClr val="accent1">
-                  <a:lumMod val="75000"/>
-                </a:schemeClr>
-              </a:buClr>
-              <a:buSzPct val="145000"/>
-              <a:buFont typeface="Arial"/>
-              <a:buChar char="•"/>
-              <a:defRPr sz="1400" kern="1200" cap="none">
-                <a:solidFill>
-                  <a:schemeClr val="tx1"/>
-                </a:solidFill>
-                <a:effectLst/>
-                <a:latin typeface="+mn-lt"/>
-                <a:ea typeface="+mn-ea"/>
-                <a:cs typeface="+mn-cs"/>
-              </a:defRPr>
-            </a:lvl8pPr>
-            <a:lvl9pPr marL="3886200" indent="-228600" algn="l" defTabSz="457200" rtl="0" eaLnBrk="1" latinLnBrk="0" hangingPunct="1">
-              <a:spcBef>
-                <a:spcPct val="20000"/>
-              </a:spcBef>
-              <a:spcAft>
-                <a:spcPts val="600"/>
-              </a:spcAft>
-              <a:buClr>
-                <a:schemeClr val="accent1">
-                  <a:lumMod val="75000"/>
-                </a:schemeClr>
-              </a:buClr>
-              <a:buSzPct val="145000"/>
-              <a:buFont typeface="Arial"/>
-              <a:buChar char="•"/>
-              <a:defRPr sz="1400" kern="1200" cap="none">
-                <a:solidFill>
-                  <a:schemeClr val="tx1"/>
-                </a:solidFill>
-                <a:effectLst/>
-                <a:latin typeface="+mn-lt"/>
-                <a:ea typeface="+mn-ea"/>
-                <a:cs typeface="+mn-cs"/>
-              </a:defRPr>
-            </a:lvl9pPr>
-          </a:lstStyle>
-          <a:p>
-            <a:r>
-              <a:rPr lang="en-US" dirty="0" smtClean="0"/>
-              <a:t>HTTPS Connections</a:t>
-            </a:r>
-          </a:p>
-        </p:txBody>
-      </p:sp>
-      <p:sp>
-        <p:nvSpPr>
-          <p:cNvPr id="7" name="Title 1"/>
-          <p:cNvSpPr txBox="1">
-            <a:spLocks/>
-          </p:cNvSpPr>
-          <p:nvPr/>
-        </p:nvSpPr>
-        <p:spPr>
-          <a:xfrm>
-            <a:off x="-1617477" y="3931029"/>
-            <a:ext cx="10018713" cy="1752599"/>
-          </a:xfrm>
-          <a:prstGeom prst="rect">
-            <a:avLst/>
-          </a:prstGeom>
-          <a:effectLst/>
-        </p:spPr>
-        <p:txBody>
-          <a:bodyPr vert="horz" lIns="91440" tIns="45720" rIns="91440" bIns="45720" rtlCol="0" anchor="ctr">
-            <a:normAutofit/>
-          </a:bodyPr>
-          <a:lstStyle>
-            <a:lvl1pPr algn="ctr" defTabSz="457200" rtl="0" eaLnBrk="1" latinLnBrk="0" hangingPunct="1">
-              <a:spcBef>
-                <a:spcPct val="0"/>
-              </a:spcBef>
-              <a:buNone/>
-              <a:defRPr sz="4000" kern="1200" cap="none">
-                <a:ln w="3175" cmpd="sng">
-                  <a:noFill/>
-                </a:ln>
-                <a:solidFill>
-                  <a:schemeClr val="tx1"/>
-                </a:solidFill>
-                <a:effectLst/>
-                <a:latin typeface="+mj-lt"/>
-                <a:ea typeface="+mj-ea"/>
-                <a:cs typeface="+mj-cs"/>
-              </a:defRPr>
-            </a:lvl1pPr>
-            <a:lvl2pPr eaLnBrk="1" hangingPunct="1">
-              <a:defRPr>
-                <a:solidFill>
-                  <a:schemeClr val="tx2"/>
-                </a:solidFill>
-              </a:defRPr>
-            </a:lvl2pPr>
-            <a:lvl3pPr eaLnBrk="1" hangingPunct="1">
-              <a:defRPr>
-                <a:solidFill>
-                  <a:schemeClr val="tx2"/>
-                </a:solidFill>
-              </a:defRPr>
-            </a:lvl3pPr>
-            <a:lvl4pPr eaLnBrk="1" hangingPunct="1">
-              <a:defRPr>
-                <a:solidFill>
-                  <a:schemeClr val="tx2"/>
-                </a:solidFill>
-              </a:defRPr>
-            </a:lvl4pPr>
-            <a:lvl5pPr eaLnBrk="1" hangingPunct="1">
-              <a:defRPr>
-                <a:solidFill>
-                  <a:schemeClr val="tx2"/>
-                </a:solidFill>
-              </a:defRPr>
-            </a:lvl5pPr>
-            <a:lvl6pPr eaLnBrk="1" hangingPunct="1">
-              <a:defRPr>
-                <a:solidFill>
-                  <a:schemeClr val="tx2"/>
-                </a:solidFill>
-              </a:defRPr>
-            </a:lvl6pPr>
-            <a:lvl7pPr eaLnBrk="1" hangingPunct="1">
-              <a:defRPr>
-                <a:solidFill>
-                  <a:schemeClr val="tx2"/>
-                </a:solidFill>
-              </a:defRPr>
-            </a:lvl7pPr>
-            <a:lvl8pPr eaLnBrk="1" hangingPunct="1">
-              <a:defRPr>
-                <a:solidFill>
-                  <a:schemeClr val="tx2"/>
-                </a:solidFill>
-              </a:defRPr>
-            </a:lvl8pPr>
-            <a:lvl9pPr eaLnBrk="1" hangingPunct="1">
-              <a:defRPr>
-                <a:solidFill>
-                  <a:schemeClr val="tx2"/>
-                </a:solidFill>
-              </a:defRPr>
-            </a:lvl9pPr>
-          </a:lstStyle>
-          <a:p>
-            <a:r>
-              <a:rPr lang="en-US" dirty="0" smtClean="0"/>
-              <a:t>User Privacy</a:t>
-            </a:r>
-            <a:endParaRPr lang="en-US" dirty="0"/>
-          </a:p>
-        </p:txBody>
-      </p:sp>
-      <p:sp>
-        <p:nvSpPr>
-          <p:cNvPr id="8" name="Content Placeholder 2"/>
-          <p:cNvSpPr txBox="1">
-            <a:spLocks/>
-          </p:cNvSpPr>
-          <p:nvPr/>
-        </p:nvSpPr>
-        <p:spPr>
-          <a:xfrm>
-            <a:off x="1945991" y="1057842"/>
-            <a:ext cx="4691087" cy="3124201"/>
-          </a:xfrm>
-          <a:prstGeom prst="rect">
-            <a:avLst/>
-          </a:prstGeom>
-        </p:spPr>
-        <p:txBody>
-          <a:bodyPr vert="horz" lIns="91440" tIns="45720" rIns="91440" bIns="45720" rtlCol="0" anchor="ctr">
-            <a:normAutofit/>
-          </a:bodyPr>
-          <a:lstStyle>
-            <a:lvl1pPr marL="285750" indent="-285750" algn="l" defTabSz="457200" rtl="0" eaLnBrk="1" latinLnBrk="0" hangingPunct="1">
-              <a:spcBef>
-                <a:spcPct val="20000"/>
-              </a:spcBef>
-              <a:spcAft>
-                <a:spcPts val="600"/>
-              </a:spcAft>
-              <a:buClr>
-                <a:schemeClr val="accent1">
-                  <a:lumMod val="75000"/>
-                </a:schemeClr>
-              </a:buClr>
-              <a:buSzPct val="145000"/>
-              <a:buFont typeface="Arial"/>
-              <a:buChar char="•"/>
-              <a:defRPr sz="2400" kern="1200" cap="none">
-                <a:solidFill>
-                  <a:schemeClr val="tx1"/>
-                </a:solidFill>
-                <a:effectLst/>
-                <a:latin typeface="+mn-lt"/>
-                <a:ea typeface="+mn-ea"/>
-                <a:cs typeface="+mn-cs"/>
-              </a:defRPr>
-            </a:lvl1pPr>
-            <a:lvl2pPr marL="742950" indent="-285750" algn="l" defTabSz="457200" rtl="0" eaLnBrk="1" latinLnBrk="0" hangingPunct="1">
-              <a:spcBef>
-                <a:spcPct val="20000"/>
-              </a:spcBef>
-              <a:spcAft>
-                <a:spcPts val="600"/>
-              </a:spcAft>
-              <a:buClr>
-                <a:schemeClr val="accent1">
-                  <a:lumMod val="75000"/>
-                </a:schemeClr>
-              </a:buClr>
-              <a:buSzPct val="145000"/>
-              <a:buFont typeface="Arial"/>
-              <a:buChar char="•"/>
-              <a:defRPr sz="2000" kern="1200" cap="none">
-                <a:solidFill>
-                  <a:schemeClr val="tx1"/>
-                </a:solidFill>
-                <a:effectLst/>
-                <a:latin typeface="+mn-lt"/>
-                <a:ea typeface="+mn-ea"/>
-                <a:cs typeface="+mn-cs"/>
-              </a:defRPr>
-            </a:lvl2pPr>
-            <a:lvl3pPr marL="1200150" indent="-285750" algn="l" defTabSz="457200" rtl="0" eaLnBrk="1" latinLnBrk="0" hangingPunct="1">
-              <a:spcBef>
-                <a:spcPct val="20000"/>
-              </a:spcBef>
-              <a:spcAft>
-                <a:spcPts val="600"/>
-              </a:spcAft>
-              <a:buClr>
-                <a:schemeClr val="accent1">
-                  <a:lumMod val="75000"/>
-                </a:schemeClr>
-              </a:buClr>
-              <a:buSzPct val="145000"/>
-              <a:buFont typeface="Arial"/>
-              <a:buChar char="•"/>
-              <a:defRPr sz="1800" kern="1200" cap="none">
-                <a:solidFill>
-                  <a:schemeClr val="tx1"/>
-                </a:solidFill>
-                <a:effectLst/>
-                <a:latin typeface="+mn-lt"/>
-                <a:ea typeface="+mn-ea"/>
-                <a:cs typeface="+mn-cs"/>
-              </a:defRPr>
-            </a:lvl3pPr>
-            <a:lvl4pPr marL="1543050" indent="-171450" algn="l" defTabSz="457200" rtl="0" eaLnBrk="1" latinLnBrk="0" hangingPunct="1">
-              <a:spcBef>
-                <a:spcPct val="20000"/>
-              </a:spcBef>
-              <a:spcAft>
-                <a:spcPts val="600"/>
-              </a:spcAft>
-              <a:buClr>
-                <a:schemeClr val="accent1">
-                  <a:lumMod val="75000"/>
-                </a:schemeClr>
-              </a:buClr>
-              <a:buSzPct val="145000"/>
-              <a:buFont typeface="Arial"/>
-              <a:buChar char="•"/>
-              <a:defRPr sz="1600" kern="1200" cap="none">
-                <a:solidFill>
-                  <a:schemeClr val="tx1"/>
-                </a:solidFill>
-                <a:effectLst/>
-                <a:latin typeface="+mn-lt"/>
-                <a:ea typeface="+mn-ea"/>
-                <a:cs typeface="+mn-cs"/>
-              </a:defRPr>
-            </a:lvl4pPr>
-            <a:lvl5pPr marL="2000250" indent="-171450" algn="l" defTabSz="457200" rtl="0" eaLnBrk="1" latinLnBrk="0" hangingPunct="1">
-              <a:spcBef>
-                <a:spcPct val="20000"/>
-              </a:spcBef>
-              <a:spcAft>
-                <a:spcPts val="600"/>
-              </a:spcAft>
-              <a:buClr>
-                <a:schemeClr val="accent1">
-                  <a:lumMod val="75000"/>
-                </a:schemeClr>
-              </a:buClr>
-              <a:buSzPct val="145000"/>
-              <a:buFont typeface="Arial"/>
-              <a:buChar char="•"/>
-              <a:defRPr sz="1400" kern="1200" cap="none">
-                <a:solidFill>
-                  <a:schemeClr val="tx1"/>
-                </a:solidFill>
-                <a:effectLst/>
-                <a:latin typeface="+mn-lt"/>
-                <a:ea typeface="+mn-ea"/>
-                <a:cs typeface="+mn-cs"/>
-              </a:defRPr>
-            </a:lvl5pPr>
-            <a:lvl6pPr marL="2514600" indent="-228600" algn="l" defTabSz="457200" rtl="0" eaLnBrk="1" latinLnBrk="0" hangingPunct="1">
-              <a:spcBef>
-                <a:spcPct val="20000"/>
-              </a:spcBef>
-              <a:spcAft>
-                <a:spcPts val="600"/>
-              </a:spcAft>
-              <a:buClr>
-                <a:schemeClr val="accent1">
-                  <a:lumMod val="75000"/>
-                </a:schemeClr>
-              </a:buClr>
-              <a:buSzPct val="145000"/>
-              <a:buFont typeface="Arial"/>
-              <a:buChar char="•"/>
-              <a:defRPr sz="1400" kern="1200" cap="none">
-                <a:solidFill>
-                  <a:schemeClr val="tx1"/>
-                </a:solidFill>
-                <a:effectLst/>
-                <a:latin typeface="+mn-lt"/>
-                <a:ea typeface="+mn-ea"/>
-                <a:cs typeface="+mn-cs"/>
-              </a:defRPr>
-            </a:lvl6pPr>
-            <a:lvl7pPr marL="2971800" indent="-228600" algn="l" defTabSz="457200" rtl="0" eaLnBrk="1" latinLnBrk="0" hangingPunct="1">
-              <a:spcBef>
-                <a:spcPct val="20000"/>
-              </a:spcBef>
-              <a:spcAft>
-                <a:spcPts val="600"/>
-              </a:spcAft>
-              <a:buClr>
-                <a:schemeClr val="accent1">
-                  <a:lumMod val="75000"/>
-                </a:schemeClr>
-              </a:buClr>
-              <a:buSzPct val="145000"/>
-              <a:buFont typeface="Arial"/>
-              <a:buChar char="•"/>
-              <a:defRPr sz="1400" kern="1200" cap="none">
-                <a:solidFill>
-                  <a:schemeClr val="tx1"/>
-                </a:solidFill>
-                <a:effectLst/>
-                <a:latin typeface="+mn-lt"/>
-                <a:ea typeface="+mn-ea"/>
-                <a:cs typeface="+mn-cs"/>
-              </a:defRPr>
-            </a:lvl7pPr>
-            <a:lvl8pPr marL="3429000" indent="-228600" algn="l" defTabSz="457200" rtl="0" eaLnBrk="1" latinLnBrk="0" hangingPunct="1">
-              <a:spcBef>
-                <a:spcPct val="20000"/>
-              </a:spcBef>
-              <a:spcAft>
-                <a:spcPts val="600"/>
-              </a:spcAft>
-              <a:buClr>
-                <a:schemeClr val="accent1">
-                  <a:lumMod val="75000"/>
-                </a:schemeClr>
-              </a:buClr>
-              <a:buSzPct val="145000"/>
-              <a:buFont typeface="Arial"/>
-              <a:buChar char="•"/>
-              <a:defRPr sz="1400" kern="1200" cap="none">
-                <a:solidFill>
-                  <a:schemeClr val="tx1"/>
-                </a:solidFill>
-                <a:effectLst/>
-                <a:latin typeface="+mn-lt"/>
-                <a:ea typeface="+mn-ea"/>
-                <a:cs typeface="+mn-cs"/>
-              </a:defRPr>
-            </a:lvl8pPr>
-            <a:lvl9pPr marL="3886200" indent="-228600" algn="l" defTabSz="457200" rtl="0" eaLnBrk="1" latinLnBrk="0" hangingPunct="1">
-              <a:spcBef>
-                <a:spcPct val="20000"/>
-              </a:spcBef>
-              <a:spcAft>
-                <a:spcPts val="600"/>
-              </a:spcAft>
-              <a:buClr>
-                <a:schemeClr val="accent1">
-                  <a:lumMod val="75000"/>
-                </a:schemeClr>
-              </a:buClr>
-              <a:buSzPct val="145000"/>
-              <a:buFont typeface="Arial"/>
-              <a:buChar char="•"/>
-              <a:defRPr sz="1400" kern="1200" cap="none">
-                <a:solidFill>
-                  <a:schemeClr val="tx1"/>
-                </a:solidFill>
-                <a:effectLst/>
-                <a:latin typeface="+mn-lt"/>
-                <a:ea typeface="+mn-ea"/>
-                <a:cs typeface="+mn-cs"/>
-              </a:defRPr>
-            </a:lvl9pPr>
-          </a:lstStyle>
-          <a:p>
-            <a:r>
-              <a:rPr lang="en-US" dirty="0" err="1"/>
-              <a:t>Wakelocks</a:t>
-            </a:r>
-            <a:r>
-              <a:rPr lang="en-US" dirty="0"/>
-              <a:t> should not be misused. </a:t>
-            </a:r>
-            <a:endParaRPr lang="en-US" dirty="0" smtClean="0"/>
-          </a:p>
-          <a:p>
-            <a:r>
-              <a:rPr lang="en-US" dirty="0" smtClean="0"/>
-              <a:t>If there is no </a:t>
-            </a:r>
-            <a:r>
-              <a:rPr lang="en-US" dirty="0"/>
-              <a:t>user interaction </a:t>
-            </a:r>
-            <a:r>
-              <a:rPr lang="en-US" dirty="0" smtClean="0"/>
-              <a:t>turn off screen</a:t>
-            </a:r>
-          </a:p>
-        </p:txBody>
-      </p:sp>
     </p:spTree>
     <p:extLst>
       <p:ext uri="{BB962C8B-B14F-4D97-AF65-F5344CB8AC3E}">
-        <p14:creationId xmlns:p14="http://schemas.microsoft.com/office/powerpoint/2010/main" val="2705422503"/>
+        <p14:creationId xmlns:p14="http://schemas.microsoft.com/office/powerpoint/2010/main" val="2242948578"/>
       </p:ext>
     </p:extLst>
   </p:cSld>
@@ -11731,8 +14670,8 @@
         </p:nvSpPr>
         <p:spPr>
           <a:xfrm>
-            <a:off x="1807039" y="-142779"/>
-            <a:ext cx="10018713" cy="989296"/>
+            <a:off x="1216919" y="975199"/>
+            <a:ext cx="3991331" cy="856134"/>
           </a:xfrm>
         </p:spPr>
         <p:txBody>
@@ -11740,192 +14679,772 @@
           <a:lstStyle/>
           <a:p>
             <a:r>
+              <a:rPr lang="en-US" dirty="0" err="1" smtClean="0"/>
+              <a:t>Wakelocks</a:t>
+            </a:r>
+            <a:endParaRPr lang="en-US" dirty="0"/>
+          </a:p>
+        </p:txBody>
+      </p:sp>
+      <p:pic>
+        <p:nvPicPr>
+          <p:cNvPr id="4" name="Content Placeholder 3" descr="C:\Users\Milind\Box Sync\MobileComputingProj\ARO Test Traces\Screenshots\FS WLD\Screenshot_2015-04-28-20-05-11.png"/>
+          <p:cNvPicPr>
+            <a:picLocks noGrp="1"/>
+          </p:cNvPicPr>
+          <p:nvPr>
+            <p:ph idx="1"/>
+          </p:nvPr>
+        </p:nvPicPr>
+        <p:blipFill>
+          <a:blip r:embed="rId2" cstate="print">
+            <a:extLst>
+              <a:ext uri="{28A0092B-C50C-407E-A947-70E740481C1C}">
+                <a14:useLocalDpi xmlns:a14="http://schemas.microsoft.com/office/drawing/2010/main" val="0"/>
+              </a:ext>
+            </a:extLst>
+          </a:blip>
+          <a:srcRect/>
+          <a:stretch>
+            <a:fillRect/>
+          </a:stretch>
+        </p:blipFill>
+        <p:spPr bwMode="auto">
+          <a:xfrm>
+            <a:off x="6628138" y="892119"/>
+            <a:ext cx="2350462" cy="3774116"/>
+          </a:xfrm>
+          <a:prstGeom prst="rect">
+            <a:avLst/>
+          </a:prstGeom>
+          <a:noFill/>
+          <a:ln>
+            <a:noFill/>
+          </a:ln>
+        </p:spPr>
+      </p:pic>
+      <p:pic>
+        <p:nvPicPr>
+          <p:cNvPr id="5" name="Picture 4" descr="C:\Users\Milind\Box Sync\MobileComputingProj\ARO Test Traces\Screenshots\FS WLD\Screenshot_2015-04-28-20-05-52.png"/>
+          <p:cNvPicPr/>
+          <p:nvPr/>
+        </p:nvPicPr>
+        <p:blipFill>
+          <a:blip r:embed="rId3" cstate="print">
+            <a:extLst>
+              <a:ext uri="{28A0092B-C50C-407E-A947-70E740481C1C}">
+                <a14:useLocalDpi xmlns:a14="http://schemas.microsoft.com/office/drawing/2010/main" val="0"/>
+              </a:ext>
+            </a:extLst>
+          </a:blip>
+          <a:srcRect/>
+          <a:stretch>
+            <a:fillRect/>
+          </a:stretch>
+        </p:blipFill>
+        <p:spPr bwMode="auto">
+          <a:xfrm>
+            <a:off x="9431341" y="892119"/>
+            <a:ext cx="2264400" cy="3774000"/>
+          </a:xfrm>
+          <a:prstGeom prst="rect">
+            <a:avLst/>
+          </a:prstGeom>
+          <a:noFill/>
+          <a:ln>
+            <a:noFill/>
+          </a:ln>
+        </p:spPr>
+      </p:pic>
+      <p:sp>
+        <p:nvSpPr>
+          <p:cNvPr id="6" name="Content Placeholder 2"/>
+          <p:cNvSpPr txBox="1">
+            <a:spLocks/>
+          </p:cNvSpPr>
+          <p:nvPr/>
+        </p:nvSpPr>
+        <p:spPr>
+          <a:xfrm>
+            <a:off x="1791364" y="5369686"/>
+            <a:ext cx="4691087" cy="571651"/>
+          </a:xfrm>
+          <a:prstGeom prst="rect">
+            <a:avLst/>
+          </a:prstGeom>
+        </p:spPr>
+        <p:txBody>
+          <a:bodyPr vert="horz" lIns="91440" tIns="45720" rIns="91440" bIns="45720" rtlCol="0" anchor="ctr">
+            <a:normAutofit/>
+          </a:bodyPr>
+          <a:lstStyle>
+            <a:lvl1pPr marL="285750" indent="-285750" algn="l" defTabSz="457200" rtl="0" eaLnBrk="1" latinLnBrk="0" hangingPunct="1">
+              <a:spcBef>
+                <a:spcPct val="20000"/>
+              </a:spcBef>
+              <a:spcAft>
+                <a:spcPts val="600"/>
+              </a:spcAft>
+              <a:buClr>
+                <a:schemeClr val="accent1">
+                  <a:lumMod val="75000"/>
+                </a:schemeClr>
+              </a:buClr>
+              <a:buSzPct val="145000"/>
+              <a:buFont typeface="Arial"/>
+              <a:buChar char="•"/>
+              <a:defRPr sz="2400" kern="1200" cap="none">
+                <a:solidFill>
+                  <a:schemeClr val="tx1"/>
+                </a:solidFill>
+                <a:effectLst/>
+                <a:latin typeface="+mn-lt"/>
+                <a:ea typeface="+mn-ea"/>
+                <a:cs typeface="+mn-cs"/>
+              </a:defRPr>
+            </a:lvl1pPr>
+            <a:lvl2pPr marL="742950" indent="-285750" algn="l" defTabSz="457200" rtl="0" eaLnBrk="1" latinLnBrk="0" hangingPunct="1">
+              <a:spcBef>
+                <a:spcPct val="20000"/>
+              </a:spcBef>
+              <a:spcAft>
+                <a:spcPts val="600"/>
+              </a:spcAft>
+              <a:buClr>
+                <a:schemeClr val="accent1">
+                  <a:lumMod val="75000"/>
+                </a:schemeClr>
+              </a:buClr>
+              <a:buSzPct val="145000"/>
+              <a:buFont typeface="Arial"/>
+              <a:buChar char="•"/>
+              <a:defRPr sz="2000" kern="1200" cap="none">
+                <a:solidFill>
+                  <a:schemeClr val="tx1"/>
+                </a:solidFill>
+                <a:effectLst/>
+                <a:latin typeface="+mn-lt"/>
+                <a:ea typeface="+mn-ea"/>
+                <a:cs typeface="+mn-cs"/>
+              </a:defRPr>
+            </a:lvl2pPr>
+            <a:lvl3pPr marL="1200150" indent="-285750" algn="l" defTabSz="457200" rtl="0" eaLnBrk="1" latinLnBrk="0" hangingPunct="1">
+              <a:spcBef>
+                <a:spcPct val="20000"/>
+              </a:spcBef>
+              <a:spcAft>
+                <a:spcPts val="600"/>
+              </a:spcAft>
+              <a:buClr>
+                <a:schemeClr val="accent1">
+                  <a:lumMod val="75000"/>
+                </a:schemeClr>
+              </a:buClr>
+              <a:buSzPct val="145000"/>
+              <a:buFont typeface="Arial"/>
+              <a:buChar char="•"/>
+              <a:defRPr sz="1800" kern="1200" cap="none">
+                <a:solidFill>
+                  <a:schemeClr val="tx1"/>
+                </a:solidFill>
+                <a:effectLst/>
+                <a:latin typeface="+mn-lt"/>
+                <a:ea typeface="+mn-ea"/>
+                <a:cs typeface="+mn-cs"/>
+              </a:defRPr>
+            </a:lvl3pPr>
+            <a:lvl4pPr marL="1543050" indent="-171450" algn="l" defTabSz="457200" rtl="0" eaLnBrk="1" latinLnBrk="0" hangingPunct="1">
+              <a:spcBef>
+                <a:spcPct val="20000"/>
+              </a:spcBef>
+              <a:spcAft>
+                <a:spcPts val="600"/>
+              </a:spcAft>
+              <a:buClr>
+                <a:schemeClr val="accent1">
+                  <a:lumMod val="75000"/>
+                </a:schemeClr>
+              </a:buClr>
+              <a:buSzPct val="145000"/>
+              <a:buFont typeface="Arial"/>
+              <a:buChar char="•"/>
+              <a:defRPr sz="1600" kern="1200" cap="none">
+                <a:solidFill>
+                  <a:schemeClr val="tx1"/>
+                </a:solidFill>
+                <a:effectLst/>
+                <a:latin typeface="+mn-lt"/>
+                <a:ea typeface="+mn-ea"/>
+                <a:cs typeface="+mn-cs"/>
+              </a:defRPr>
+            </a:lvl4pPr>
+            <a:lvl5pPr marL="2000250" indent="-171450" algn="l" defTabSz="457200" rtl="0" eaLnBrk="1" latinLnBrk="0" hangingPunct="1">
+              <a:spcBef>
+                <a:spcPct val="20000"/>
+              </a:spcBef>
+              <a:spcAft>
+                <a:spcPts val="600"/>
+              </a:spcAft>
+              <a:buClr>
+                <a:schemeClr val="accent1">
+                  <a:lumMod val="75000"/>
+                </a:schemeClr>
+              </a:buClr>
+              <a:buSzPct val="145000"/>
+              <a:buFont typeface="Arial"/>
+              <a:buChar char="•"/>
+              <a:defRPr sz="1400" kern="1200" cap="none">
+                <a:solidFill>
+                  <a:schemeClr val="tx1"/>
+                </a:solidFill>
+                <a:effectLst/>
+                <a:latin typeface="+mn-lt"/>
+                <a:ea typeface="+mn-ea"/>
+                <a:cs typeface="+mn-cs"/>
+              </a:defRPr>
+            </a:lvl5pPr>
+            <a:lvl6pPr marL="2514600" indent="-228600" algn="l" defTabSz="457200" rtl="0" eaLnBrk="1" latinLnBrk="0" hangingPunct="1">
+              <a:spcBef>
+                <a:spcPct val="20000"/>
+              </a:spcBef>
+              <a:spcAft>
+                <a:spcPts val="600"/>
+              </a:spcAft>
+              <a:buClr>
+                <a:schemeClr val="accent1">
+                  <a:lumMod val="75000"/>
+                </a:schemeClr>
+              </a:buClr>
+              <a:buSzPct val="145000"/>
+              <a:buFont typeface="Arial"/>
+              <a:buChar char="•"/>
+              <a:defRPr sz="1400" kern="1200" cap="none">
+                <a:solidFill>
+                  <a:schemeClr val="tx1"/>
+                </a:solidFill>
+                <a:effectLst/>
+                <a:latin typeface="+mn-lt"/>
+                <a:ea typeface="+mn-ea"/>
+                <a:cs typeface="+mn-cs"/>
+              </a:defRPr>
+            </a:lvl6pPr>
+            <a:lvl7pPr marL="2971800" indent="-228600" algn="l" defTabSz="457200" rtl="0" eaLnBrk="1" latinLnBrk="0" hangingPunct="1">
+              <a:spcBef>
+                <a:spcPct val="20000"/>
+              </a:spcBef>
+              <a:spcAft>
+                <a:spcPts val="600"/>
+              </a:spcAft>
+              <a:buClr>
+                <a:schemeClr val="accent1">
+                  <a:lumMod val="75000"/>
+                </a:schemeClr>
+              </a:buClr>
+              <a:buSzPct val="145000"/>
+              <a:buFont typeface="Arial"/>
+              <a:buChar char="•"/>
+              <a:defRPr sz="1400" kern="1200" cap="none">
+                <a:solidFill>
+                  <a:schemeClr val="tx1"/>
+                </a:solidFill>
+                <a:effectLst/>
+                <a:latin typeface="+mn-lt"/>
+                <a:ea typeface="+mn-ea"/>
+                <a:cs typeface="+mn-cs"/>
+              </a:defRPr>
+            </a:lvl7pPr>
+            <a:lvl8pPr marL="3429000" indent="-228600" algn="l" defTabSz="457200" rtl="0" eaLnBrk="1" latinLnBrk="0" hangingPunct="1">
+              <a:spcBef>
+                <a:spcPct val="20000"/>
+              </a:spcBef>
+              <a:spcAft>
+                <a:spcPts val="600"/>
+              </a:spcAft>
+              <a:buClr>
+                <a:schemeClr val="accent1">
+                  <a:lumMod val="75000"/>
+                </a:schemeClr>
+              </a:buClr>
+              <a:buSzPct val="145000"/>
+              <a:buFont typeface="Arial"/>
+              <a:buChar char="•"/>
+              <a:defRPr sz="1400" kern="1200" cap="none">
+                <a:solidFill>
+                  <a:schemeClr val="tx1"/>
+                </a:solidFill>
+                <a:effectLst/>
+                <a:latin typeface="+mn-lt"/>
+                <a:ea typeface="+mn-ea"/>
+                <a:cs typeface="+mn-cs"/>
+              </a:defRPr>
+            </a:lvl8pPr>
+            <a:lvl9pPr marL="3886200" indent="-228600" algn="l" defTabSz="457200" rtl="0" eaLnBrk="1" latinLnBrk="0" hangingPunct="1">
+              <a:spcBef>
+                <a:spcPct val="20000"/>
+              </a:spcBef>
+              <a:spcAft>
+                <a:spcPts val="600"/>
+              </a:spcAft>
+              <a:buClr>
+                <a:schemeClr val="accent1">
+                  <a:lumMod val="75000"/>
+                </a:schemeClr>
+              </a:buClr>
+              <a:buSzPct val="145000"/>
+              <a:buFont typeface="Arial"/>
+              <a:buChar char="•"/>
+              <a:defRPr sz="1400" kern="1200" cap="none">
+                <a:solidFill>
+                  <a:schemeClr val="tx1"/>
+                </a:solidFill>
+                <a:effectLst/>
+                <a:latin typeface="+mn-lt"/>
+                <a:ea typeface="+mn-ea"/>
+                <a:cs typeface="+mn-cs"/>
+              </a:defRPr>
+            </a:lvl9pPr>
+          </a:lstStyle>
+          <a:p>
+            <a:r>
               <a:rPr lang="en-US" dirty="0" smtClean="0"/>
-              <a:t>Challenges – Get it from the Status report</a:t>
-            </a:r>
-            <a:endParaRPr lang="en-US" dirty="0"/>
+              <a:t>HTTPS Connections</a:t>
+            </a:r>
           </a:p>
         </p:txBody>
       </p:sp>
       <p:sp>
         <p:nvSpPr>
-          <p:cNvPr id="3" name="Content Placeholder 2"/>
-          <p:cNvSpPr>
-            <a:spLocks noGrp="1"/>
+          <p:cNvPr id="7" name="Title 1"/>
+          <p:cNvSpPr txBox="1">
+            <a:spLocks/>
           </p:cNvSpPr>
-          <p:nvPr>
-            <p:ph idx="1"/>
-          </p:nvPr>
+          <p:nvPr/>
         </p:nvSpPr>
         <p:spPr>
           <a:xfrm>
-            <a:off x="1859397" y="686558"/>
-            <a:ext cx="10189167" cy="6629473"/>
+            <a:off x="736826" y="4728715"/>
+            <a:ext cx="4951520" cy="640971"/>
           </a:xfrm>
+          <a:prstGeom prst="rect">
+            <a:avLst/>
+          </a:prstGeom>
+          <a:effectLst/>
         </p:spPr>
         <p:txBody>
-          <a:bodyPr>
-            <a:noAutofit/>
+          <a:bodyPr vert="horz" lIns="91440" tIns="45720" rIns="91440" bIns="45720" rtlCol="0" anchor="ctr">
+            <a:normAutofit lnSpcReduction="10000"/>
           </a:bodyPr>
-          <a:lstStyle/>
-          <a:p>
-            <a:pPr>
+          <a:lstStyle>
+            <a:lvl1pPr algn="ctr" defTabSz="457200" rtl="0" eaLnBrk="1" latinLnBrk="0" hangingPunct="1">
+              <a:spcBef>
+                <a:spcPct val="0"/>
+              </a:spcBef>
+              <a:buNone/>
+              <a:defRPr sz="4000" kern="1200" cap="none">
+                <a:ln w="3175" cmpd="sng">
+                  <a:noFill/>
+                </a:ln>
+                <a:solidFill>
+                  <a:schemeClr val="tx1"/>
+                </a:solidFill>
+                <a:effectLst/>
+                <a:latin typeface="+mj-lt"/>
+                <a:ea typeface="+mj-ea"/>
+                <a:cs typeface="+mj-cs"/>
+              </a:defRPr>
+            </a:lvl1pPr>
+            <a:lvl2pPr eaLnBrk="1" hangingPunct="1">
+              <a:defRPr>
+                <a:solidFill>
+                  <a:schemeClr val="tx2"/>
+                </a:solidFill>
+              </a:defRPr>
+            </a:lvl2pPr>
+            <a:lvl3pPr eaLnBrk="1" hangingPunct="1">
+              <a:defRPr>
+                <a:solidFill>
+                  <a:schemeClr val="tx2"/>
+                </a:solidFill>
+              </a:defRPr>
+            </a:lvl3pPr>
+            <a:lvl4pPr eaLnBrk="1" hangingPunct="1">
+              <a:defRPr>
+                <a:solidFill>
+                  <a:schemeClr val="tx2"/>
+                </a:solidFill>
+              </a:defRPr>
+            </a:lvl4pPr>
+            <a:lvl5pPr eaLnBrk="1" hangingPunct="1">
+              <a:defRPr>
+                <a:solidFill>
+                  <a:schemeClr val="tx2"/>
+                </a:solidFill>
+              </a:defRPr>
+            </a:lvl5pPr>
+            <a:lvl6pPr eaLnBrk="1" hangingPunct="1">
+              <a:defRPr>
+                <a:solidFill>
+                  <a:schemeClr val="tx2"/>
+                </a:solidFill>
+              </a:defRPr>
+            </a:lvl6pPr>
+            <a:lvl7pPr eaLnBrk="1" hangingPunct="1">
+              <a:defRPr>
+                <a:solidFill>
+                  <a:schemeClr val="tx2"/>
+                </a:solidFill>
+              </a:defRPr>
+            </a:lvl7pPr>
+            <a:lvl8pPr eaLnBrk="1" hangingPunct="1">
+              <a:defRPr>
+                <a:solidFill>
+                  <a:schemeClr val="tx2"/>
+                </a:solidFill>
+              </a:defRPr>
+            </a:lvl8pPr>
+            <a:lvl9pPr eaLnBrk="1" hangingPunct="1">
+              <a:defRPr>
+                <a:solidFill>
+                  <a:schemeClr val="tx2"/>
+                </a:solidFill>
+              </a:defRPr>
+            </a:lvl9pPr>
+          </a:lstStyle>
+          <a:p>
+            <a:r>
+              <a:rPr lang="en-US" dirty="0" smtClean="0"/>
+              <a:t>User Privacy</a:t>
+            </a:r>
+            <a:endParaRPr lang="en-US" dirty="0"/>
+          </a:p>
+        </p:txBody>
+      </p:sp>
+      <p:sp>
+        <p:nvSpPr>
+          <p:cNvPr id="8" name="Content Placeholder 2"/>
+          <p:cNvSpPr txBox="1">
+            <a:spLocks/>
+          </p:cNvSpPr>
+          <p:nvPr/>
+        </p:nvSpPr>
+        <p:spPr>
+          <a:xfrm>
+            <a:off x="1945991" y="1371743"/>
+            <a:ext cx="4691087" cy="3124201"/>
+          </a:xfrm>
+          <a:prstGeom prst="rect">
+            <a:avLst/>
+          </a:prstGeom>
+        </p:spPr>
+        <p:txBody>
+          <a:bodyPr vert="horz" lIns="91440" tIns="45720" rIns="91440" bIns="45720" rtlCol="0" anchor="ctr">
+            <a:normAutofit/>
+          </a:bodyPr>
+          <a:lstStyle>
+            <a:lvl1pPr marL="285750" indent="-285750" algn="l" defTabSz="457200" rtl="0" eaLnBrk="1" latinLnBrk="0" hangingPunct="1">
+              <a:spcBef>
+                <a:spcPct val="20000"/>
+              </a:spcBef>
               <a:spcAft>
                 <a:spcPts val="600"/>
               </a:spcAft>
-            </a:pPr>
-            <a:r>
-              <a:rPr lang="en-US" sz="2800" dirty="0" smtClean="0"/>
-              <a:t>Time Constraint</a:t>
-            </a:r>
-          </a:p>
-          <a:p>
-            <a:pPr lvl="1"/>
-            <a:r>
-              <a:rPr lang="en-US" sz="2400" dirty="0"/>
-              <a:t>F</a:t>
-            </a:r>
-            <a:r>
-              <a:rPr lang="en-US" sz="2400" dirty="0" smtClean="0"/>
-              <a:t>ocused </a:t>
-            </a:r>
-            <a:r>
-              <a:rPr lang="en-US" sz="2400" dirty="0"/>
-              <a:t>to particular cluster of mobile gamers within students from IUB</a:t>
-            </a:r>
-            <a:r>
-              <a:rPr lang="en-US" sz="2400" dirty="0" smtClean="0"/>
-              <a:t>.</a:t>
-            </a:r>
-          </a:p>
-          <a:p>
-            <a:pPr>
+              <a:buClr>
+                <a:schemeClr val="accent1">
+                  <a:lumMod val="75000"/>
+                </a:schemeClr>
+              </a:buClr>
+              <a:buSzPct val="145000"/>
+              <a:buFont typeface="Arial"/>
+              <a:buChar char="•"/>
+              <a:defRPr sz="2400" kern="1200" cap="none">
+                <a:solidFill>
+                  <a:schemeClr val="tx1"/>
+                </a:solidFill>
+                <a:effectLst/>
+                <a:latin typeface="+mn-lt"/>
+                <a:ea typeface="+mn-ea"/>
+                <a:cs typeface="+mn-cs"/>
+              </a:defRPr>
+            </a:lvl1pPr>
+            <a:lvl2pPr marL="742950" indent="-285750" algn="l" defTabSz="457200" rtl="0" eaLnBrk="1" latinLnBrk="0" hangingPunct="1">
+              <a:spcBef>
+                <a:spcPct val="20000"/>
+              </a:spcBef>
               <a:spcAft>
                 <a:spcPts val="600"/>
               </a:spcAft>
-            </a:pPr>
-            <a:r>
-              <a:rPr lang="en-US" sz="2800" dirty="0" smtClean="0"/>
-              <a:t>Data collection and user availability</a:t>
-            </a:r>
-          </a:p>
-          <a:p>
-            <a:pPr lvl="1"/>
-            <a:r>
-              <a:rPr lang="en-US" sz="2400" dirty="0" smtClean="0"/>
-              <a:t>Identify </a:t>
-            </a:r>
-            <a:r>
-              <a:rPr lang="en-US" sz="2400" dirty="0"/>
-              <a:t>potential set of gamers </a:t>
-            </a:r>
-            <a:r>
-              <a:rPr lang="en-US" sz="2400" dirty="0" smtClean="0"/>
-              <a:t>to </a:t>
-            </a:r>
-            <a:r>
-              <a:rPr lang="en-US" sz="2400" dirty="0"/>
-              <a:t>play these games for the purpose of our study.</a:t>
-            </a:r>
-            <a:endParaRPr lang="en-US" sz="2400" dirty="0" smtClean="0"/>
-          </a:p>
-          <a:p>
-            <a:pPr>
+              <a:buClr>
+                <a:schemeClr val="accent1">
+                  <a:lumMod val="75000"/>
+                </a:schemeClr>
+              </a:buClr>
+              <a:buSzPct val="145000"/>
+              <a:buFont typeface="Arial"/>
+              <a:buChar char="•"/>
+              <a:defRPr sz="2000" kern="1200" cap="none">
+                <a:solidFill>
+                  <a:schemeClr val="tx1"/>
+                </a:solidFill>
+                <a:effectLst/>
+                <a:latin typeface="+mn-lt"/>
+                <a:ea typeface="+mn-ea"/>
+                <a:cs typeface="+mn-cs"/>
+              </a:defRPr>
+            </a:lvl2pPr>
+            <a:lvl3pPr marL="1200150" indent="-285750" algn="l" defTabSz="457200" rtl="0" eaLnBrk="1" latinLnBrk="0" hangingPunct="1">
+              <a:spcBef>
+                <a:spcPct val="20000"/>
+              </a:spcBef>
               <a:spcAft>
                 <a:spcPts val="600"/>
               </a:spcAft>
-            </a:pPr>
-            <a:r>
-              <a:rPr lang="en-US" sz="2800" dirty="0" smtClean="0"/>
-              <a:t>Data Isolation</a:t>
-            </a:r>
-          </a:p>
-          <a:p>
-            <a:pPr lvl="1"/>
-            <a:r>
-              <a:rPr lang="en-US" sz="2400" dirty="0"/>
-              <a:t>Allot </a:t>
-            </a:r>
-            <a:r>
-              <a:rPr lang="en-US" sz="2400" dirty="0" smtClean="0"/>
-              <a:t>timeslots for tests with only game running on device</a:t>
-            </a:r>
-          </a:p>
-          <a:p>
-            <a:pPr lvl="1"/>
-            <a:r>
-              <a:rPr lang="en-US" sz="2400" dirty="0" smtClean="0"/>
-              <a:t>Collect </a:t>
-            </a:r>
-            <a:r>
-              <a:rPr lang="en-US" sz="2400" dirty="0"/>
-              <a:t>two sets of data with and without gameplay and take the difference of the two sets</a:t>
-            </a:r>
-            <a:endParaRPr lang="en-US" sz="2400" dirty="0" smtClean="0"/>
-          </a:p>
-          <a:p>
-            <a:pPr>
+              <a:buClr>
+                <a:schemeClr val="accent1">
+                  <a:lumMod val="75000"/>
+                </a:schemeClr>
+              </a:buClr>
+              <a:buSzPct val="145000"/>
+              <a:buFont typeface="Arial"/>
+              <a:buChar char="•"/>
+              <a:defRPr sz="1800" kern="1200" cap="none">
+                <a:solidFill>
+                  <a:schemeClr val="tx1"/>
+                </a:solidFill>
+                <a:effectLst/>
+                <a:latin typeface="+mn-lt"/>
+                <a:ea typeface="+mn-ea"/>
+                <a:cs typeface="+mn-cs"/>
+              </a:defRPr>
+            </a:lvl3pPr>
+            <a:lvl4pPr marL="1543050" indent="-171450" algn="l" defTabSz="457200" rtl="0" eaLnBrk="1" latinLnBrk="0" hangingPunct="1">
+              <a:spcBef>
+                <a:spcPct val="20000"/>
+              </a:spcBef>
               <a:spcAft>
                 <a:spcPts val="600"/>
               </a:spcAft>
-            </a:pPr>
-            <a:r>
-              <a:rPr lang="en-US" sz="2800" dirty="0" smtClean="0"/>
-              <a:t>High bandwidth data usage collection</a:t>
-            </a:r>
-          </a:p>
-          <a:p>
-            <a:pPr lvl="1"/>
-            <a:r>
-              <a:rPr lang="en-US" sz="2400" dirty="0"/>
-              <a:t>A</a:t>
-            </a:r>
-            <a:r>
-              <a:rPr lang="en-US" sz="2400" dirty="0" smtClean="0"/>
-              <a:t>cquire </a:t>
-            </a:r>
-            <a:r>
-              <a:rPr lang="en-US" sz="2400" dirty="0"/>
-              <a:t>a SIM with unlimited data plan for the study </a:t>
-            </a:r>
-            <a:r>
-              <a:rPr lang="en-US" sz="2400" dirty="0" smtClean="0"/>
-              <a:t>and execute </a:t>
-            </a:r>
-            <a:r>
-              <a:rPr lang="en-US" sz="2400" dirty="0"/>
-              <a:t>multiple runs of games on phones using the SIM.</a:t>
-            </a:r>
-            <a:endParaRPr lang="en-US" sz="2400" dirty="0" smtClean="0"/>
-          </a:p>
-          <a:p>
-            <a:pPr lvl="1">
+              <a:buClr>
+                <a:schemeClr val="accent1">
+                  <a:lumMod val="75000"/>
+                </a:schemeClr>
+              </a:buClr>
+              <a:buSzPct val="145000"/>
+              <a:buFont typeface="Arial"/>
+              <a:buChar char="•"/>
+              <a:defRPr sz="1600" kern="1200" cap="none">
+                <a:solidFill>
+                  <a:schemeClr val="tx1"/>
+                </a:solidFill>
+                <a:effectLst/>
+                <a:latin typeface="+mn-lt"/>
+                <a:ea typeface="+mn-ea"/>
+                <a:cs typeface="+mn-cs"/>
+              </a:defRPr>
+            </a:lvl4pPr>
+            <a:lvl5pPr marL="2000250" indent="-171450" algn="l" defTabSz="457200" rtl="0" eaLnBrk="1" latinLnBrk="0" hangingPunct="1">
+              <a:spcBef>
+                <a:spcPct val="20000"/>
+              </a:spcBef>
               <a:spcAft>
                 <a:spcPts val="600"/>
               </a:spcAft>
-            </a:pPr>
-            <a:endParaRPr lang="en-US" sz="2400" dirty="0" smtClean="0"/>
+              <a:buClr>
+                <a:schemeClr val="accent1">
+                  <a:lumMod val="75000"/>
+                </a:schemeClr>
+              </a:buClr>
+              <a:buSzPct val="145000"/>
+              <a:buFont typeface="Arial"/>
+              <a:buChar char="•"/>
+              <a:defRPr sz="1400" kern="1200" cap="none">
+                <a:solidFill>
+                  <a:schemeClr val="tx1"/>
+                </a:solidFill>
+                <a:effectLst/>
+                <a:latin typeface="+mn-lt"/>
+                <a:ea typeface="+mn-ea"/>
+                <a:cs typeface="+mn-cs"/>
+              </a:defRPr>
+            </a:lvl5pPr>
+            <a:lvl6pPr marL="2514600" indent="-228600" algn="l" defTabSz="457200" rtl="0" eaLnBrk="1" latinLnBrk="0" hangingPunct="1">
+              <a:spcBef>
+                <a:spcPct val="20000"/>
+              </a:spcBef>
+              <a:spcAft>
+                <a:spcPts val="600"/>
+              </a:spcAft>
+              <a:buClr>
+                <a:schemeClr val="accent1">
+                  <a:lumMod val="75000"/>
+                </a:schemeClr>
+              </a:buClr>
+              <a:buSzPct val="145000"/>
+              <a:buFont typeface="Arial"/>
+              <a:buChar char="•"/>
+              <a:defRPr sz="1400" kern="1200" cap="none">
+                <a:solidFill>
+                  <a:schemeClr val="tx1"/>
+                </a:solidFill>
+                <a:effectLst/>
+                <a:latin typeface="+mn-lt"/>
+                <a:ea typeface="+mn-ea"/>
+                <a:cs typeface="+mn-cs"/>
+              </a:defRPr>
+            </a:lvl6pPr>
+            <a:lvl7pPr marL="2971800" indent="-228600" algn="l" defTabSz="457200" rtl="0" eaLnBrk="1" latinLnBrk="0" hangingPunct="1">
+              <a:spcBef>
+                <a:spcPct val="20000"/>
+              </a:spcBef>
+              <a:spcAft>
+                <a:spcPts val="600"/>
+              </a:spcAft>
+              <a:buClr>
+                <a:schemeClr val="accent1">
+                  <a:lumMod val="75000"/>
+                </a:schemeClr>
+              </a:buClr>
+              <a:buSzPct val="145000"/>
+              <a:buFont typeface="Arial"/>
+              <a:buChar char="•"/>
+              <a:defRPr sz="1400" kern="1200" cap="none">
+                <a:solidFill>
+                  <a:schemeClr val="tx1"/>
+                </a:solidFill>
+                <a:effectLst/>
+                <a:latin typeface="+mn-lt"/>
+                <a:ea typeface="+mn-ea"/>
+                <a:cs typeface="+mn-cs"/>
+              </a:defRPr>
+            </a:lvl7pPr>
+            <a:lvl8pPr marL="3429000" indent="-228600" algn="l" defTabSz="457200" rtl="0" eaLnBrk="1" latinLnBrk="0" hangingPunct="1">
+              <a:spcBef>
+                <a:spcPct val="20000"/>
+              </a:spcBef>
+              <a:spcAft>
+                <a:spcPts val="600"/>
+              </a:spcAft>
+              <a:buClr>
+                <a:schemeClr val="accent1">
+                  <a:lumMod val="75000"/>
+                </a:schemeClr>
+              </a:buClr>
+              <a:buSzPct val="145000"/>
+              <a:buFont typeface="Arial"/>
+              <a:buChar char="•"/>
+              <a:defRPr sz="1400" kern="1200" cap="none">
+                <a:solidFill>
+                  <a:schemeClr val="tx1"/>
+                </a:solidFill>
+                <a:effectLst/>
+                <a:latin typeface="+mn-lt"/>
+                <a:ea typeface="+mn-ea"/>
+                <a:cs typeface="+mn-cs"/>
+              </a:defRPr>
+            </a:lvl8pPr>
+            <a:lvl9pPr marL="3886200" indent="-228600" algn="l" defTabSz="457200" rtl="0" eaLnBrk="1" latinLnBrk="0" hangingPunct="1">
+              <a:spcBef>
+                <a:spcPct val="20000"/>
+              </a:spcBef>
+              <a:spcAft>
+                <a:spcPts val="600"/>
+              </a:spcAft>
+              <a:buClr>
+                <a:schemeClr val="accent1">
+                  <a:lumMod val="75000"/>
+                </a:schemeClr>
+              </a:buClr>
+              <a:buSzPct val="145000"/>
+              <a:buFont typeface="Arial"/>
+              <a:buChar char="•"/>
+              <a:defRPr sz="1400" kern="1200" cap="none">
+                <a:solidFill>
+                  <a:schemeClr val="tx1"/>
+                </a:solidFill>
+                <a:effectLst/>
+                <a:latin typeface="+mn-lt"/>
+                <a:ea typeface="+mn-ea"/>
+                <a:cs typeface="+mn-cs"/>
+              </a:defRPr>
+            </a:lvl9pPr>
+          </a:lstStyle>
+          <a:p>
+            <a:r>
+              <a:rPr lang="en-US" dirty="0" err="1"/>
+              <a:t>Wakelocks</a:t>
+            </a:r>
+            <a:r>
+              <a:rPr lang="en-US" dirty="0"/>
+              <a:t> should not be misused. </a:t>
+            </a:r>
+            <a:endParaRPr lang="en-US" dirty="0" smtClean="0"/>
+          </a:p>
+          <a:p>
+            <a:r>
+              <a:rPr lang="en-US" dirty="0" smtClean="0"/>
+              <a:t>If there is no </a:t>
+            </a:r>
+            <a:r>
+              <a:rPr lang="en-US" dirty="0"/>
+              <a:t>user interaction </a:t>
+            </a:r>
+            <a:r>
+              <a:rPr lang="en-US" dirty="0" smtClean="0"/>
+              <a:t>turn off screen</a:t>
+            </a:r>
           </a:p>
         </p:txBody>
       </p:sp>
+      <p:pic>
+        <p:nvPicPr>
+          <p:cNvPr id="9" name="Picture 4" descr="http://showreely.com/media/uploads/adminfiles/production_icon.png"/>
+          <p:cNvPicPr>
+            <a:picLocks noChangeAspect="1" noChangeArrowheads="1"/>
+          </p:cNvPicPr>
+          <p:nvPr/>
+        </p:nvPicPr>
+        <p:blipFill>
+          <a:blip r:embed="rId4">
+            <a:extLst>
+              <a:ext uri="{28A0092B-C50C-407E-A947-70E740481C1C}">
+                <a14:useLocalDpi xmlns:a14="http://schemas.microsoft.com/office/drawing/2010/main" val="0"/>
+              </a:ext>
+            </a:extLst>
+          </a:blip>
+          <a:srcRect/>
+          <a:stretch>
+            <a:fillRect/>
+          </a:stretch>
+        </p:blipFill>
+        <p:spPr bwMode="auto">
+          <a:xfrm>
+            <a:off x="11013270" y="5768042"/>
+            <a:ext cx="1221945" cy="1089958"/>
+          </a:xfrm>
+          <a:prstGeom prst="rect">
+            <a:avLst/>
+          </a:prstGeom>
+          <a:noFill/>
+          <a:extLst>
+            <a:ext uri="{909E8E84-426E-40DD-AFC4-6F175D3DCCD1}">
+              <a14:hiddenFill xmlns:a14="http://schemas.microsoft.com/office/drawing/2010/main">
+                <a:solidFill>
+                  <a:srgbClr val="FFFFFF"/>
+                </a:solidFill>
+              </a14:hiddenFill>
+            </a:ext>
+          </a:extLst>
+        </p:spPr>
+      </p:pic>
     </p:spTree>
     <p:extLst>
       <p:ext uri="{BB962C8B-B14F-4D97-AF65-F5344CB8AC3E}">
-        <p14:creationId xmlns:p14="http://schemas.microsoft.com/office/powerpoint/2010/main" val="2974609504"/>
+        <p14:creationId xmlns:p14="http://schemas.microsoft.com/office/powerpoint/2010/main" val="2705422503"/>
       </p:ext>
     </p:extLst>
   </p:cSld>
   <p:clrMapOvr>
     <a:masterClrMapping/>
   </p:clrMapOvr>
-  <mc:AlternateContent xmlns:mc="http://schemas.openxmlformats.org/markup-compatibility/2006">
-    <mc:Choice xmlns:p14="http://schemas.microsoft.com/office/powerpoint/2010/main" Requires="p14">
-      <p:transition spd="slow" p14:dur="2000"/>
-    </mc:Choice>
-    <mc:Fallback>
-      <p:transition spd="slow"/>
-    </mc:Fallback>
-  </mc:AlternateContent>
   <p:timing>
     <p:tnLst>
       <p:par>
@@ -11963,14 +15482,21 @@
             <p:ph type="title"/>
           </p:nvPr>
         </p:nvSpPr>
-        <p:spPr/>
+        <p:spPr>
+          <a:xfrm>
+            <a:off x="1807039" y="48293"/>
+            <a:ext cx="10018713" cy="989296"/>
+          </a:xfrm>
+        </p:spPr>
         <p:txBody>
-          <a:bodyPr/>
+          <a:bodyPr>
+            <a:normAutofit/>
+          </a:bodyPr>
           <a:lstStyle/>
           <a:p>
             <a:r>
               <a:rPr lang="en-US" dirty="0" smtClean="0"/>
-              <a:t>Future Work</a:t>
+              <a:t>Challenges Faced</a:t>
             </a:r>
             <a:endParaRPr lang="en-US" dirty="0"/>
           </a:p>
@@ -11988,61 +15514,179 @@
         </p:nvSpPr>
         <p:spPr>
           <a:xfrm>
-            <a:off x="2573517" y="1627096"/>
-            <a:ext cx="7484883" cy="4424083"/>
+            <a:off x="2214240" y="1082345"/>
+            <a:ext cx="9966355" cy="5700597"/>
           </a:xfrm>
         </p:spPr>
         <p:txBody>
-          <a:bodyPr/>
+          <a:bodyPr>
+            <a:noAutofit/>
+          </a:bodyPr>
           <a:lstStyle/>
           <a:p>
+            <a:pPr lvl="0"/>
+            <a:r>
+              <a:rPr lang="en-US" dirty="0"/>
+              <a:t>ARO </a:t>
+            </a:r>
             <a:r>
               <a:rPr lang="en-US" dirty="0" smtClean="0"/>
-              <a:t>Code Analysis</a:t>
-            </a:r>
-          </a:p>
-          <a:p>
+              <a:t>test error</a:t>
+            </a:r>
+          </a:p>
+          <a:p>
+            <a:pPr lvl="1"/>
             <a:r>
               <a:rPr lang="en-US" dirty="0" smtClean="0"/>
-              <a:t>Other types of games</a:t>
-            </a:r>
-          </a:p>
-          <a:p>
+              <a:t>No impact</a:t>
+            </a:r>
+            <a:endParaRPr lang="en-US" dirty="0"/>
+          </a:p>
+          <a:p>
+            <a:pPr lvl="0"/>
+            <a:r>
+              <a:rPr lang="en-US" dirty="0"/>
+              <a:t>PCAP file analysis giving </a:t>
+            </a:r>
             <a:r>
               <a:rPr lang="en-US" dirty="0" smtClean="0"/>
-              <a:t>Code Offloading</a:t>
-            </a:r>
-          </a:p>
-          <a:p>
+              <a:t>error</a:t>
+            </a:r>
+          </a:p>
+          <a:p>
+            <a:pPr lvl="1"/>
             <a:r>
               <a:rPr lang="en-US" dirty="0" smtClean="0"/>
-              <a:t>iOS Devices</a:t>
-            </a:r>
-          </a:p>
-          <a:p>
+              <a:t>Wireshark</a:t>
+            </a:r>
+            <a:endParaRPr lang="en-US" dirty="0"/>
+          </a:p>
+          <a:p>
+            <a:pPr lvl="0"/>
+            <a:r>
+              <a:rPr lang="en-US" dirty="0"/>
+              <a:t>ADB and drivers </a:t>
+            </a:r>
             <a:r>
               <a:rPr lang="en-US" dirty="0" smtClean="0"/>
-              <a:t>Recommendation Implementation</a:t>
-            </a:r>
-          </a:p>
-          <a:p>
+              <a:t>issue</a:t>
+            </a:r>
+          </a:p>
+          <a:p>
+            <a:pPr lvl="1"/>
             <a:r>
               <a:rPr lang="en-US" dirty="0" smtClean="0"/>
-              <a:t>Study Other Resources</a:t>
-            </a:r>
+              <a:t>Phone restart</a:t>
+            </a:r>
+          </a:p>
+          <a:p>
+            <a:pPr lvl="1"/>
+            <a:r>
+              <a:rPr lang="en-US" dirty="0" smtClean="0"/>
+              <a:t>No issue on rooted phone</a:t>
+            </a:r>
+            <a:endParaRPr lang="en-US" dirty="0"/>
+          </a:p>
+          <a:p>
+            <a:pPr lvl="0"/>
+            <a:r>
+              <a:rPr lang="en-US" dirty="0"/>
+              <a:t>Game data </a:t>
+            </a:r>
+            <a:r>
+              <a:rPr lang="en-US" dirty="0" smtClean="0"/>
+              <a:t>isolation</a:t>
+            </a:r>
+          </a:p>
+          <a:p>
+            <a:pPr lvl="1"/>
+            <a:r>
+              <a:rPr lang="en-US" dirty="0" smtClean="0"/>
+              <a:t>IP addresses from trace</a:t>
+            </a:r>
+            <a:endParaRPr lang="en-US" dirty="0"/>
+          </a:p>
+          <a:p>
+            <a:pPr lvl="0"/>
+            <a:r>
+              <a:rPr lang="en-US" dirty="0"/>
+              <a:t>Unavailability of a </a:t>
+            </a:r>
+            <a:r>
+              <a:rPr lang="en-US" dirty="0" smtClean="0"/>
+              <a:t>good sensor tool</a:t>
+            </a:r>
+            <a:endParaRPr lang="en-US" dirty="0"/>
+          </a:p>
+          <a:p>
+            <a:pPr lvl="1"/>
+            <a:r>
+              <a:rPr lang="en-US" dirty="0" err="1" smtClean="0"/>
+              <a:t>Usemon</a:t>
+            </a:r>
+            <a:endParaRPr lang="en-US" dirty="0"/>
           </a:p>
         </p:txBody>
       </p:sp>
+      <p:pic>
+        <p:nvPicPr>
+          <p:cNvPr id="4" name="Picture 4" descr="http://showreely.com/media/uploads/adminfiles/production_icon.png"/>
+          <p:cNvPicPr>
+            <a:picLocks noChangeAspect="1" noChangeArrowheads="1"/>
+          </p:cNvPicPr>
+          <p:nvPr/>
+        </p:nvPicPr>
+        <p:blipFill>
+          <a:blip r:embed="rId2">
+            <a:extLst>
+              <a:ext uri="{28A0092B-C50C-407E-A947-70E740481C1C}">
+                <a14:useLocalDpi xmlns:a14="http://schemas.microsoft.com/office/drawing/2010/main" val="0"/>
+              </a:ext>
+            </a:extLst>
+          </a:blip>
+          <a:srcRect/>
+          <a:stretch>
+            <a:fillRect/>
+          </a:stretch>
+        </p:blipFill>
+        <p:spPr bwMode="auto">
+          <a:xfrm>
+            <a:off x="11013270" y="5768042"/>
+            <a:ext cx="1221945" cy="1089958"/>
+          </a:xfrm>
+          <a:prstGeom prst="rect">
+            <a:avLst/>
+          </a:prstGeom>
+          <a:noFill/>
+          <a:extLst>
+            <a:ext uri="{909E8E84-426E-40DD-AFC4-6F175D3DCCD1}">
+              <a14:hiddenFill xmlns:a14="http://schemas.microsoft.com/office/drawing/2010/main">
+                <a:solidFill>
+                  <a:srgbClr val="FFFFFF"/>
+                </a:solidFill>
+              </a14:hiddenFill>
+            </a:ext>
+          </a:extLst>
+        </p:spPr>
+      </p:pic>
     </p:spTree>
     <p:extLst>
       <p:ext uri="{BB962C8B-B14F-4D97-AF65-F5344CB8AC3E}">
-        <p14:creationId xmlns:p14="http://schemas.microsoft.com/office/powerpoint/2010/main" val="1988144633"/>
+        <p14:creationId xmlns:p14="http://schemas.microsoft.com/office/powerpoint/2010/main" val="2974609504"/>
       </p:ext>
     </p:extLst>
   </p:cSld>
   <p:clrMapOvr>
     <a:masterClrMapping/>
   </p:clrMapOvr>
+  <mc:AlternateContent xmlns:mc="http://schemas.openxmlformats.org/markup-compatibility/2006" xmlns:p14="http://schemas.microsoft.com/office/powerpoint/2010/main">
+    <mc:Choice Requires="p14">
+      <p:transition spd="slow" p14:dur="2000"/>
+    </mc:Choice>
+    <mc:Fallback xmlns="">
+      <p:transition spd="slow"/>
+    </mc:Fallback>
+  </mc:AlternateContent>
   <p:timing>
     <p:tnLst>
       <p:par>
@@ -12080,14 +15724,19 @@
             <p:ph type="title"/>
           </p:nvPr>
         </p:nvSpPr>
-        <p:spPr/>
+        <p:spPr>
+          <a:xfrm>
+            <a:off x="1334184" y="-10240"/>
+            <a:ext cx="10018713" cy="1752599"/>
+          </a:xfrm>
+        </p:spPr>
         <p:txBody>
           <a:bodyPr/>
           <a:lstStyle/>
           <a:p>
             <a:r>
               <a:rPr lang="en-US" dirty="0" smtClean="0"/>
-              <a:t>Conclusion</a:t>
+              <a:t>Future Work</a:t>
             </a:r>
             <a:endParaRPr lang="en-US" dirty="0"/>
           </a:p>
@@ -12103,19 +15752,141 @@
             <p:ph idx="1"/>
           </p:nvPr>
         </p:nvSpPr>
-        <p:spPr/>
+        <p:spPr>
+          <a:xfrm>
+            <a:off x="2573517" y="1627096"/>
+            <a:ext cx="7484883" cy="4424083"/>
+          </a:xfrm>
+        </p:spPr>
         <p:txBody>
-          <a:bodyPr/>
+          <a:bodyPr>
+            <a:normAutofit/>
+          </a:bodyPr>
           <a:lstStyle/>
           <a:p>
-            <a:endParaRPr lang="en-US" dirty="0"/>
+            <a:r>
+              <a:rPr lang="en-US" sz="2800" dirty="0" smtClean="0"/>
+              <a:t>Game Code Analysis</a:t>
+            </a:r>
+          </a:p>
+          <a:p>
+            <a:r>
+              <a:rPr lang="en-US" sz="2800" dirty="0" smtClean="0"/>
+              <a:t>Other types of games</a:t>
+            </a:r>
+          </a:p>
+          <a:p>
+            <a:r>
+              <a:rPr lang="en-US" sz="2800" dirty="0" smtClean="0"/>
+              <a:t>Code Offloading</a:t>
+            </a:r>
+          </a:p>
+          <a:p>
+            <a:r>
+              <a:rPr lang="en-US" sz="2800" dirty="0" smtClean="0"/>
+              <a:t>iOS Devices</a:t>
+            </a:r>
+          </a:p>
+          <a:p>
+            <a:r>
+              <a:rPr lang="en-US" sz="2800" dirty="0" smtClean="0"/>
+              <a:t>Recommendation Implementation</a:t>
+            </a:r>
+          </a:p>
+          <a:p>
+            <a:r>
+              <a:rPr lang="en-US" sz="2800" dirty="0" smtClean="0"/>
+              <a:t>Study Other Resources</a:t>
+            </a:r>
           </a:p>
         </p:txBody>
       </p:sp>
+      <p:pic>
+        <p:nvPicPr>
+          <p:cNvPr id="4" name="Picture 4" descr="http://showreely.com/media/uploads/adminfiles/production_icon.png"/>
+          <p:cNvPicPr>
+            <a:picLocks noChangeAspect="1" noChangeArrowheads="1"/>
+          </p:cNvPicPr>
+          <p:nvPr/>
+        </p:nvPicPr>
+        <p:blipFill>
+          <a:blip r:embed="rId2">
+            <a:extLst>
+              <a:ext uri="{28A0092B-C50C-407E-A947-70E740481C1C}">
+                <a14:useLocalDpi xmlns:a14="http://schemas.microsoft.com/office/drawing/2010/main" val="0"/>
+              </a:ext>
+            </a:extLst>
+          </a:blip>
+          <a:srcRect/>
+          <a:stretch>
+            <a:fillRect/>
+          </a:stretch>
+        </p:blipFill>
+        <p:spPr bwMode="auto">
+          <a:xfrm>
+            <a:off x="11013270" y="5768042"/>
+            <a:ext cx="1221945" cy="1089958"/>
+          </a:xfrm>
+          <a:prstGeom prst="rect">
+            <a:avLst/>
+          </a:prstGeom>
+          <a:noFill/>
+          <a:extLst>
+            <a:ext uri="{909E8E84-426E-40DD-AFC4-6F175D3DCCD1}">
+              <a14:hiddenFill xmlns:a14="http://schemas.microsoft.com/office/drawing/2010/main">
+                <a:solidFill>
+                  <a:srgbClr val="FFFFFF"/>
+                </a:solidFill>
+              </a14:hiddenFill>
+            </a:ext>
+          </a:extLst>
+        </p:spPr>
+      </p:pic>
+      <p:pic>
+        <p:nvPicPr>
+          <p:cNvPr id="10242" name="Picture 2" descr="http://www.vrsfoto.com/wp-content/uploads/2014/08/team1.png"/>
+          <p:cNvPicPr>
+            <a:picLocks noChangeAspect="1" noChangeArrowheads="1"/>
+          </p:cNvPicPr>
+          <p:nvPr/>
+        </p:nvPicPr>
+        <p:blipFill>
+          <a:blip r:embed="rId3">
+            <a:extLst>
+              <a:ext uri="{28A0092B-C50C-407E-A947-70E740481C1C}">
+                <a14:useLocalDpi xmlns:a14="http://schemas.microsoft.com/office/drawing/2010/main" val="0"/>
+              </a:ext>
+            </a:extLst>
+          </a:blip>
+          <a:srcRect/>
+          <a:stretch>
+            <a:fillRect/>
+          </a:stretch>
+        </p:blipFill>
+        <p:spPr bwMode="auto">
+          <a:xfrm>
+            <a:off x="8587166" y="-127664"/>
+            <a:ext cx="2942467" cy="2942467"/>
+          </a:xfrm>
+          <a:prstGeom prst="rect">
+            <a:avLst/>
+          </a:prstGeom>
+          <a:noFill/>
+          <a:extLst>
+            <a:ext uri="{909E8E84-426E-40DD-AFC4-6F175D3DCCD1}">
+              <a14:hiddenFill xmlns:a14="http://schemas.microsoft.com/office/drawing/2010/main">
+                <a:solidFill>
+                  <a:srgbClr val="FFFFFF"/>
+                </a:solidFill>
+              </a14:hiddenFill>
+            </a:ext>
+          </a:extLst>
+        </p:spPr>
+      </p:pic>
     </p:spTree>
     <p:extLst>
       <p:ext uri="{BB962C8B-B14F-4D97-AF65-F5344CB8AC3E}">
-        <p14:creationId xmlns:p14="http://schemas.microsoft.com/office/powerpoint/2010/main" val="1808932240"/>
+        <p14:creationId xmlns:p14="http://schemas.microsoft.com/office/powerpoint/2010/main" val="1988144633"/>
       </p:ext>
     </p:extLst>
   </p:cSld>
@@ -12161,8 +15932,8 @@
         </p:nvSpPr>
         <p:spPr>
           <a:xfrm>
-            <a:off x="1121242" y="50645"/>
-            <a:ext cx="10018713" cy="817600"/>
+            <a:off x="1538903" y="3411"/>
+            <a:ext cx="10018713" cy="1752599"/>
           </a:xfrm>
         </p:spPr>
         <p:txBody>
@@ -12171,7 +15942,7 @@
           <a:p>
             <a:r>
               <a:rPr lang="en-US" dirty="0" smtClean="0"/>
-              <a:t>Timeline</a:t>
+              <a:t>Recommendations</a:t>
             </a:r>
             <a:endParaRPr lang="en-US" dirty="0"/>
           </a:p>
@@ -12189,136 +15960,168 @@
         </p:nvSpPr>
         <p:spPr>
           <a:xfrm>
-            <a:off x="2401231" y="1216389"/>
-            <a:ext cx="7900525" cy="4520945"/>
+            <a:off x="2453306" y="736978"/>
+            <a:ext cx="10018713" cy="5854890"/>
           </a:xfrm>
         </p:spPr>
         <p:txBody>
           <a:bodyPr>
-            <a:noAutofit/>
+            <a:normAutofit/>
           </a:bodyPr>
           <a:lstStyle/>
           <a:p>
-            <a:pPr>
-              <a:spcAft>
-                <a:spcPts val="600"/>
-              </a:spcAft>
-            </a:pPr>
             <a:r>
               <a:rPr lang="en-US" dirty="0" smtClean="0"/>
-              <a:t>Feb 13, 2015 – Feb 20, 2015: Design</a:t>
-            </a:r>
-          </a:p>
-          <a:p>
-            <a:pPr lvl="1">
-              <a:spcAft>
-                <a:spcPts val="600"/>
-              </a:spcAft>
-            </a:pPr>
+              <a:t>Multiple connection bursts should be grouped together</a:t>
+            </a:r>
+          </a:p>
+          <a:p>
             <a:r>
               <a:rPr lang="en-US" dirty="0" smtClean="0"/>
-              <a:t>Identifying test subjects.</a:t>
-            </a:r>
-          </a:p>
-          <a:p>
-            <a:pPr lvl="1">
-              <a:spcAft>
-                <a:spcPts val="600"/>
-              </a:spcAft>
-            </a:pPr>
+              <a:t>TCP connections should be closed promptly after data transfer</a:t>
+            </a:r>
+          </a:p>
+          <a:p>
             <a:r>
               <a:rPr lang="en-US" dirty="0" smtClean="0"/>
-              <a:t>Initial Design, Tools and installations.</a:t>
-            </a:r>
-          </a:p>
-          <a:p>
-            <a:pPr lvl="1">
-              <a:spcAft>
-                <a:spcPts val="600"/>
-              </a:spcAft>
-            </a:pPr>
+              <a:t>Cache Control should be implemented properly</a:t>
+            </a:r>
+          </a:p>
+          <a:p>
             <a:r>
               <a:rPr lang="en-US" dirty="0" smtClean="0"/>
-              <a:t>Games finalization</a:t>
-            </a:r>
-          </a:p>
-          <a:p>
-            <a:pPr lvl="1">
-              <a:spcAft>
-                <a:spcPts val="600"/>
-              </a:spcAft>
-            </a:pPr>
+              <a:t>No requests to game server or ad server when in background</a:t>
+            </a:r>
+          </a:p>
+          <a:p>
+            <a:r>
+              <a:rPr lang="en-US" dirty="0" err="1" smtClean="0"/>
+              <a:t>Minification</a:t>
+            </a:r>
             <a:r>
               <a:rPr lang="en-US" dirty="0" smtClean="0"/>
-              <a:t>Hardware acquisition (SIM and phones if required)</a:t>
-            </a:r>
-          </a:p>
-          <a:p>
-            <a:pPr>
-              <a:spcAft>
-                <a:spcPts val="600"/>
-              </a:spcAft>
-            </a:pPr>
+              <a:t> of files</a:t>
+            </a:r>
+          </a:p>
+          <a:p>
             <a:r>
               <a:rPr lang="en-US" dirty="0" smtClean="0"/>
-              <a:t>Feb 21, 2015 – Mar 20, 2015: Implementation</a:t>
-            </a:r>
-          </a:p>
-          <a:p>
-            <a:pPr lvl="1">
-              <a:spcAft>
-                <a:spcPts val="600"/>
-              </a:spcAft>
-            </a:pPr>
+              <a:t>“</a:t>
+            </a:r>
+            <a:r>
+              <a:rPr lang="en-US" dirty="0" err="1" smtClean="0"/>
+              <a:t>display:none</a:t>
+            </a:r>
             <a:r>
               <a:rPr lang="en-US" dirty="0" smtClean="0"/>
-              <a:t>Data Collection Phase</a:t>
-            </a:r>
-          </a:p>
-          <a:p>
-            <a:pPr>
-              <a:spcAft>
-                <a:spcPts val="600"/>
-              </a:spcAft>
-            </a:pPr>
+              <a:t>;” - Remove not displayed content from page</a:t>
+            </a:r>
+          </a:p>
+          <a:p>
             <a:r>
               <a:rPr lang="en-US" dirty="0" smtClean="0"/>
-              <a:t>Mar 21, 2015 – Apr 10, 2015: Evaluation</a:t>
-            </a:r>
-          </a:p>
-          <a:p>
-            <a:pPr lvl="1">
-              <a:spcAft>
-                <a:spcPts val="600"/>
-              </a:spcAft>
-            </a:pPr>
+              <a:t>No requests to ad server when the game in progress</a:t>
+            </a:r>
+          </a:p>
+          <a:p>
+            <a:r>
+              <a:rPr lang="en-US" dirty="0" err="1" smtClean="0"/>
+              <a:t>Wakelock</a:t>
+            </a:r>
             <a:r>
               <a:rPr lang="en-US" dirty="0" smtClean="0"/>
-              <a:t>Data Analysis and Recommendation</a:t>
-            </a:r>
-          </a:p>
-          <a:p>
-            <a:pPr>
-              <a:spcAft>
-                <a:spcPts val="600"/>
-              </a:spcAft>
-            </a:pPr>
-            <a:r>
-              <a:rPr lang="en-US" dirty="0"/>
-              <a:t>Apr 11, 2015 – Apr 30, 2015: Project </a:t>
-            </a:r>
-            <a:r>
-              <a:rPr lang="en-US" dirty="0" smtClean="0"/>
-              <a:t>Report</a:t>
+              <a:t> should not be misused</a:t>
             </a:r>
             <a:endParaRPr lang="en-US" dirty="0"/>
           </a:p>
         </p:txBody>
       </p:sp>
+      <p:pic>
+        <p:nvPicPr>
+          <p:cNvPr id="6146" name="Picture 2" descr="https://www.lantanacloud.com/wp-content/uploads/2012/Icons/recommendation.png"/>
+          <p:cNvPicPr>
+            <a:picLocks noChangeAspect="1" noChangeArrowheads="1"/>
+          </p:cNvPicPr>
+          <p:nvPr/>
+        </p:nvPicPr>
+        <p:blipFill>
+          <a:blip r:embed="rId2" cstate="print">
+            <a:extLst>
+              <a:ext uri="{28A0092B-C50C-407E-A947-70E740481C1C}">
+                <a14:useLocalDpi xmlns:a14="http://schemas.microsoft.com/office/drawing/2010/main" val="0"/>
+              </a:ext>
+            </a:extLst>
+          </a:blip>
+          <a:srcRect/>
+          <a:stretch>
+            <a:fillRect/>
+          </a:stretch>
+        </p:blipFill>
+        <p:spPr bwMode="auto">
+          <a:xfrm>
+            <a:off x="9870841" y="177420"/>
+            <a:ext cx="1858610" cy="1685140"/>
+          </a:xfrm>
+          <a:prstGeom prst="rect">
+            <a:avLst/>
+          </a:prstGeom>
+          <a:noFill/>
+          <a:extLst>
+            <a:ext uri="{909E8E84-426E-40DD-AFC4-6F175D3DCCD1}">
+              <a14:hiddenFill xmlns:a14="http://schemas.microsoft.com/office/drawing/2010/main">
+                <a:solidFill>
+                  <a:srgbClr val="FFFFFF"/>
+                </a:solidFill>
+              </a14:hiddenFill>
+            </a:ext>
+          </a:extLst>
+        </p:spPr>
+      </p:pic>
+      <p:pic>
+        <p:nvPicPr>
+          <p:cNvPr id="5" name="Picture 4" descr="http://showreely.com/media/uploads/adminfiles/production_icon.png"/>
+          <p:cNvPicPr>
+            <a:picLocks noChangeAspect="1" noChangeArrowheads="1"/>
+          </p:cNvPicPr>
+          <p:nvPr/>
+        </p:nvPicPr>
+        <p:blipFill>
+          <a:blip r:embed="rId3">
+            <a:extLst>
+              <a:ext uri="{28A0092B-C50C-407E-A947-70E740481C1C}">
+                <a14:useLocalDpi xmlns:a14="http://schemas.microsoft.com/office/drawing/2010/main" val="0"/>
+              </a:ext>
+            </a:extLst>
+          </a:blip>
+          <a:srcRect/>
+          <a:stretch>
+            <a:fillRect/>
+          </a:stretch>
+        </p:blipFill>
+        <p:spPr bwMode="auto">
+          <a:xfrm>
+            <a:off x="11013270" y="5768042"/>
+            <a:ext cx="1221945" cy="1089958"/>
+          </a:xfrm>
+          <a:prstGeom prst="rect">
+            <a:avLst/>
+          </a:prstGeom>
+          <a:noFill/>
+          <a:extLst>
+            <a:ext uri="{909E8E84-426E-40DD-AFC4-6F175D3DCCD1}">
+              <a14:hiddenFill xmlns:a14="http://schemas.microsoft.com/office/drawing/2010/main">
+                <a:solidFill>
+                  <a:srgbClr val="FFFFFF"/>
+                </a:solidFill>
+              </a14:hiddenFill>
+            </a:ext>
+          </a:extLst>
+        </p:spPr>
+      </p:pic>
     </p:spTree>
     <p:extLst>
       <p:ext uri="{BB962C8B-B14F-4D97-AF65-F5344CB8AC3E}">
-        <p14:creationId xmlns:p14="http://schemas.microsoft.com/office/powerpoint/2010/main" val="2640226476"/>
+        <p14:creationId xmlns:p14="http://schemas.microsoft.com/office/powerpoint/2010/main" val="1808932240"/>
       </p:ext>
     </p:extLst>
   </p:cSld>
@@ -12336,7 +16139,7 @@
 </file>
 
 <file path=ppt/slides/slide28.xml><?xml version="1.0" encoding="utf-8"?>
-<p:sld xmlns:a="http://schemas.openxmlformats.org/drawingml/2006/main" xmlns:r="http://schemas.openxmlformats.org/officeDocument/2006/relationships" xmlns:p="http://schemas.openxmlformats.org/presentationml/2006/main" show="0">
+<p:sld xmlns:a="http://schemas.openxmlformats.org/drawingml/2006/main" xmlns:r="http://schemas.openxmlformats.org/officeDocument/2006/relationships" xmlns:p="http://schemas.openxmlformats.org/presentationml/2006/main">
   <p:cSld>
     <p:spTree>
       <p:nvGrpSpPr>
@@ -12364,7 +16167,7 @@
         </p:nvSpPr>
         <p:spPr>
           <a:xfrm>
-            <a:off x="1040560" y="-484089"/>
+            <a:off x="1013264" y="-402201"/>
             <a:ext cx="10018713" cy="1752599"/>
           </a:xfrm>
         </p:spPr>
@@ -12373,8 +16176,8 @@
           <a:lstStyle/>
           <a:p>
             <a:r>
-              <a:rPr lang="en-US" dirty="0" smtClean="0"/>
-              <a:t>End goal</a:t>
+              <a:rPr lang="en-US" smtClean="0"/>
+              <a:t>Conclusion</a:t>
             </a:r>
             <a:endParaRPr lang="en-US" dirty="0"/>
           </a:p>
@@ -12539,6 +16342,47 @@
           </a:effectLst>
         </p:spPr>
       </p:pic>
+      <p:pic>
+        <p:nvPicPr>
+          <p:cNvPr id="7" name="Picture 4" descr="http://showreely.com/media/uploads/adminfiles/production_icon.png"/>
+          <p:cNvPicPr>
+            <a:picLocks noChangeAspect="1" noChangeArrowheads="1"/>
+          </p:cNvPicPr>
+          <p:nvPr/>
+        </p:nvPicPr>
+        <p:blipFill>
+          <a:blip r:embed="rId4">
+            <a:extLst>
+              <a:ext uri="{28A0092B-C50C-407E-A947-70E740481C1C}">
+                <a14:useLocalDpi xmlns:a14="http://schemas.microsoft.com/office/drawing/2010/main" val="0"/>
+              </a:ext>
+            </a:extLst>
+          </a:blip>
+          <a:srcRect/>
+          <a:stretch>
+            <a:fillRect/>
+          </a:stretch>
+        </p:blipFill>
+        <p:spPr bwMode="auto">
+          <a:xfrm>
+            <a:off x="11013270" y="5768042"/>
+            <a:ext cx="1221945" cy="1089958"/>
+          </a:xfrm>
+          <a:prstGeom prst="rect">
+            <a:avLst/>
+          </a:prstGeom>
+          <a:noFill/>
+          <a:extLst>
+            <a:ext uri="{909E8E84-426E-40DD-AFC4-6F175D3DCCD1}">
+              <a14:hiddenFill xmlns:a14="http://schemas.microsoft.com/office/drawing/2010/main">
+                <a:solidFill>
+                  <a:srgbClr val="FFFFFF"/>
+                </a:solidFill>
+              </a14:hiddenFill>
+            </a:ext>
+          </a:extLst>
+        </p:spPr>
+      </p:pic>
     </p:spTree>
     <p:extLst>
       <p:ext uri="{BB962C8B-B14F-4D97-AF65-F5344CB8AC3E}">
@@ -12568,7 +16412,7 @@
 </file>
 
 <file path=ppt/slides/slide29.xml><?xml version="1.0" encoding="utf-8"?>
-<p:sld xmlns:a="http://schemas.openxmlformats.org/drawingml/2006/main" xmlns:r="http://schemas.openxmlformats.org/officeDocument/2006/relationships" xmlns:p="http://schemas.openxmlformats.org/presentationml/2006/main">
+<p:sld xmlns:a="http://schemas.openxmlformats.org/drawingml/2006/main" xmlns:r="http://schemas.openxmlformats.org/officeDocument/2006/relationships" xmlns:p="http://schemas.openxmlformats.org/presentationml/2006/main" show="0">
   <p:cSld>
     <p:spTree>
       <p:nvGrpSpPr>
@@ -12596,8 +16440,8 @@
         </p:nvSpPr>
         <p:spPr>
           <a:xfrm>
-            <a:off x="1484311" y="-134467"/>
-            <a:ext cx="10018713" cy="1752599"/>
+            <a:off x="1121242" y="50645"/>
+            <a:ext cx="10018713" cy="817600"/>
           </a:xfrm>
         </p:spPr>
         <p:txBody>
@@ -12606,7 +16450,7 @@
           <a:p>
             <a:r>
               <a:rPr lang="en-US" dirty="0" smtClean="0"/>
-              <a:t>Thank you</a:t>
+              <a:t>Timeline</a:t>
             </a:r>
             <a:endParaRPr lang="en-US" dirty="0"/>
           </a:p>
@@ -12624,8 +16468,8 @@
         </p:nvSpPr>
         <p:spPr>
           <a:xfrm>
-            <a:off x="1968402" y="1296464"/>
-            <a:ext cx="10018713" cy="734042"/>
+            <a:off x="2401231" y="1216389"/>
+            <a:ext cx="7900525" cy="4520945"/>
           </a:xfrm>
         </p:spPr>
         <p:txBody>
@@ -12634,16 +16478,133 @@
           </a:bodyPr>
           <a:lstStyle/>
           <a:p>
+            <a:pPr>
+              <a:spcAft>
+                <a:spcPts val="600"/>
+              </a:spcAft>
+            </a:pPr>
             <a:r>
               <a:rPr lang="en-US" dirty="0" smtClean="0"/>
-              <a:t>Questions</a:t>
-            </a:r>
+              <a:t>Feb 13, 2015 – Mar 8, 2015: Design</a:t>
+            </a:r>
+          </a:p>
+          <a:p>
+            <a:pPr lvl="1">
+              <a:spcAft>
+                <a:spcPts val="600"/>
+              </a:spcAft>
+            </a:pPr>
+            <a:r>
+              <a:rPr lang="en-US" dirty="0" smtClean="0"/>
+              <a:t>Identifying test subjects.</a:t>
+            </a:r>
+          </a:p>
+          <a:p>
+            <a:pPr lvl="1">
+              <a:spcAft>
+                <a:spcPts val="600"/>
+              </a:spcAft>
+            </a:pPr>
+            <a:r>
+              <a:rPr lang="en-US" dirty="0" smtClean="0"/>
+              <a:t>Initial Design, Tools and installations.</a:t>
+            </a:r>
+          </a:p>
+          <a:p>
+            <a:pPr lvl="1">
+              <a:spcAft>
+                <a:spcPts val="600"/>
+              </a:spcAft>
+            </a:pPr>
+            <a:r>
+              <a:rPr lang="en-US" dirty="0" smtClean="0"/>
+              <a:t>Games finalization</a:t>
+            </a:r>
+          </a:p>
+          <a:p>
+            <a:pPr lvl="1">
+              <a:spcAft>
+                <a:spcPts val="600"/>
+              </a:spcAft>
+            </a:pPr>
+            <a:r>
+              <a:rPr lang="en-US" dirty="0" smtClean="0"/>
+              <a:t>Hardware acquisition (SIM and phones if required)</a:t>
+            </a:r>
+          </a:p>
+          <a:p>
+            <a:pPr>
+              <a:spcAft>
+                <a:spcPts val="600"/>
+              </a:spcAft>
+            </a:pPr>
+            <a:r>
+              <a:rPr lang="en-US" dirty="0" smtClean="0"/>
+              <a:t>Mar 9, 2015 – Apr 16, 2015: Implementation</a:t>
+            </a:r>
+          </a:p>
+          <a:p>
+            <a:pPr lvl="1">
+              <a:spcAft>
+                <a:spcPts val="600"/>
+              </a:spcAft>
+            </a:pPr>
+            <a:r>
+              <a:rPr lang="en-US" dirty="0" smtClean="0"/>
+              <a:t>Data Collection Phase</a:t>
+            </a:r>
+          </a:p>
+          <a:p>
+            <a:pPr lvl="1">
+              <a:spcAft>
+                <a:spcPts val="600"/>
+              </a:spcAft>
+            </a:pPr>
+            <a:r>
+              <a:rPr lang="en-US" dirty="0" smtClean="0"/>
+              <a:t>Data Analysis</a:t>
+            </a:r>
+          </a:p>
+          <a:p>
+            <a:pPr lvl="1">
+              <a:spcAft>
+                <a:spcPts val="600"/>
+              </a:spcAft>
+            </a:pPr>
+            <a:r>
+              <a:rPr lang="en-US" dirty="0" smtClean="0"/>
+              <a:t>Recommendation</a:t>
+            </a:r>
+          </a:p>
+          <a:p>
+            <a:pPr>
+              <a:spcAft>
+                <a:spcPts val="600"/>
+              </a:spcAft>
+            </a:pPr>
+            <a:r>
+              <a:rPr lang="en-US" dirty="0"/>
+              <a:t>Apr </a:t>
+            </a:r>
+            <a:r>
+              <a:rPr lang="en-US" dirty="0" smtClean="0"/>
+              <a:t>17, </a:t>
+            </a:r>
+            <a:r>
+              <a:rPr lang="en-US" dirty="0"/>
+              <a:t>2015 – Apr 30, 2015: Project </a:t>
+            </a:r>
+            <a:r>
+              <a:rPr lang="en-US" dirty="0" smtClean="0"/>
+              <a:t>Report</a:t>
+            </a:r>
+            <a:endParaRPr lang="en-US" dirty="0"/>
           </a:p>
         </p:txBody>
       </p:sp>
       <p:pic>
         <p:nvPicPr>
-          <p:cNvPr id="2050" name="Picture 2" descr="http://www.androidrundown.com/wp-content/uploads/2010/08/confused_robot-300x300.png"/>
+          <p:cNvPr id="4" name="Picture 4" descr="http://showreely.com/media/uploads/adminfiles/production_icon.png"/>
           <p:cNvPicPr>
             <a:picLocks noChangeAspect="1" noChangeArrowheads="1"/>
           </p:cNvPicPr>
@@ -12664,8 +16625,8 @@
         </p:blipFill>
         <p:spPr bwMode="auto">
           <a:xfrm>
-            <a:off x="5064917" y="2541494"/>
-            <a:ext cx="2857500" cy="2857500"/>
+            <a:off x="11013270" y="5768042"/>
+            <a:ext cx="1221945" cy="1089958"/>
           </a:xfrm>
           <a:prstGeom prst="rect">
             <a:avLst/>
@@ -12685,13 +16646,21 @@
     </p:spTree>
     <p:extLst>
       <p:ext uri="{BB962C8B-B14F-4D97-AF65-F5344CB8AC3E}">
-        <p14:creationId xmlns:p14="http://schemas.microsoft.com/office/powerpoint/2010/main" val="2434440284"/>
+        <p14:creationId xmlns:p14="http://schemas.microsoft.com/office/powerpoint/2010/main" val="2640226476"/>
       </p:ext>
     </p:extLst>
   </p:cSld>
   <p:clrMapOvr>
     <a:masterClrMapping/>
   </p:clrMapOvr>
+  <mc:AlternateContent xmlns:mc="http://schemas.openxmlformats.org/markup-compatibility/2006" xmlns:p14="http://schemas.microsoft.com/office/powerpoint/2010/main">
+    <mc:Choice Requires="p14">
+      <p:transition spd="slow" p14:dur="2000"/>
+    </mc:Choice>
+    <mc:Fallback xmlns="">
+      <p:transition spd="slow"/>
+    </mc:Fallback>
+  </mc:AlternateContent>
   <p:timing>
     <p:tnLst>
       <p:par>
@@ -12791,10 +16760,227 @@
           </a:effectLst>
         </p:spPr>
       </p:pic>
+      <p:pic>
+        <p:nvPicPr>
+          <p:cNvPr id="5" name="Picture 4" descr="http://showreely.com/media/uploads/adminfiles/production_icon.png"/>
+          <p:cNvPicPr>
+            <a:picLocks noChangeAspect="1" noChangeArrowheads="1"/>
+          </p:cNvPicPr>
+          <p:nvPr/>
+        </p:nvPicPr>
+        <p:blipFill>
+          <a:blip r:embed="rId3">
+            <a:extLst>
+              <a:ext uri="{28A0092B-C50C-407E-A947-70E740481C1C}">
+                <a14:useLocalDpi xmlns:a14="http://schemas.microsoft.com/office/drawing/2010/main" val="0"/>
+              </a:ext>
+            </a:extLst>
+          </a:blip>
+          <a:srcRect/>
+          <a:stretch>
+            <a:fillRect/>
+          </a:stretch>
+        </p:blipFill>
+        <p:spPr bwMode="auto">
+          <a:xfrm>
+            <a:off x="11013270" y="5768042"/>
+            <a:ext cx="1221945" cy="1089958"/>
+          </a:xfrm>
+          <a:prstGeom prst="rect">
+            <a:avLst/>
+          </a:prstGeom>
+          <a:noFill/>
+          <a:extLst>
+            <a:ext uri="{909E8E84-426E-40DD-AFC4-6F175D3DCCD1}">
+              <a14:hiddenFill xmlns:a14="http://schemas.microsoft.com/office/drawing/2010/main">
+                <a:solidFill>
+                  <a:srgbClr val="FFFFFF"/>
+                </a:solidFill>
+              </a14:hiddenFill>
+            </a:ext>
+          </a:extLst>
+        </p:spPr>
+      </p:pic>
     </p:spTree>
     <p:extLst>
       <p:ext uri="{BB962C8B-B14F-4D97-AF65-F5344CB8AC3E}">
         <p14:creationId xmlns:p14="http://schemas.microsoft.com/office/powerpoint/2010/main" val="1219061384"/>
+      </p:ext>
+    </p:extLst>
+  </p:cSld>
+  <p:clrMapOvr>
+    <a:masterClrMapping/>
+  </p:clrMapOvr>
+  <p:timing>
+    <p:tnLst>
+      <p:par>
+        <p:cTn id="1" dur="indefinite" restart="never" nodeType="tmRoot"/>
+      </p:par>
+    </p:tnLst>
+  </p:timing>
+</p:sld>
+</file>
+
+<file path=ppt/slides/slide30.xml><?xml version="1.0" encoding="utf-8"?>
+<p:sld xmlns:a="http://schemas.openxmlformats.org/drawingml/2006/main" xmlns:r="http://schemas.openxmlformats.org/officeDocument/2006/relationships" xmlns:p="http://schemas.openxmlformats.org/presentationml/2006/main">
+  <p:cSld>
+    <p:spTree>
+      <p:nvGrpSpPr>
+        <p:cNvPr id="1" name=""/>
+        <p:cNvGrpSpPr/>
+        <p:nvPr/>
+      </p:nvGrpSpPr>
+      <p:grpSpPr>
+        <a:xfrm>
+          <a:off x="0" y="0"/>
+          <a:ext cx="0" cy="0"/>
+          <a:chOff x="0" y="0"/>
+          <a:chExt cx="0" cy="0"/>
+        </a:xfrm>
+      </p:grpSpPr>
+      <p:sp>
+        <p:nvSpPr>
+          <p:cNvPr id="2" name="Title 1"/>
+          <p:cNvSpPr>
+            <a:spLocks noGrp="1"/>
+          </p:cNvSpPr>
+          <p:nvPr>
+            <p:ph type="title"/>
+          </p:nvPr>
+        </p:nvSpPr>
+        <p:spPr>
+          <a:xfrm>
+            <a:off x="1484311" y="-134467"/>
+            <a:ext cx="10018713" cy="1752599"/>
+          </a:xfrm>
+        </p:spPr>
+        <p:txBody>
+          <a:bodyPr/>
+          <a:lstStyle/>
+          <a:p>
+            <a:r>
+              <a:rPr lang="en-US" dirty="0" smtClean="0"/>
+              <a:t>Thank you</a:t>
+            </a:r>
+            <a:endParaRPr lang="en-US" dirty="0"/>
+          </a:p>
+        </p:txBody>
+      </p:sp>
+      <p:sp>
+        <p:nvSpPr>
+          <p:cNvPr id="3" name="Content Placeholder 2"/>
+          <p:cNvSpPr>
+            <a:spLocks noGrp="1"/>
+          </p:cNvSpPr>
+          <p:nvPr>
+            <p:ph idx="1"/>
+          </p:nvPr>
+        </p:nvSpPr>
+        <p:spPr>
+          <a:xfrm>
+            <a:off x="1968402" y="1296464"/>
+            <a:ext cx="10018713" cy="734042"/>
+          </a:xfrm>
+        </p:spPr>
+        <p:txBody>
+          <a:bodyPr>
+            <a:noAutofit/>
+          </a:bodyPr>
+          <a:lstStyle/>
+          <a:p>
+            <a:r>
+              <a:rPr lang="en-US" dirty="0" smtClean="0"/>
+              <a:t>Questions</a:t>
+            </a:r>
+          </a:p>
+        </p:txBody>
+      </p:sp>
+      <p:pic>
+        <p:nvPicPr>
+          <p:cNvPr id="2050" name="Picture 2" descr="http://www.androidrundown.com/wp-content/uploads/2010/08/confused_robot-300x300.png"/>
+          <p:cNvPicPr>
+            <a:picLocks noChangeAspect="1" noChangeArrowheads="1"/>
+          </p:cNvPicPr>
+          <p:nvPr/>
+        </p:nvPicPr>
+        <p:blipFill>
+          <a:blip r:embed="rId2">
+            <a:extLst>
+              <a:ext uri="{28A0092B-C50C-407E-A947-70E740481C1C}">
+                <a14:useLocalDpi xmlns:a14="http://schemas.microsoft.com/office/drawing/2010/main" val="0"/>
+              </a:ext>
+            </a:extLst>
+          </a:blip>
+          <a:srcRect/>
+          <a:stretch>
+            <a:fillRect/>
+          </a:stretch>
+        </p:blipFill>
+        <p:spPr bwMode="auto">
+          <a:xfrm>
+            <a:off x="5064917" y="2541494"/>
+            <a:ext cx="2857500" cy="2857500"/>
+          </a:xfrm>
+          <a:prstGeom prst="rect">
+            <a:avLst/>
+          </a:prstGeom>
+          <a:noFill/>
+          <a:extLst>
+            <a:ext uri="{909E8E84-426E-40DD-AFC4-6F175D3DCCD1}">
+              <a14:hiddenFill xmlns:a14="http://schemas.microsoft.com/office/drawing/2010/main">
+                <a:solidFill>
+                  <a:srgbClr val="FFFFFF"/>
+                </a:solidFill>
+              </a14:hiddenFill>
+            </a:ext>
+          </a:extLst>
+        </p:spPr>
+      </p:pic>
+      <p:pic>
+        <p:nvPicPr>
+          <p:cNvPr id="5" name="Picture 4" descr="http://showreely.com/media/uploads/adminfiles/production_icon.png"/>
+          <p:cNvPicPr>
+            <a:picLocks noChangeAspect="1" noChangeArrowheads="1"/>
+          </p:cNvPicPr>
+          <p:nvPr/>
+        </p:nvPicPr>
+        <p:blipFill>
+          <a:blip r:embed="rId3">
+            <a:extLst>
+              <a:ext uri="{28A0092B-C50C-407E-A947-70E740481C1C}">
+                <a14:useLocalDpi xmlns:a14="http://schemas.microsoft.com/office/drawing/2010/main" val="0"/>
+              </a:ext>
+            </a:extLst>
+          </a:blip>
+          <a:srcRect/>
+          <a:stretch>
+            <a:fillRect/>
+          </a:stretch>
+        </p:blipFill>
+        <p:spPr bwMode="auto">
+          <a:xfrm>
+            <a:off x="11013270" y="5768042"/>
+            <a:ext cx="1221945" cy="1089958"/>
+          </a:xfrm>
+          <a:prstGeom prst="rect">
+            <a:avLst/>
+          </a:prstGeom>
+          <a:noFill/>
+          <a:extLst>
+            <a:ext uri="{909E8E84-426E-40DD-AFC4-6F175D3DCCD1}">
+              <a14:hiddenFill xmlns:a14="http://schemas.microsoft.com/office/drawing/2010/main">
+                <a:solidFill>
+                  <a:srgbClr val="FFFFFF"/>
+                </a:solidFill>
+              </a14:hiddenFill>
+            </a:ext>
+          </a:extLst>
+        </p:spPr>
+      </p:pic>
+    </p:spTree>
+    <p:extLst>
+      <p:ext uri="{BB962C8B-B14F-4D97-AF65-F5344CB8AC3E}">
+        <p14:creationId xmlns:p14="http://schemas.microsoft.com/office/powerpoint/2010/main" val="2434440284"/>
       </p:ext>
     </p:extLst>
   </p:cSld>
@@ -13176,7 +17362,6 @@
               <a:rPr lang="en-US" dirty="0" smtClean="0"/>
               <a:t>High Memory Usage</a:t>
             </a:r>
-            <a:endParaRPr lang="en-US" dirty="0" smtClean="0"/>
           </a:p>
         </p:txBody>
       </p:sp>
@@ -13433,7 +17618,6 @@
               <a:rPr lang="en-US" dirty="0" smtClean="0"/>
               <a:t>High Data Usage</a:t>
             </a:r>
-            <a:endParaRPr lang="en-US" dirty="0" smtClean="0"/>
           </a:p>
         </p:txBody>
       </p:sp>
@@ -13690,7 +17874,6 @@
               <a:rPr lang="en-US" dirty="0" smtClean="0"/>
               <a:t>Performance Slowdown</a:t>
             </a:r>
-            <a:endParaRPr lang="en-US" dirty="0" smtClean="0"/>
           </a:p>
         </p:txBody>
       </p:sp>
@@ -13843,6 +18026,56 @@
           <a:prstGeom prst="rect">
             <a:avLst/>
           </a:prstGeom>
+          <a:ln>
+            <a:noFill/>
+          </a:ln>
+          <a:effectLst>
+            <a:outerShdw blurRad="190500" algn="tl" rotWithShape="0">
+              <a:srgbClr val="000000">
+                <a:alpha val="70000"/>
+              </a:srgbClr>
+            </a:outerShdw>
+          </a:effectLst>
+          <a:extLst>
+            <a:ext uri="{909E8E84-426E-40DD-AFC4-6F175D3DCCD1}">
+              <a14:hiddenFill xmlns:a14="http://schemas.microsoft.com/office/drawing/2010/main">
+                <a:solidFill>
+                  <a:srgbClr val="FFFFFF"/>
+                </a:solidFill>
+              </a14:hiddenFill>
+            </a:ext>
+          </a:extLst>
+        </p:spPr>
+      </p:pic>
+      <p:pic>
+        <p:nvPicPr>
+          <p:cNvPr id="16" name="Picture 4" descr="http://showreely.com/media/uploads/adminfiles/production_icon.png"/>
+          <p:cNvPicPr>
+            <a:picLocks noChangeAspect="1" noChangeArrowheads="1"/>
+          </p:cNvPicPr>
+          <p:nvPr/>
+        </p:nvPicPr>
+        <p:blipFill>
+          <a:blip r:embed="rId7">
+            <a:extLst>
+              <a:ext uri="{28A0092B-C50C-407E-A947-70E740481C1C}">
+                <a14:useLocalDpi xmlns:a14="http://schemas.microsoft.com/office/drawing/2010/main" val="0"/>
+              </a:ext>
+            </a:extLst>
+          </a:blip>
+          <a:srcRect/>
+          <a:stretch>
+            <a:fillRect/>
+          </a:stretch>
+        </p:blipFill>
+        <p:spPr bwMode="auto">
+          <a:xfrm>
+            <a:off x="11013270" y="5768042"/>
+            <a:ext cx="1221945" cy="1089958"/>
+          </a:xfrm>
+          <a:prstGeom prst="rect">
+            <a:avLst/>
+          </a:prstGeom>
           <a:noFill/>
           <a:extLst>
             <a:ext uri="{909E8E84-426E-40DD-AFC4-6F175D3DCCD1}">
@@ -13868,9 +18101,375 @@
   <p:timing>
     <p:tnLst>
       <p:par>
-        <p:cTn id="1" dur="indefinite" restart="never" nodeType="tmRoot"/>
+        <p:cTn id="1" dur="indefinite" restart="never" nodeType="tmRoot">
+          <p:childTnLst>
+            <p:seq concurrent="1" nextAc="seek">
+              <p:cTn id="2" dur="indefinite" nodeType="mainSeq">
+                <p:childTnLst>
+                  <p:par>
+                    <p:cTn id="3" fill="hold">
+                      <p:stCondLst>
+                        <p:cond delay="indefinite"/>
+                      </p:stCondLst>
+                      <p:childTnLst>
+                        <p:par>
+                          <p:cTn id="4" fill="hold">
+                            <p:stCondLst>
+                              <p:cond delay="0"/>
+                            </p:stCondLst>
+                            <p:childTnLst>
+                              <p:par>
+                                <p:cTn id="5" presetID="1" presetClass="entr" presetSubtype="0" fill="hold" grpId="0" nodeType="clickEffect">
+                                  <p:stCondLst>
+                                    <p:cond delay="0"/>
+                                  </p:stCondLst>
+                                  <p:childTnLst>
+                                    <p:set>
+                                      <p:cBhvr>
+                                        <p:cTn id="6" dur="1" fill="hold">
+                                          <p:stCondLst>
+                                            <p:cond delay="0"/>
+                                          </p:stCondLst>
+                                        </p:cTn>
+                                        <p:tgtEl>
+                                          <p:spTgt spid="3">
+                                            <p:txEl>
+                                              <p:pRg st="0" end="0"/>
+                                            </p:txEl>
+                                          </p:spTgt>
+                                        </p:tgtEl>
+                                        <p:attrNameLst>
+                                          <p:attrName>style.visibility</p:attrName>
+                                        </p:attrNameLst>
+                                      </p:cBhvr>
+                                      <p:to>
+                                        <p:strVal val="visible"/>
+                                      </p:to>
+                                    </p:set>
+                                  </p:childTnLst>
+                                </p:cTn>
+                              </p:par>
+                              <p:par>
+                                <p:cTn id="7" presetID="1" presetClass="entr" presetSubtype="0" fill="hold" nodeType="withEffect">
+                                  <p:stCondLst>
+                                    <p:cond delay="0"/>
+                                  </p:stCondLst>
+                                  <p:childTnLst>
+                                    <p:set>
+                                      <p:cBhvr>
+                                        <p:cTn id="8" dur="1" fill="hold">
+                                          <p:stCondLst>
+                                            <p:cond delay="0"/>
+                                          </p:stCondLst>
+                                        </p:cTn>
+                                        <p:tgtEl>
+                                          <p:spTgt spid="10"/>
+                                        </p:tgtEl>
+                                        <p:attrNameLst>
+                                          <p:attrName>style.visibility</p:attrName>
+                                        </p:attrNameLst>
+                                      </p:cBhvr>
+                                      <p:to>
+                                        <p:strVal val="visible"/>
+                                      </p:to>
+                                    </p:set>
+                                  </p:childTnLst>
+                                </p:cTn>
+                              </p:par>
+                            </p:childTnLst>
+                          </p:cTn>
+                        </p:par>
+                      </p:childTnLst>
+                    </p:cTn>
+                  </p:par>
+                  <p:par>
+                    <p:cTn id="9" fill="hold">
+                      <p:stCondLst>
+                        <p:cond delay="indefinite"/>
+                      </p:stCondLst>
+                      <p:childTnLst>
+                        <p:par>
+                          <p:cTn id="10" fill="hold">
+                            <p:stCondLst>
+                              <p:cond delay="0"/>
+                            </p:stCondLst>
+                            <p:childTnLst>
+                              <p:par>
+                                <p:cTn id="11" presetID="1" presetClass="entr" presetSubtype="0" fill="hold" grpId="0" nodeType="clickEffect">
+                                  <p:stCondLst>
+                                    <p:cond delay="0"/>
+                                  </p:stCondLst>
+                                  <p:childTnLst>
+                                    <p:set>
+                                      <p:cBhvr>
+                                        <p:cTn id="12" dur="1" fill="hold">
+                                          <p:stCondLst>
+                                            <p:cond delay="0"/>
+                                          </p:stCondLst>
+                                        </p:cTn>
+                                        <p:tgtEl>
+                                          <p:spTgt spid="8"/>
+                                        </p:tgtEl>
+                                        <p:attrNameLst>
+                                          <p:attrName>style.visibility</p:attrName>
+                                        </p:attrNameLst>
+                                      </p:cBhvr>
+                                      <p:to>
+                                        <p:strVal val="visible"/>
+                                      </p:to>
+                                    </p:set>
+                                  </p:childTnLst>
+                                </p:cTn>
+                              </p:par>
+                              <p:par>
+                                <p:cTn id="13" presetID="1" presetClass="entr" presetSubtype="0" fill="hold" nodeType="withEffect">
+                                  <p:stCondLst>
+                                    <p:cond delay="0"/>
+                                  </p:stCondLst>
+                                  <p:childTnLst>
+                                    <p:set>
+                                      <p:cBhvr>
+                                        <p:cTn id="14" dur="1" fill="hold">
+                                          <p:stCondLst>
+                                            <p:cond delay="0"/>
+                                          </p:stCondLst>
+                                        </p:cTn>
+                                        <p:tgtEl>
+                                          <p:spTgt spid="11"/>
+                                        </p:tgtEl>
+                                        <p:attrNameLst>
+                                          <p:attrName>style.visibility</p:attrName>
+                                        </p:attrNameLst>
+                                      </p:cBhvr>
+                                      <p:to>
+                                        <p:strVal val="visible"/>
+                                      </p:to>
+                                    </p:set>
+                                  </p:childTnLst>
+                                </p:cTn>
+                              </p:par>
+                            </p:childTnLst>
+                          </p:cTn>
+                        </p:par>
+                      </p:childTnLst>
+                    </p:cTn>
+                  </p:par>
+                  <p:par>
+                    <p:cTn id="15" fill="hold">
+                      <p:stCondLst>
+                        <p:cond delay="indefinite"/>
+                      </p:stCondLst>
+                      <p:childTnLst>
+                        <p:par>
+                          <p:cTn id="16" fill="hold">
+                            <p:stCondLst>
+                              <p:cond delay="0"/>
+                            </p:stCondLst>
+                            <p:childTnLst>
+                              <p:par>
+                                <p:cTn id="17" presetID="1" presetClass="entr" presetSubtype="0" fill="hold" grpId="0" nodeType="clickEffect">
+                                  <p:stCondLst>
+                                    <p:cond delay="0"/>
+                                  </p:stCondLst>
+                                  <p:childTnLst>
+                                    <p:set>
+                                      <p:cBhvr>
+                                        <p:cTn id="18" dur="1" fill="hold">
+                                          <p:stCondLst>
+                                            <p:cond delay="0"/>
+                                          </p:stCondLst>
+                                        </p:cTn>
+                                        <p:tgtEl>
+                                          <p:spTgt spid="7"/>
+                                        </p:tgtEl>
+                                        <p:attrNameLst>
+                                          <p:attrName>style.visibility</p:attrName>
+                                        </p:attrNameLst>
+                                      </p:cBhvr>
+                                      <p:to>
+                                        <p:strVal val="visible"/>
+                                      </p:to>
+                                    </p:set>
+                                  </p:childTnLst>
+                                </p:cTn>
+                              </p:par>
+                              <p:par>
+                                <p:cTn id="19" presetID="1" presetClass="entr" presetSubtype="0" fill="hold" nodeType="withEffect">
+                                  <p:stCondLst>
+                                    <p:cond delay="0"/>
+                                  </p:stCondLst>
+                                  <p:childTnLst>
+                                    <p:set>
+                                      <p:cBhvr>
+                                        <p:cTn id="20" dur="1" fill="hold">
+                                          <p:stCondLst>
+                                            <p:cond delay="0"/>
+                                          </p:stCondLst>
+                                        </p:cTn>
+                                        <p:tgtEl>
+                                          <p:spTgt spid="4"/>
+                                        </p:tgtEl>
+                                        <p:attrNameLst>
+                                          <p:attrName>style.visibility</p:attrName>
+                                        </p:attrNameLst>
+                                      </p:cBhvr>
+                                      <p:to>
+                                        <p:strVal val="visible"/>
+                                      </p:to>
+                                    </p:set>
+                                  </p:childTnLst>
+                                </p:cTn>
+                              </p:par>
+                            </p:childTnLst>
+                          </p:cTn>
+                        </p:par>
+                      </p:childTnLst>
+                    </p:cTn>
+                  </p:par>
+                  <p:par>
+                    <p:cTn id="21" fill="hold">
+                      <p:stCondLst>
+                        <p:cond delay="indefinite"/>
+                      </p:stCondLst>
+                      <p:childTnLst>
+                        <p:par>
+                          <p:cTn id="22" fill="hold">
+                            <p:stCondLst>
+                              <p:cond delay="0"/>
+                            </p:stCondLst>
+                            <p:childTnLst>
+                              <p:par>
+                                <p:cTn id="23" presetID="1" presetClass="entr" presetSubtype="0" fill="hold" grpId="0" nodeType="clickEffect">
+                                  <p:stCondLst>
+                                    <p:cond delay="0"/>
+                                  </p:stCondLst>
+                                  <p:childTnLst>
+                                    <p:set>
+                                      <p:cBhvr>
+                                        <p:cTn id="24" dur="1" fill="hold">
+                                          <p:stCondLst>
+                                            <p:cond delay="0"/>
+                                          </p:stCondLst>
+                                        </p:cTn>
+                                        <p:tgtEl>
+                                          <p:spTgt spid="9"/>
+                                        </p:tgtEl>
+                                        <p:attrNameLst>
+                                          <p:attrName>style.visibility</p:attrName>
+                                        </p:attrNameLst>
+                                      </p:cBhvr>
+                                      <p:to>
+                                        <p:strVal val="visible"/>
+                                      </p:to>
+                                    </p:set>
+                                  </p:childTnLst>
+                                </p:cTn>
+                              </p:par>
+                              <p:par>
+                                <p:cTn id="25" presetID="1" presetClass="entr" presetSubtype="0" fill="hold" nodeType="withEffect">
+                                  <p:stCondLst>
+                                    <p:cond delay="0"/>
+                                  </p:stCondLst>
+                                  <p:childTnLst>
+                                    <p:set>
+                                      <p:cBhvr>
+                                        <p:cTn id="26" dur="1" fill="hold">
+                                          <p:stCondLst>
+                                            <p:cond delay="0"/>
+                                          </p:stCondLst>
+                                        </p:cTn>
+                                        <p:tgtEl>
+                                          <p:spTgt spid="12"/>
+                                        </p:tgtEl>
+                                        <p:attrNameLst>
+                                          <p:attrName>style.visibility</p:attrName>
+                                        </p:attrNameLst>
+                                      </p:cBhvr>
+                                      <p:to>
+                                        <p:strVal val="visible"/>
+                                      </p:to>
+                                    </p:set>
+                                  </p:childTnLst>
+                                </p:cTn>
+                              </p:par>
+                            </p:childTnLst>
+                          </p:cTn>
+                        </p:par>
+                      </p:childTnLst>
+                    </p:cTn>
+                  </p:par>
+                  <p:par>
+                    <p:cTn id="27" fill="hold">
+                      <p:stCondLst>
+                        <p:cond delay="indefinite"/>
+                      </p:stCondLst>
+                      <p:childTnLst>
+                        <p:par>
+                          <p:cTn id="28" fill="hold">
+                            <p:stCondLst>
+                              <p:cond delay="0"/>
+                            </p:stCondLst>
+                            <p:childTnLst>
+                              <p:par>
+                                <p:cTn id="29" presetID="1" presetClass="entr" presetSubtype="0" fill="hold" nodeType="clickEffect">
+                                  <p:stCondLst>
+                                    <p:cond delay="0"/>
+                                  </p:stCondLst>
+                                  <p:childTnLst>
+                                    <p:set>
+                                      <p:cBhvr>
+                                        <p:cTn id="30" dur="1" fill="hold">
+                                          <p:stCondLst>
+                                            <p:cond delay="0"/>
+                                          </p:stCondLst>
+                                        </p:cTn>
+                                        <p:tgtEl>
+                                          <p:spTgt spid="3076"/>
+                                        </p:tgtEl>
+                                        <p:attrNameLst>
+                                          <p:attrName>style.visibility</p:attrName>
+                                        </p:attrNameLst>
+                                      </p:cBhvr>
+                                      <p:to>
+                                        <p:strVal val="visible"/>
+                                      </p:to>
+                                    </p:set>
+                                  </p:childTnLst>
+                                </p:cTn>
+                              </p:par>
+                            </p:childTnLst>
+                          </p:cTn>
+                        </p:par>
+                      </p:childTnLst>
+                    </p:cTn>
+                  </p:par>
+                </p:childTnLst>
+              </p:cTn>
+              <p:prevCondLst>
+                <p:cond evt="onPrev" delay="0">
+                  <p:tgtEl>
+                    <p:sldTgt/>
+                  </p:tgtEl>
+                </p:cond>
+              </p:prevCondLst>
+              <p:nextCondLst>
+                <p:cond evt="onNext" delay="0">
+                  <p:tgtEl>
+                    <p:sldTgt/>
+                  </p:tgtEl>
+                </p:cond>
+              </p:nextCondLst>
+            </p:seq>
+          </p:childTnLst>
+        </p:cTn>
       </p:par>
     </p:tnLst>
+    <p:bldLst>
+      <p:bldP spid="3" grpId="0" build="p"/>
+      <p:bldP spid="7" grpId="0"/>
+      <p:bldP spid="8" grpId="0"/>
+      <p:bldP spid="9" grpId="0"/>
+    </p:bldLst>
   </p:timing>
 </p:sld>
 </file>
@@ -13975,6 +18574,57 @@
           <a:prstGeom prst="rect">
             <a:avLst/>
           </a:prstGeom>
+          <a:ln>
+            <a:noFill/>
+          </a:ln>
+          <a:effectLst>
+            <a:outerShdw blurRad="190500" algn="tl" rotWithShape="0">
+              <a:srgbClr val="000000">
+                <a:alpha val="70000"/>
+              </a:srgbClr>
+            </a:outerShdw>
+          </a:effectLst>
+        </p:spPr>
+      </p:pic>
+      <p:pic>
+        <p:nvPicPr>
+          <p:cNvPr id="5" name="Picture 4" descr="http://showreely.com/media/uploads/adminfiles/production_icon.png"/>
+          <p:cNvPicPr>
+            <a:picLocks noChangeAspect="1" noChangeArrowheads="1"/>
+          </p:cNvPicPr>
+          <p:nvPr/>
+        </p:nvPicPr>
+        <p:blipFill>
+          <a:blip r:embed="rId3">
+            <a:extLst>
+              <a:ext uri="{28A0092B-C50C-407E-A947-70E740481C1C}">
+                <a14:useLocalDpi xmlns:a14="http://schemas.microsoft.com/office/drawing/2010/main" val="0"/>
+              </a:ext>
+            </a:extLst>
+          </a:blip>
+          <a:srcRect/>
+          <a:stretch>
+            <a:fillRect/>
+          </a:stretch>
+        </p:blipFill>
+        <p:spPr bwMode="auto">
+          <a:xfrm>
+            <a:off x="11013270" y="5768042"/>
+            <a:ext cx="1221945" cy="1089958"/>
+          </a:xfrm>
+          <a:prstGeom prst="rect">
+            <a:avLst/>
+          </a:prstGeom>
+          <a:noFill/>
+          <a:extLst>
+            <a:ext uri="{909E8E84-426E-40DD-AFC4-6F175D3DCCD1}">
+              <a14:hiddenFill xmlns:a14="http://schemas.microsoft.com/office/drawing/2010/main">
+                <a:solidFill>
+                  <a:srgbClr val="FFFFFF"/>
+                </a:solidFill>
+              </a14:hiddenFill>
+            </a:ext>
+          </a:extLst>
         </p:spPr>
       </p:pic>
     </p:spTree>
@@ -14287,10 +18937,50 @@
               <a:rPr lang="en-US" dirty="0"/>
               <a:t> </a:t>
             </a:r>
-            <a:endParaRPr lang="en-US" dirty="0"/>
           </a:p>
         </p:txBody>
       </p:sp>
+      <p:pic>
+        <p:nvPicPr>
+          <p:cNvPr id="7" name="Picture 4" descr="http://showreely.com/media/uploads/adminfiles/production_icon.png"/>
+          <p:cNvPicPr>
+            <a:picLocks noChangeAspect="1" noChangeArrowheads="1"/>
+          </p:cNvPicPr>
+          <p:nvPr/>
+        </p:nvPicPr>
+        <p:blipFill>
+          <a:blip r:embed="rId5">
+            <a:extLst>
+              <a:ext uri="{28A0092B-C50C-407E-A947-70E740481C1C}">
+                <a14:useLocalDpi xmlns:a14="http://schemas.microsoft.com/office/drawing/2010/main" val="0"/>
+              </a:ext>
+            </a:extLst>
+          </a:blip>
+          <a:srcRect/>
+          <a:stretch>
+            <a:fillRect/>
+          </a:stretch>
+        </p:blipFill>
+        <p:spPr bwMode="auto">
+          <a:xfrm>
+            <a:off x="11013270" y="5768042"/>
+            <a:ext cx="1221945" cy="1089958"/>
+          </a:xfrm>
+          <a:prstGeom prst="rect">
+            <a:avLst/>
+          </a:prstGeom>
+          <a:noFill/>
+          <a:extLst>
+            <a:ext uri="{909E8E84-426E-40DD-AFC4-6F175D3DCCD1}">
+              <a14:hiddenFill xmlns:a14="http://schemas.microsoft.com/office/drawing/2010/main">
+                <a:solidFill>
+                  <a:srgbClr val="FFFFFF"/>
+                </a:solidFill>
+              </a14:hiddenFill>
+            </a:ext>
+          </a:extLst>
+        </p:spPr>
+      </p:pic>
     </p:spTree>
     <p:extLst>
       <p:ext uri="{BB962C8B-B14F-4D97-AF65-F5344CB8AC3E}">
@@ -14340,8 +19030,8 @@
         </p:nvSpPr>
         <p:spPr>
           <a:xfrm>
-            <a:off x="1484311" y="-17433"/>
-            <a:ext cx="10018713" cy="1088226"/>
+            <a:off x="1484311" y="58002"/>
+            <a:ext cx="10018713" cy="1752599"/>
           </a:xfrm>
         </p:spPr>
         <p:txBody>
@@ -14350,7 +19040,7 @@
           <a:p>
             <a:r>
               <a:rPr lang="en-US" dirty="0" smtClean="0"/>
-              <a:t>Project Idea</a:t>
+              <a:t>Unexplored Area: Mobile Games</a:t>
             </a:r>
             <a:endParaRPr lang="en-US" dirty="0"/>
           </a:p>
@@ -14368,8 +19058,8 @@
         </p:nvSpPr>
         <p:spPr>
           <a:xfrm>
-            <a:off x="1484310" y="2021543"/>
-            <a:ext cx="10018713" cy="3124201"/>
+            <a:off x="1975631" y="1930015"/>
+            <a:ext cx="10018713" cy="3529085"/>
           </a:xfrm>
         </p:spPr>
         <p:txBody>
@@ -14380,68 +19070,102 @@
           <a:p>
             <a:r>
               <a:rPr lang="en-US" sz="2800" dirty="0" smtClean="0"/>
-              <a:t>What can be done?</a:t>
+              <a:t>Numerous genres</a:t>
+            </a:r>
+          </a:p>
+          <a:p>
+            <a:r>
+              <a:rPr lang="en-US" sz="2800" dirty="0" smtClean="0"/>
+              <a:t>Numerous Games in every genre</a:t>
+            </a:r>
+          </a:p>
+          <a:p>
+            <a:r>
+              <a:rPr lang="en-US" sz="2800" dirty="0" smtClean="0"/>
+              <a:t>Characterization of games difficult</a:t>
             </a:r>
           </a:p>
           <a:p>
             <a:pPr lvl="1"/>
             <a:r>
               <a:rPr lang="en-US" sz="2400" dirty="0" smtClean="0"/>
-              <a:t>Trying to find the root cause of inefficiencies in online mobile games in terms of memory usage, data usage and performance.</a:t>
-            </a:r>
-            <a:endParaRPr lang="en-US" sz="2400" dirty="0"/>
-          </a:p>
-          <a:p>
-            <a:endParaRPr lang="en-US" sz="2800" dirty="0" smtClean="0"/>
+              <a:t>Age group</a:t>
+            </a:r>
+          </a:p>
+          <a:p>
+            <a:pPr lvl="1"/>
+            <a:r>
+              <a:rPr lang="en-US" sz="2400" dirty="0" smtClean="0"/>
+              <a:t>Liking</a:t>
+            </a:r>
+          </a:p>
+          <a:p>
+            <a:pPr lvl="1"/>
+            <a:r>
+              <a:rPr lang="en-US" sz="2400" dirty="0" smtClean="0"/>
+              <a:t>Location</a:t>
+            </a:r>
           </a:p>
           <a:p>
             <a:r>
               <a:rPr lang="en-US" sz="2800" dirty="0" smtClean="0"/>
-              <a:t>Approach</a:t>
-            </a:r>
-          </a:p>
-          <a:p>
-            <a:pPr lvl="1"/>
-            <a:r>
-              <a:rPr lang="en-US" sz="2400" dirty="0" smtClean="0"/>
-              <a:t>Data Collection</a:t>
-            </a:r>
-          </a:p>
-          <a:p>
-            <a:pPr lvl="1"/>
-            <a:r>
-              <a:rPr lang="en-US" sz="2400" dirty="0" smtClean="0"/>
-              <a:t>Analysis</a:t>
-            </a:r>
-          </a:p>
-          <a:p>
-            <a:pPr lvl="1"/>
-            <a:r>
-              <a:rPr lang="en-US" sz="2400" dirty="0" smtClean="0"/>
-              <a:t>Recommendation</a:t>
-            </a:r>
-            <a:endParaRPr lang="en-US" sz="2400" dirty="0"/>
+              <a:t>Different Resource requirements and limitations</a:t>
+            </a:r>
+            <a:endParaRPr lang="en-US" sz="2800" dirty="0"/>
           </a:p>
         </p:txBody>
       </p:sp>
+      <p:pic>
+        <p:nvPicPr>
+          <p:cNvPr id="4" name="Picture 4" descr="http://showreely.com/media/uploads/adminfiles/production_icon.png"/>
+          <p:cNvPicPr>
+            <a:picLocks noChangeAspect="1" noChangeArrowheads="1"/>
+          </p:cNvPicPr>
+          <p:nvPr/>
+        </p:nvPicPr>
+        <p:blipFill>
+          <a:blip r:embed="rId2">
+            <a:extLst>
+              <a:ext uri="{28A0092B-C50C-407E-A947-70E740481C1C}">
+                <a14:useLocalDpi xmlns:a14="http://schemas.microsoft.com/office/drawing/2010/main" val="0"/>
+              </a:ext>
+            </a:extLst>
+          </a:blip>
+          <a:srcRect/>
+          <a:stretch>
+            <a:fillRect/>
+          </a:stretch>
+        </p:blipFill>
+        <p:spPr bwMode="auto">
+          <a:xfrm>
+            <a:off x="11013270" y="5768042"/>
+            <a:ext cx="1221945" cy="1089958"/>
+          </a:xfrm>
+          <a:prstGeom prst="rect">
+            <a:avLst/>
+          </a:prstGeom>
+          <a:noFill/>
+          <a:extLst>
+            <a:ext uri="{909E8E84-426E-40DD-AFC4-6F175D3DCCD1}">
+              <a14:hiddenFill xmlns:a14="http://schemas.microsoft.com/office/drawing/2010/main">
+                <a:solidFill>
+                  <a:srgbClr val="FFFFFF"/>
+                </a:solidFill>
+              </a14:hiddenFill>
+            </a:ext>
+          </a:extLst>
+        </p:spPr>
+      </p:pic>
     </p:spTree>
     <p:extLst>
       <p:ext uri="{BB962C8B-B14F-4D97-AF65-F5344CB8AC3E}">
-        <p14:creationId xmlns:p14="http://schemas.microsoft.com/office/powerpoint/2010/main" val="3021201555"/>
+        <p14:creationId xmlns:p14="http://schemas.microsoft.com/office/powerpoint/2010/main" val="3395660561"/>
       </p:ext>
     </p:extLst>
   </p:cSld>
   <p:clrMapOvr>
     <a:masterClrMapping/>
   </p:clrMapOvr>
-  <mc:AlternateContent xmlns:mc="http://schemas.openxmlformats.org/markup-compatibility/2006">
-    <mc:Choice xmlns:p14="http://schemas.microsoft.com/office/powerpoint/2010/main" Requires="p14">
-      <p:transition spd="slow" p14:dur="2000"/>
-    </mc:Choice>
-    <mc:Fallback>
-      <p:transition spd="slow"/>
-    </mc:Fallback>
-  </mc:AlternateContent>
   <p:timing>
     <p:tnLst>
       <p:par>
@@ -14481,8 +19205,8 @@
         </p:nvSpPr>
         <p:spPr>
           <a:xfrm>
-            <a:off x="1484311" y="-340724"/>
-            <a:ext cx="10018713" cy="1752599"/>
+            <a:off x="1484311" y="-17433"/>
+            <a:ext cx="10018713" cy="1088226"/>
           </a:xfrm>
         </p:spPr>
         <p:txBody>
@@ -14491,7 +19215,7 @@
           <a:p>
             <a:r>
               <a:rPr lang="en-US" dirty="0" smtClean="0"/>
-              <a:t>Methodology</a:t>
+              <a:t>Project Idea</a:t>
             </a:r>
             <a:endParaRPr lang="en-US" dirty="0"/>
           </a:p>
@@ -14509,68 +19233,121 @@
         </p:nvSpPr>
         <p:spPr>
           <a:xfrm>
-            <a:off x="2381950" y="1337604"/>
-            <a:ext cx="10018713" cy="3906451"/>
+            <a:off x="1484310" y="2021543"/>
+            <a:ext cx="10018713" cy="3124201"/>
           </a:xfrm>
         </p:spPr>
         <p:txBody>
-          <a:bodyPr/>
+          <a:bodyPr>
+            <a:noAutofit/>
+          </a:bodyPr>
           <a:lstStyle/>
           <a:p>
             <a:r>
-              <a:rPr lang="en-US" dirty="0" smtClean="0"/>
-              <a:t>Game States</a:t>
-            </a:r>
-          </a:p>
-          <a:p>
-            <a:r>
-              <a:rPr lang="en-US" dirty="0" smtClean="0"/>
-              <a:t>Experiment Setup</a:t>
-            </a:r>
-          </a:p>
-          <a:p>
-            <a:r>
-              <a:rPr lang="en-US" dirty="0" smtClean="0"/>
-              <a:t>Games</a:t>
-            </a:r>
-          </a:p>
-          <a:p>
-            <a:r>
-              <a:rPr lang="en-US" dirty="0" smtClean="0"/>
-              <a:t>Tools</a:t>
-            </a:r>
-          </a:p>
-          <a:p>
-            <a:r>
-              <a:rPr lang="en-US" dirty="0" smtClean="0"/>
-              <a:t>Test Subjects</a:t>
-            </a:r>
-          </a:p>
-          <a:p>
-            <a:r>
-              <a:rPr lang="en-US" dirty="0" smtClean="0"/>
-              <a:t>Test Cases</a:t>
-            </a:r>
-          </a:p>
-          <a:p>
-            <a:r>
-              <a:rPr lang="en-US" dirty="0" smtClean="0"/>
-              <a:t>Testing Steps and Analysis Approach</a:t>
-            </a:r>
-            <a:endParaRPr lang="en-US" dirty="0"/>
+              <a:rPr lang="en-US" sz="2800" dirty="0" smtClean="0"/>
+              <a:t>What can be done?</a:t>
+            </a:r>
+          </a:p>
+          <a:p>
+            <a:pPr lvl="1"/>
+            <a:r>
+              <a:rPr lang="en-US" sz="2400" dirty="0" smtClean="0"/>
+              <a:t>Trying to find the root cause of inefficiencies in online mobile games in terms of memory usage, data usage and performance.</a:t>
+            </a:r>
+            <a:endParaRPr lang="en-US" sz="2400" dirty="0"/>
+          </a:p>
+          <a:p>
+            <a:endParaRPr lang="en-US" sz="2800" dirty="0" smtClean="0"/>
+          </a:p>
+          <a:p>
+            <a:r>
+              <a:rPr lang="en-US" sz="2800" dirty="0" smtClean="0"/>
+              <a:t>Approach</a:t>
+            </a:r>
+          </a:p>
+          <a:p>
+            <a:pPr lvl="1"/>
+            <a:r>
+              <a:rPr lang="en-US" sz="2400" dirty="0" smtClean="0"/>
+              <a:t>Data Collection</a:t>
+            </a:r>
+          </a:p>
+          <a:p>
+            <a:pPr lvl="1"/>
+            <a:r>
+              <a:rPr lang="en-US" sz="2400" dirty="0" smtClean="0"/>
+              <a:t>Analysis</a:t>
+            </a:r>
+          </a:p>
+          <a:p>
+            <a:pPr lvl="1"/>
+            <a:r>
+              <a:rPr lang="en-US" sz="2400" dirty="0" smtClean="0"/>
+              <a:t>Recommendation</a:t>
+            </a:r>
+            <a:endParaRPr lang="en-US" sz="2400" dirty="0"/>
           </a:p>
         </p:txBody>
       </p:sp>
+      <p:pic>
+        <p:nvPicPr>
+          <p:cNvPr id="4" name="Picture 4" descr="http://showreely.com/media/uploads/adminfiles/production_icon.png"/>
+          <p:cNvPicPr>
+            <a:picLocks noChangeAspect="1" noChangeArrowheads="1"/>
+          </p:cNvPicPr>
+          <p:nvPr/>
+        </p:nvPicPr>
+        <p:blipFill>
+          <a:blip r:embed="rId2">
+            <a:extLst>
+              <a:ext uri="{28A0092B-C50C-407E-A947-70E740481C1C}">
+                <a14:useLocalDpi xmlns:a14="http://schemas.microsoft.com/office/drawing/2010/main" val="0"/>
+              </a:ext>
+            </a:extLst>
+          </a:blip>
+          <a:srcRect/>
+          <a:stretch>
+            <a:fillRect/>
+          </a:stretch>
+        </p:blipFill>
+        <p:spPr bwMode="auto">
+          <a:xfrm>
+            <a:off x="11013270" y="5768042"/>
+            <a:ext cx="1221945" cy="1089958"/>
+          </a:xfrm>
+          <a:prstGeom prst="rect">
+            <a:avLst/>
+          </a:prstGeom>
+          <a:noFill/>
+          <a:extLst>
+            <a:ext uri="{909E8E84-426E-40DD-AFC4-6F175D3DCCD1}">
+              <a14:hiddenFill xmlns:a14="http://schemas.microsoft.com/office/drawing/2010/main">
+                <a:solidFill>
+                  <a:srgbClr val="FFFFFF"/>
+                </a:solidFill>
+              </a14:hiddenFill>
+            </a:ext>
+          </a:extLst>
+        </p:spPr>
+      </p:pic>
     </p:spTree>
     <p:extLst>
       <p:ext uri="{BB962C8B-B14F-4D97-AF65-F5344CB8AC3E}">
-        <p14:creationId xmlns:p14="http://schemas.microsoft.com/office/powerpoint/2010/main" val="623622997"/>
+        <p14:creationId xmlns:p14="http://schemas.microsoft.com/office/powerpoint/2010/main" val="3021201555"/>
       </p:ext>
     </p:extLst>
   </p:cSld>
   <p:clrMapOvr>
     <a:masterClrMapping/>
   </p:clrMapOvr>
+  <mc:AlternateContent xmlns:mc="http://schemas.openxmlformats.org/markup-compatibility/2006" xmlns:p14="http://schemas.microsoft.com/office/powerpoint/2010/main">
+    <mc:Choice Requires="p14">
+      <p:transition spd="slow" p14:dur="2000"/>
+    </mc:Choice>
+    <mc:Fallback xmlns="">
+      <p:transition spd="slow"/>
+    </mc:Fallback>
+  </mc:AlternateContent>
   <p:timing>
     <p:tnLst>
       <p:par>
@@ -14610,7 +19387,7 @@
         </p:nvSpPr>
         <p:spPr>
           <a:xfrm>
-            <a:off x="1484311" y="-268937"/>
+            <a:off x="1484311" y="-340724"/>
             <a:ext cx="10018713" cy="1752599"/>
           </a:xfrm>
         </p:spPr>
@@ -14620,7 +19397,71 @@
           <a:p>
             <a:r>
               <a:rPr lang="en-US" dirty="0" smtClean="0"/>
+              <a:t>Methodology</a:t>
+            </a:r>
+            <a:endParaRPr lang="en-US" dirty="0"/>
+          </a:p>
+        </p:txBody>
+      </p:sp>
+      <p:sp>
+        <p:nvSpPr>
+          <p:cNvPr id="3" name="Content Placeholder 2"/>
+          <p:cNvSpPr>
+            <a:spLocks noGrp="1"/>
+          </p:cNvSpPr>
+          <p:nvPr>
+            <p:ph idx="1"/>
+          </p:nvPr>
+        </p:nvSpPr>
+        <p:spPr>
+          <a:xfrm>
+            <a:off x="2381950" y="1337604"/>
+            <a:ext cx="10018713" cy="3906451"/>
+          </a:xfrm>
+        </p:spPr>
+        <p:txBody>
+          <a:bodyPr/>
+          <a:lstStyle/>
+          <a:p>
+            <a:r>
+              <a:rPr lang="en-US" dirty="0" smtClean="0"/>
               <a:t>Game States</a:t>
+            </a:r>
+          </a:p>
+          <a:p>
+            <a:r>
+              <a:rPr lang="en-US" dirty="0" smtClean="0"/>
+              <a:t>Experiment Setup</a:t>
+            </a:r>
+          </a:p>
+          <a:p>
+            <a:r>
+              <a:rPr lang="en-US" dirty="0" smtClean="0"/>
+              <a:t>Games</a:t>
+            </a:r>
+          </a:p>
+          <a:p>
+            <a:r>
+              <a:rPr lang="en-US" dirty="0" smtClean="0"/>
+              <a:t>Tools</a:t>
+            </a:r>
+          </a:p>
+          <a:p>
+            <a:r>
+              <a:rPr lang="en-US" dirty="0" smtClean="0"/>
+              <a:t>Test Subjects</a:t>
+            </a:r>
+          </a:p>
+          <a:p>
+            <a:r>
+              <a:rPr lang="en-US" dirty="0" smtClean="0"/>
+              <a:t>Test Cases</a:t>
+            </a:r>
+          </a:p>
+          <a:p>
+            <a:r>
+              <a:rPr lang="en-US" dirty="0" smtClean="0"/>
+              <a:t>Testing Steps and Analysis Approach</a:t>
             </a:r>
             <a:endParaRPr lang="en-US" dirty="0"/>
           </a:p>
@@ -14628,43 +19469,14 @@
       </p:sp>
       <p:pic>
         <p:nvPicPr>
-          <p:cNvPr id="7" name="Content Placeholder 6"/>
-          <p:cNvPicPr>
-            <a:picLocks noGrp="1" noChangeAspect="1"/>
-          </p:cNvPicPr>
-          <p:nvPr>
-            <p:ph idx="1"/>
-          </p:nvPr>
-        </p:nvPicPr>
-        <p:blipFill>
-          <a:blip r:embed="rId2" cstate="print">
-            <a:extLst>
-              <a:ext uri="{28A0092B-C50C-407E-A947-70E740481C1C}">
-                <a14:useLocalDpi xmlns:a14="http://schemas.microsoft.com/office/drawing/2010/main" val="0"/>
-              </a:ext>
-            </a:extLst>
-          </a:blip>
-          <a:stretch>
-            <a:fillRect/>
-          </a:stretch>
-        </p:blipFill>
-        <p:spPr>
-          <a:xfrm>
-            <a:off x="6073384" y="1223791"/>
-            <a:ext cx="1957825" cy="1957825"/>
-          </a:xfrm>
-        </p:spPr>
-      </p:pic>
-      <p:pic>
-        <p:nvPicPr>
-          <p:cNvPr id="4" name="Picture 2" descr="http://evanamccullough.com/wp-content/uploads/2015/03/no-internet-conection.png"/>
+          <p:cNvPr id="4" name="Picture 4" descr="http://showreely.com/media/uploads/adminfiles/production_icon.png"/>
           <p:cNvPicPr>
             <a:picLocks noChangeAspect="1" noChangeArrowheads="1"/>
           </p:cNvPicPr>
           <p:nvPr/>
         </p:nvPicPr>
         <p:blipFill>
-          <a:blip r:embed="rId3" cstate="print">
+          <a:blip r:embed="rId2">
             <a:extLst>
               <a:ext uri="{28A0092B-C50C-407E-A947-70E740481C1C}">
                 <a14:useLocalDpi xmlns:a14="http://schemas.microsoft.com/office/drawing/2010/main" val="0"/>
@@ -14678,8 +19490,8 @@
         </p:blipFill>
         <p:spPr bwMode="auto">
           <a:xfrm>
-            <a:off x="5853600" y="4350863"/>
-            <a:ext cx="1109529" cy="1109529"/>
+            <a:off x="11013270" y="5768042"/>
+            <a:ext cx="1221945" cy="1089958"/>
           </a:xfrm>
           <a:prstGeom prst="rect">
             <a:avLst/>
@@ -14696,409 +19508,10 @@
           </a:extLst>
         </p:spPr>
       </p:pic>
-      <p:pic>
-        <p:nvPicPr>
-          <p:cNvPr id="5" name="Picture 4" descr="https://cdn0.iconfinder.com/data/icons/tab-bar-ios-and-wp8-vector-icons/48/Wi-Fi-512.png"/>
-          <p:cNvPicPr>
-            <a:picLocks noChangeAspect="1" noChangeArrowheads="1"/>
-          </p:cNvPicPr>
-          <p:nvPr/>
-        </p:nvPicPr>
-        <p:blipFill>
-          <a:blip r:embed="rId4" cstate="print">
-            <a:extLst>
-              <a:ext uri="{28A0092B-C50C-407E-A947-70E740481C1C}">
-                <a14:useLocalDpi xmlns:a14="http://schemas.microsoft.com/office/drawing/2010/main" val="0"/>
-              </a:ext>
-            </a:extLst>
-          </a:blip>
-          <a:srcRect/>
-          <a:stretch>
-            <a:fillRect/>
-          </a:stretch>
-        </p:blipFill>
-        <p:spPr bwMode="auto">
-          <a:xfrm>
-            <a:off x="7237314" y="3868460"/>
-            <a:ext cx="2093260" cy="2093260"/>
-          </a:xfrm>
-          <a:prstGeom prst="rect">
-            <a:avLst/>
-          </a:prstGeom>
-          <a:noFill/>
-          <a:extLst>
-            <a:ext uri="{909E8E84-426E-40DD-AFC4-6F175D3DCCD1}">
-              <a14:hiddenFill xmlns:a14="http://schemas.microsoft.com/office/drawing/2010/main">
-                <a:solidFill>
-                  <a:srgbClr val="FFFFFF"/>
-                </a:solidFill>
-              </a14:hiddenFill>
-            </a:ext>
-          </a:extLst>
-        </p:spPr>
-      </p:pic>
-      <p:pic>
-        <p:nvPicPr>
-          <p:cNvPr id="6" name="Picture 6" descr="https://cdn4.iconfinder.com/data/icons/communication-pack/512/22-512.png"/>
-          <p:cNvPicPr>
-            <a:picLocks noChangeAspect="1" noChangeArrowheads="1"/>
-          </p:cNvPicPr>
-          <p:nvPr/>
-        </p:nvPicPr>
-        <p:blipFill>
-          <a:blip r:embed="rId5" cstate="print">
-            <a:extLst>
-              <a:ext uri="{28A0092B-C50C-407E-A947-70E740481C1C}">
-                <a14:useLocalDpi xmlns:a14="http://schemas.microsoft.com/office/drawing/2010/main" val="0"/>
-              </a:ext>
-            </a:extLst>
-          </a:blip>
-          <a:srcRect/>
-          <a:stretch>
-            <a:fillRect/>
-          </a:stretch>
-        </p:blipFill>
-        <p:spPr bwMode="auto">
-          <a:xfrm>
-            <a:off x="9535520" y="4392347"/>
-            <a:ext cx="1045485" cy="1045485"/>
-          </a:xfrm>
-          <a:prstGeom prst="rect">
-            <a:avLst/>
-          </a:prstGeom>
-          <a:noFill/>
-          <a:extLst>
-            <a:ext uri="{909E8E84-426E-40DD-AFC4-6F175D3DCCD1}">
-              <a14:hiddenFill xmlns:a14="http://schemas.microsoft.com/office/drawing/2010/main">
-                <a:solidFill>
-                  <a:srgbClr val="FFFFFF"/>
-                </a:solidFill>
-              </a14:hiddenFill>
-            </a:ext>
-          </a:extLst>
-        </p:spPr>
-      </p:pic>
-      <p:pic>
-        <p:nvPicPr>
-          <p:cNvPr id="3074" name="Picture 2" descr="http://indiedevstories.com/wp-content/uploads/2011/04/game-center-icon.png"/>
-          <p:cNvPicPr>
-            <a:picLocks noChangeAspect="1" noChangeArrowheads="1"/>
-          </p:cNvPicPr>
-          <p:nvPr/>
-        </p:nvPicPr>
-        <p:blipFill>
-          <a:blip r:embed="rId6">
-            <a:extLst>
-              <a:ext uri="{28A0092B-C50C-407E-A947-70E740481C1C}">
-                <a14:useLocalDpi xmlns:a14="http://schemas.microsoft.com/office/drawing/2010/main" val="0"/>
-              </a:ext>
-            </a:extLst>
-          </a:blip>
-          <a:srcRect/>
-          <a:stretch>
-            <a:fillRect/>
-          </a:stretch>
-        </p:blipFill>
-        <p:spPr bwMode="auto">
-          <a:xfrm>
-            <a:off x="8433502" y="1401213"/>
-            <a:ext cx="1621070" cy="1621070"/>
-          </a:xfrm>
-          <a:prstGeom prst="rect">
-            <a:avLst/>
-          </a:prstGeom>
-          <a:noFill/>
-          <a:extLst>
-            <a:ext uri="{909E8E84-426E-40DD-AFC4-6F175D3DCCD1}">
-              <a14:hiddenFill xmlns:a14="http://schemas.microsoft.com/office/drawing/2010/main">
-                <a:solidFill>
-                  <a:srgbClr val="FFFFFF"/>
-                </a:solidFill>
-              </a14:hiddenFill>
-            </a:ext>
-          </a:extLst>
-        </p:spPr>
-      </p:pic>
-      <p:sp>
-        <p:nvSpPr>
-          <p:cNvPr id="9" name="Content Placeholder 2"/>
-          <p:cNvSpPr txBox="1">
-            <a:spLocks/>
-          </p:cNvSpPr>
-          <p:nvPr/>
-        </p:nvSpPr>
-        <p:spPr>
-          <a:xfrm>
-            <a:off x="2018882" y="665254"/>
-            <a:ext cx="2969978" cy="3906451"/>
-          </a:xfrm>
-          <a:prstGeom prst="rect">
-            <a:avLst/>
-          </a:prstGeom>
-        </p:spPr>
-        <p:txBody>
-          <a:bodyPr vert="horz" lIns="91440" tIns="45720" rIns="91440" bIns="45720" rtlCol="0" anchor="ctr">
-            <a:normAutofit/>
-          </a:bodyPr>
-          <a:lstStyle>
-            <a:lvl1pPr marL="285750" indent="-285750" algn="l" defTabSz="457200" rtl="0" eaLnBrk="1" latinLnBrk="0" hangingPunct="1">
-              <a:spcBef>
-                <a:spcPct val="20000"/>
-              </a:spcBef>
-              <a:spcAft>
-                <a:spcPts val="600"/>
-              </a:spcAft>
-              <a:buClr>
-                <a:schemeClr val="accent1">
-                  <a:lumMod val="75000"/>
-                </a:schemeClr>
-              </a:buClr>
-              <a:buSzPct val="145000"/>
-              <a:buFont typeface="Arial"/>
-              <a:buChar char="•"/>
-              <a:defRPr sz="2400" kern="1200" cap="none">
-                <a:solidFill>
-                  <a:schemeClr val="tx1"/>
-                </a:solidFill>
-                <a:effectLst/>
-                <a:latin typeface="+mn-lt"/>
-                <a:ea typeface="+mn-ea"/>
-                <a:cs typeface="+mn-cs"/>
-              </a:defRPr>
-            </a:lvl1pPr>
-            <a:lvl2pPr marL="742950" indent="-285750" algn="l" defTabSz="457200" rtl="0" eaLnBrk="1" latinLnBrk="0" hangingPunct="1">
-              <a:spcBef>
-                <a:spcPct val="20000"/>
-              </a:spcBef>
-              <a:spcAft>
-                <a:spcPts val="600"/>
-              </a:spcAft>
-              <a:buClr>
-                <a:schemeClr val="accent1">
-                  <a:lumMod val="75000"/>
-                </a:schemeClr>
-              </a:buClr>
-              <a:buSzPct val="145000"/>
-              <a:buFont typeface="Arial"/>
-              <a:buChar char="•"/>
-              <a:defRPr sz="2000" kern="1200" cap="none">
-                <a:solidFill>
-                  <a:schemeClr val="tx1"/>
-                </a:solidFill>
-                <a:effectLst/>
-                <a:latin typeface="+mn-lt"/>
-                <a:ea typeface="+mn-ea"/>
-                <a:cs typeface="+mn-cs"/>
-              </a:defRPr>
-            </a:lvl2pPr>
-            <a:lvl3pPr marL="1200150" indent="-285750" algn="l" defTabSz="457200" rtl="0" eaLnBrk="1" latinLnBrk="0" hangingPunct="1">
-              <a:spcBef>
-                <a:spcPct val="20000"/>
-              </a:spcBef>
-              <a:spcAft>
-                <a:spcPts val="600"/>
-              </a:spcAft>
-              <a:buClr>
-                <a:schemeClr val="accent1">
-                  <a:lumMod val="75000"/>
-                </a:schemeClr>
-              </a:buClr>
-              <a:buSzPct val="145000"/>
-              <a:buFont typeface="Arial"/>
-              <a:buChar char="•"/>
-              <a:defRPr sz="1800" kern="1200" cap="none">
-                <a:solidFill>
-                  <a:schemeClr val="tx1"/>
-                </a:solidFill>
-                <a:effectLst/>
-                <a:latin typeface="+mn-lt"/>
-                <a:ea typeface="+mn-ea"/>
-                <a:cs typeface="+mn-cs"/>
-              </a:defRPr>
-            </a:lvl3pPr>
-            <a:lvl4pPr marL="1543050" indent="-171450" algn="l" defTabSz="457200" rtl="0" eaLnBrk="1" latinLnBrk="0" hangingPunct="1">
-              <a:spcBef>
-                <a:spcPct val="20000"/>
-              </a:spcBef>
-              <a:spcAft>
-                <a:spcPts val="600"/>
-              </a:spcAft>
-              <a:buClr>
-                <a:schemeClr val="accent1">
-                  <a:lumMod val="75000"/>
-                </a:schemeClr>
-              </a:buClr>
-              <a:buSzPct val="145000"/>
-              <a:buFont typeface="Arial"/>
-              <a:buChar char="•"/>
-              <a:defRPr sz="1600" kern="1200" cap="none">
-                <a:solidFill>
-                  <a:schemeClr val="tx1"/>
-                </a:solidFill>
-                <a:effectLst/>
-                <a:latin typeface="+mn-lt"/>
-                <a:ea typeface="+mn-ea"/>
-                <a:cs typeface="+mn-cs"/>
-              </a:defRPr>
-            </a:lvl4pPr>
-            <a:lvl5pPr marL="2000250" indent="-171450" algn="l" defTabSz="457200" rtl="0" eaLnBrk="1" latinLnBrk="0" hangingPunct="1">
-              <a:spcBef>
-                <a:spcPct val="20000"/>
-              </a:spcBef>
-              <a:spcAft>
-                <a:spcPts val="600"/>
-              </a:spcAft>
-              <a:buClr>
-                <a:schemeClr val="accent1">
-                  <a:lumMod val="75000"/>
-                </a:schemeClr>
-              </a:buClr>
-              <a:buSzPct val="145000"/>
-              <a:buFont typeface="Arial"/>
-              <a:buChar char="•"/>
-              <a:defRPr sz="1400" kern="1200" cap="none">
-                <a:solidFill>
-                  <a:schemeClr val="tx1"/>
-                </a:solidFill>
-                <a:effectLst/>
-                <a:latin typeface="+mn-lt"/>
-                <a:ea typeface="+mn-ea"/>
-                <a:cs typeface="+mn-cs"/>
-              </a:defRPr>
-            </a:lvl5pPr>
-            <a:lvl6pPr marL="2514600" indent="-228600" algn="l" defTabSz="457200" rtl="0" eaLnBrk="1" latinLnBrk="0" hangingPunct="1">
-              <a:spcBef>
-                <a:spcPct val="20000"/>
-              </a:spcBef>
-              <a:spcAft>
-                <a:spcPts val="600"/>
-              </a:spcAft>
-              <a:buClr>
-                <a:schemeClr val="accent1">
-                  <a:lumMod val="75000"/>
-                </a:schemeClr>
-              </a:buClr>
-              <a:buSzPct val="145000"/>
-              <a:buFont typeface="Arial"/>
-              <a:buChar char="•"/>
-              <a:defRPr sz="1400" kern="1200" cap="none">
-                <a:solidFill>
-                  <a:schemeClr val="tx1"/>
-                </a:solidFill>
-                <a:effectLst/>
-                <a:latin typeface="+mn-lt"/>
-                <a:ea typeface="+mn-ea"/>
-                <a:cs typeface="+mn-cs"/>
-              </a:defRPr>
-            </a:lvl6pPr>
-            <a:lvl7pPr marL="2971800" indent="-228600" algn="l" defTabSz="457200" rtl="0" eaLnBrk="1" latinLnBrk="0" hangingPunct="1">
-              <a:spcBef>
-                <a:spcPct val="20000"/>
-              </a:spcBef>
-              <a:spcAft>
-                <a:spcPts val="600"/>
-              </a:spcAft>
-              <a:buClr>
-                <a:schemeClr val="accent1">
-                  <a:lumMod val="75000"/>
-                </a:schemeClr>
-              </a:buClr>
-              <a:buSzPct val="145000"/>
-              <a:buFont typeface="Arial"/>
-              <a:buChar char="•"/>
-              <a:defRPr sz="1400" kern="1200" cap="none">
-                <a:solidFill>
-                  <a:schemeClr val="tx1"/>
-                </a:solidFill>
-                <a:effectLst/>
-                <a:latin typeface="+mn-lt"/>
-                <a:ea typeface="+mn-ea"/>
-                <a:cs typeface="+mn-cs"/>
-              </a:defRPr>
-            </a:lvl7pPr>
-            <a:lvl8pPr marL="3429000" indent="-228600" algn="l" defTabSz="457200" rtl="0" eaLnBrk="1" latinLnBrk="0" hangingPunct="1">
-              <a:spcBef>
-                <a:spcPct val="20000"/>
-              </a:spcBef>
-              <a:spcAft>
-                <a:spcPts val="600"/>
-              </a:spcAft>
-              <a:buClr>
-                <a:schemeClr val="accent1">
-                  <a:lumMod val="75000"/>
-                </a:schemeClr>
-              </a:buClr>
-              <a:buSzPct val="145000"/>
-              <a:buFont typeface="Arial"/>
-              <a:buChar char="•"/>
-              <a:defRPr sz="1400" kern="1200" cap="none">
-                <a:solidFill>
-                  <a:schemeClr val="tx1"/>
-                </a:solidFill>
-                <a:effectLst/>
-                <a:latin typeface="+mn-lt"/>
-                <a:ea typeface="+mn-ea"/>
-                <a:cs typeface="+mn-cs"/>
-              </a:defRPr>
-            </a:lvl8pPr>
-            <a:lvl9pPr marL="3886200" indent="-228600" algn="l" defTabSz="457200" rtl="0" eaLnBrk="1" latinLnBrk="0" hangingPunct="1">
-              <a:spcBef>
-                <a:spcPct val="20000"/>
-              </a:spcBef>
-              <a:spcAft>
-                <a:spcPts val="600"/>
-              </a:spcAft>
-              <a:buClr>
-                <a:schemeClr val="accent1">
-                  <a:lumMod val="75000"/>
-                </a:schemeClr>
-              </a:buClr>
-              <a:buSzPct val="145000"/>
-              <a:buFont typeface="Arial"/>
-              <a:buChar char="•"/>
-              <a:defRPr sz="1400" kern="1200" cap="none">
-                <a:solidFill>
-                  <a:schemeClr val="tx1"/>
-                </a:solidFill>
-                <a:effectLst/>
-                <a:latin typeface="+mn-lt"/>
-                <a:ea typeface="+mn-ea"/>
-                <a:cs typeface="+mn-cs"/>
-              </a:defRPr>
-            </a:lvl9pPr>
-          </a:lstStyle>
-          <a:p>
-            <a:r>
-              <a:rPr lang="en-US" sz="3200" dirty="0" smtClean="0"/>
-              <a:t>Foreground</a:t>
-            </a:r>
-          </a:p>
-          <a:p>
-            <a:pPr lvl="1"/>
-            <a:r>
-              <a:rPr lang="en-US" sz="2800" dirty="0" smtClean="0"/>
-              <a:t>Idle</a:t>
-            </a:r>
-          </a:p>
-          <a:p>
-            <a:pPr lvl="1"/>
-            <a:r>
-              <a:rPr lang="en-US" sz="2800" dirty="0" smtClean="0"/>
-              <a:t>Playing</a:t>
-            </a:r>
-          </a:p>
-          <a:p>
-            <a:r>
-              <a:rPr lang="en-US" sz="3200" dirty="0" smtClean="0"/>
-              <a:t>Background</a:t>
-            </a:r>
-          </a:p>
-        </p:txBody>
-      </p:sp>
     </p:spTree>
     <p:extLst>
       <p:ext uri="{BB962C8B-B14F-4D97-AF65-F5344CB8AC3E}">
-        <p14:creationId xmlns:p14="http://schemas.microsoft.com/office/powerpoint/2010/main" val="1643618884"/>
+        <p14:creationId xmlns:p14="http://schemas.microsoft.com/office/powerpoint/2010/main" val="623622997"/>
       </p:ext>
     </p:extLst>
   </p:cSld>
